--- a/有关git/git那些事.pptx
+++ b/有关git/git那些事.pptx
@@ -5,10 +5,10 @@
     <p:sldMasterId id="2147483833" r:id="rId1"/>
   </p:sldMasterIdLst>
   <p:notesMasterIdLst>
-    <p:notesMasterId r:id="rId23"/>
+    <p:notesMasterId r:id="rId24"/>
   </p:notesMasterIdLst>
   <p:handoutMasterIdLst>
-    <p:handoutMasterId r:id="rId24"/>
+    <p:handoutMasterId r:id="rId25"/>
   </p:handoutMasterIdLst>
   <p:sldIdLst>
     <p:sldId id="256" r:id="rId2"/>
@@ -16,22 +16,23 @@
     <p:sldId id="258" r:id="rId4"/>
     <p:sldId id="266" r:id="rId5"/>
     <p:sldId id="267" r:id="rId6"/>
-    <p:sldId id="268" r:id="rId7"/>
-    <p:sldId id="269" r:id="rId8"/>
-    <p:sldId id="260" r:id="rId9"/>
-    <p:sldId id="259" r:id="rId10"/>
-    <p:sldId id="273" r:id="rId11"/>
-    <p:sldId id="277" r:id="rId12"/>
-    <p:sldId id="274" r:id="rId13"/>
-    <p:sldId id="275" r:id="rId14"/>
-    <p:sldId id="276" r:id="rId15"/>
-    <p:sldId id="271" r:id="rId16"/>
-    <p:sldId id="272" r:id="rId17"/>
-    <p:sldId id="261" r:id="rId18"/>
-    <p:sldId id="263" r:id="rId19"/>
-    <p:sldId id="264" r:id="rId20"/>
-    <p:sldId id="265" r:id="rId21"/>
-    <p:sldId id="262" r:id="rId22"/>
+    <p:sldId id="278" r:id="rId7"/>
+    <p:sldId id="268" r:id="rId8"/>
+    <p:sldId id="269" r:id="rId9"/>
+    <p:sldId id="260" r:id="rId10"/>
+    <p:sldId id="259" r:id="rId11"/>
+    <p:sldId id="273" r:id="rId12"/>
+    <p:sldId id="277" r:id="rId13"/>
+    <p:sldId id="274" r:id="rId14"/>
+    <p:sldId id="275" r:id="rId15"/>
+    <p:sldId id="276" r:id="rId16"/>
+    <p:sldId id="271" r:id="rId17"/>
+    <p:sldId id="272" r:id="rId18"/>
+    <p:sldId id="261" r:id="rId19"/>
+    <p:sldId id="263" r:id="rId20"/>
+    <p:sldId id="264" r:id="rId21"/>
+    <p:sldId id="265" r:id="rId22"/>
+    <p:sldId id="262" r:id="rId23"/>
   </p:sldIdLst>
   <p:sldSz cx="12192000" cy="6858000"/>
   <p:notesSz cx="6858000" cy="9144000"/>
@@ -235,7 +236,7 @@
           <a:p>
             <a:fld id="{D70EB89D-5FB7-4CE0-8973-D008207FD572}" type="datetimeFigureOut">
               <a:rPr lang="zh-CN" altLang="en-US" smtClean="0"/>
-              <a:t>2015/4/11</a:t>
+              <a:t>2015/4/12</a:t>
             </a:fld>
             <a:endParaRPr lang="zh-CN" altLang="en-US"/>
           </a:p>
@@ -400,7 +401,7 @@
           <a:p>
             <a:fld id="{DEE8319D-D656-4A9A-823D-2E9436525494}" type="datetimeFigureOut">
               <a:rPr lang="zh-CN" altLang="en-US" smtClean="0"/>
-              <a:t>2015/4/11</a:t>
+              <a:t>2015/4/12</a:t>
             </a:fld>
             <a:endParaRPr lang="zh-CN" altLang="en-US"/>
           </a:p>
@@ -826,7 +827,7 @@
     </p:spTree>
     <p:extLst>
       <p:ext uri="{BB962C8B-B14F-4D97-AF65-F5344CB8AC3E}">
-        <p14:creationId xmlns:p14="http://schemas.microsoft.com/office/powerpoint/2010/main" val="2482021753"/>
+        <p14:creationId xmlns:p14="http://schemas.microsoft.com/office/powerpoint/2010/main" val="1658858669"/>
       </p:ext>
     </p:extLst>
   </p:cSld>
@@ -910,7 +911,7 @@
     </p:spTree>
     <p:extLst>
       <p:ext uri="{BB962C8B-B14F-4D97-AF65-F5344CB8AC3E}">
-        <p14:creationId xmlns:p14="http://schemas.microsoft.com/office/powerpoint/2010/main" val="3093461662"/>
+        <p14:creationId xmlns:p14="http://schemas.microsoft.com/office/powerpoint/2010/main" val="2482021753"/>
       </p:ext>
     </p:extLst>
   </p:cSld>
@@ -994,7 +995,7 @@
     </p:spTree>
     <p:extLst>
       <p:ext uri="{BB962C8B-B14F-4D97-AF65-F5344CB8AC3E}">
-        <p14:creationId xmlns:p14="http://schemas.microsoft.com/office/powerpoint/2010/main" val="1858999596"/>
+        <p14:creationId xmlns:p14="http://schemas.microsoft.com/office/powerpoint/2010/main" val="3093461662"/>
       </p:ext>
     </p:extLst>
   </p:cSld>
@@ -1078,7 +1079,7 @@
     </p:spTree>
     <p:extLst>
       <p:ext uri="{BB962C8B-B14F-4D97-AF65-F5344CB8AC3E}">
-        <p14:creationId xmlns:p14="http://schemas.microsoft.com/office/powerpoint/2010/main" val="491063383"/>
+        <p14:creationId xmlns:p14="http://schemas.microsoft.com/office/powerpoint/2010/main" val="1858999596"/>
       </p:ext>
     </p:extLst>
   </p:cSld>
@@ -1162,7 +1163,7 @@
     </p:spTree>
     <p:extLst>
       <p:ext uri="{BB962C8B-B14F-4D97-AF65-F5344CB8AC3E}">
-        <p14:creationId xmlns:p14="http://schemas.microsoft.com/office/powerpoint/2010/main" val="1874944890"/>
+        <p14:creationId xmlns:p14="http://schemas.microsoft.com/office/powerpoint/2010/main" val="491063383"/>
       </p:ext>
     </p:extLst>
   </p:cSld>
@@ -1246,7 +1247,7 @@
     </p:spTree>
     <p:extLst>
       <p:ext uri="{BB962C8B-B14F-4D97-AF65-F5344CB8AC3E}">
-        <p14:creationId xmlns:p14="http://schemas.microsoft.com/office/powerpoint/2010/main" val="3639154432"/>
+        <p14:creationId xmlns:p14="http://schemas.microsoft.com/office/powerpoint/2010/main" val="1874944890"/>
       </p:ext>
     </p:extLst>
   </p:cSld>
@@ -1330,7 +1331,7 @@
     </p:spTree>
     <p:extLst>
       <p:ext uri="{BB962C8B-B14F-4D97-AF65-F5344CB8AC3E}">
-        <p14:creationId xmlns:p14="http://schemas.microsoft.com/office/powerpoint/2010/main" val="4134170318"/>
+        <p14:creationId xmlns:p14="http://schemas.microsoft.com/office/powerpoint/2010/main" val="3639154432"/>
       </p:ext>
     </p:extLst>
   </p:cSld>
@@ -1414,7 +1415,7 @@
     </p:spTree>
     <p:extLst>
       <p:ext uri="{BB962C8B-B14F-4D97-AF65-F5344CB8AC3E}">
-        <p14:creationId xmlns:p14="http://schemas.microsoft.com/office/powerpoint/2010/main" val="1551867567"/>
+        <p14:creationId xmlns:p14="http://schemas.microsoft.com/office/powerpoint/2010/main" val="4134170318"/>
       </p:ext>
     </p:extLst>
   </p:cSld>
@@ -1498,7 +1499,7 @@
     </p:spTree>
     <p:extLst>
       <p:ext uri="{BB962C8B-B14F-4D97-AF65-F5344CB8AC3E}">
-        <p14:creationId xmlns:p14="http://schemas.microsoft.com/office/powerpoint/2010/main" val="641251801"/>
+        <p14:creationId xmlns:p14="http://schemas.microsoft.com/office/powerpoint/2010/main" val="1551867567"/>
       </p:ext>
     </p:extLst>
   </p:cSld>
@@ -1582,7 +1583,7 @@
     </p:spTree>
     <p:extLst>
       <p:ext uri="{BB962C8B-B14F-4D97-AF65-F5344CB8AC3E}">
-        <p14:creationId xmlns:p14="http://schemas.microsoft.com/office/powerpoint/2010/main" val="3953351776"/>
+        <p14:creationId xmlns:p14="http://schemas.microsoft.com/office/powerpoint/2010/main" val="641251801"/>
       </p:ext>
     </p:extLst>
   </p:cSld>
@@ -1750,6 +1751,90 @@
     </p:spTree>
     <p:extLst>
       <p:ext uri="{BB962C8B-B14F-4D97-AF65-F5344CB8AC3E}">
+        <p14:creationId xmlns:p14="http://schemas.microsoft.com/office/powerpoint/2010/main" val="3953351776"/>
+      </p:ext>
+    </p:extLst>
+  </p:cSld>
+  <p:clrMapOvr>
+    <a:masterClrMapping/>
+  </p:clrMapOvr>
+</p:notes>
+</file>
+
+<file path=ppt/notesSlides/notesSlide21.xml><?xml version="1.0" encoding="utf-8"?>
+<p:notes xmlns:a="http://schemas.openxmlformats.org/drawingml/2006/main" xmlns:r="http://schemas.openxmlformats.org/officeDocument/2006/relationships" xmlns:p="http://schemas.openxmlformats.org/presentationml/2006/main">
+  <p:cSld>
+    <p:spTree>
+      <p:nvGrpSpPr>
+        <p:cNvPr id="1" name=""/>
+        <p:cNvGrpSpPr/>
+        <p:nvPr/>
+      </p:nvGrpSpPr>
+      <p:grpSpPr>
+        <a:xfrm>
+          <a:off x="0" y="0"/>
+          <a:ext cx="0" cy="0"/>
+          <a:chOff x="0" y="0"/>
+          <a:chExt cx="0" cy="0"/>
+        </a:xfrm>
+      </p:grpSpPr>
+      <p:sp>
+        <p:nvSpPr>
+          <p:cNvPr id="2" name="幻灯片图像占位符 1"/>
+          <p:cNvSpPr>
+            <a:spLocks noGrp="1" noRot="1" noChangeAspect="1"/>
+          </p:cNvSpPr>
+          <p:nvPr>
+            <p:ph type="sldImg"/>
+          </p:nvPr>
+        </p:nvSpPr>
+        <p:spPr/>
+      </p:sp>
+      <p:sp>
+        <p:nvSpPr>
+          <p:cNvPr id="3" name="备注占位符 2"/>
+          <p:cNvSpPr>
+            <a:spLocks noGrp="1"/>
+          </p:cNvSpPr>
+          <p:nvPr>
+            <p:ph type="body" idx="1"/>
+          </p:nvPr>
+        </p:nvSpPr>
+        <p:spPr/>
+        <p:txBody>
+          <a:bodyPr/>
+          <a:lstStyle/>
+          <a:p>
+            <a:endParaRPr lang="zh-CN" altLang="en-US"/>
+          </a:p>
+        </p:txBody>
+      </p:sp>
+      <p:sp>
+        <p:nvSpPr>
+          <p:cNvPr id="4" name="灯片编号占位符 3"/>
+          <p:cNvSpPr>
+            <a:spLocks noGrp="1"/>
+          </p:cNvSpPr>
+          <p:nvPr>
+            <p:ph type="sldNum" sz="quarter" idx="10"/>
+          </p:nvPr>
+        </p:nvSpPr>
+        <p:spPr/>
+        <p:txBody>
+          <a:bodyPr/>
+          <a:lstStyle/>
+          <a:p>
+            <a:fld id="{028C5BB6-D433-47B9-A53D-AEEC83C18140}" type="slidenum">
+              <a:rPr lang="zh-CN" altLang="en-US" smtClean="0"/>
+              <a:t>22</a:t>
+            </a:fld>
+            <a:endParaRPr lang="zh-CN" altLang="en-US"/>
+          </a:p>
+        </p:txBody>
+      </p:sp>
+    </p:spTree>
+    <p:extLst>
+      <p:ext uri="{BB962C8B-B14F-4D97-AF65-F5344CB8AC3E}">
         <p14:creationId xmlns:p14="http://schemas.microsoft.com/office/powerpoint/2010/main" val="4067273496"/>
       </p:ext>
     </p:extLst>
@@ -2002,7 +2087,7 @@
     </p:spTree>
     <p:extLst>
       <p:ext uri="{BB962C8B-B14F-4D97-AF65-F5344CB8AC3E}">
-        <p14:creationId xmlns:p14="http://schemas.microsoft.com/office/powerpoint/2010/main" val="1441114420"/>
+        <p14:creationId xmlns:p14="http://schemas.microsoft.com/office/powerpoint/2010/main" val="3930982296"/>
       </p:ext>
     </p:extLst>
   </p:cSld>
@@ -2086,7 +2171,7 @@
     </p:spTree>
     <p:extLst>
       <p:ext uri="{BB962C8B-B14F-4D97-AF65-F5344CB8AC3E}">
-        <p14:creationId xmlns:p14="http://schemas.microsoft.com/office/powerpoint/2010/main" val="3644175818"/>
+        <p14:creationId xmlns:p14="http://schemas.microsoft.com/office/powerpoint/2010/main" val="1441114420"/>
       </p:ext>
     </p:extLst>
   </p:cSld>
@@ -2170,7 +2255,7 @@
     </p:spTree>
     <p:extLst>
       <p:ext uri="{BB962C8B-B14F-4D97-AF65-F5344CB8AC3E}">
-        <p14:creationId xmlns:p14="http://schemas.microsoft.com/office/powerpoint/2010/main" val="4179012177"/>
+        <p14:creationId xmlns:p14="http://schemas.microsoft.com/office/powerpoint/2010/main" val="3644175818"/>
       </p:ext>
     </p:extLst>
   </p:cSld>
@@ -2254,7 +2339,7 @@
     </p:spTree>
     <p:extLst>
       <p:ext uri="{BB962C8B-B14F-4D97-AF65-F5344CB8AC3E}">
-        <p14:creationId xmlns:p14="http://schemas.microsoft.com/office/powerpoint/2010/main" val="226138092"/>
+        <p14:creationId xmlns:p14="http://schemas.microsoft.com/office/powerpoint/2010/main" val="4179012177"/>
       </p:ext>
     </p:extLst>
   </p:cSld>
@@ -2338,7 +2423,7 @@
     </p:spTree>
     <p:extLst>
       <p:ext uri="{BB962C8B-B14F-4D97-AF65-F5344CB8AC3E}">
-        <p14:creationId xmlns:p14="http://schemas.microsoft.com/office/powerpoint/2010/main" val="1658858669"/>
+        <p14:creationId xmlns:p14="http://schemas.microsoft.com/office/powerpoint/2010/main" val="226138092"/>
       </p:ext>
     </p:extLst>
   </p:cSld>
@@ -2534,7 +2619,7 @@
           <a:p>
             <a:fld id="{8928E80E-EF9F-4415-9851-BD4B374AADE1}" type="datetime1">
               <a:rPr lang="zh-CN" altLang="en-US" smtClean="0"/>
-              <a:t>2015/4/11</a:t>
+              <a:t>2015/4/12</a:t>
             </a:fld>
             <a:endParaRPr lang="zh-CN" altLang="en-US"/>
           </a:p>
@@ -2809,7 +2894,7 @@
           <a:p>
             <a:fld id="{3C2205A1-D131-464A-9553-796F862D4D1F}" type="datetime1">
               <a:rPr lang="zh-CN" altLang="en-US" smtClean="0"/>
-              <a:t>2015/4/11</a:t>
+              <a:t>2015/4/12</a:t>
             </a:fld>
             <a:endParaRPr lang="zh-CN" altLang="en-US"/>
           </a:p>
@@ -3003,7 +3088,7 @@
           <a:p>
             <a:fld id="{B1A98F6A-4380-4DB9-9B6E-4B80AB3D9478}" type="datetime1">
               <a:rPr lang="zh-CN" altLang="en-US" smtClean="0"/>
-              <a:t>2015/4/11</a:t>
+              <a:t>2015/4/12</a:t>
             </a:fld>
             <a:endParaRPr lang="zh-CN" altLang="en-US"/>
           </a:p>
@@ -3276,7 +3361,7 @@
           <a:p>
             <a:fld id="{275C9078-E076-47A2-882E-D25E09C38018}" type="datetime1">
               <a:rPr lang="zh-CN" altLang="en-US" smtClean="0"/>
-              <a:t>2015/4/11</a:t>
+              <a:t>2015/4/12</a:t>
             </a:fld>
             <a:endParaRPr lang="zh-CN" altLang="en-US"/>
           </a:p>
@@ -3617,7 +3702,7 @@
           <a:p>
             <a:fld id="{018A204E-5E44-44A0-AB8A-CA34EF1489D4}" type="datetime1">
               <a:rPr lang="zh-CN" altLang="en-US" smtClean="0"/>
-              <a:t>2015/4/11</a:t>
+              <a:t>2015/4/12</a:t>
             </a:fld>
             <a:endParaRPr lang="zh-CN" altLang="en-US"/>
           </a:p>
@@ -4240,7 +4325,7 @@
           <a:p>
             <a:fld id="{03F5CBF8-96D9-467E-84AE-19A32D5DE9D4}" type="datetime1">
               <a:rPr lang="zh-CN" altLang="en-US" smtClean="0"/>
-              <a:t>2015/4/11</a:t>
+              <a:t>2015/4/12</a:t>
             </a:fld>
             <a:endParaRPr lang="zh-CN" altLang="en-US"/>
           </a:p>
@@ -5100,7 +5185,7 @@
           <a:p>
             <a:fld id="{C406BEDE-E5D6-40E8-89FA-9336769434F2}" type="datetime1">
               <a:rPr lang="zh-CN" altLang="en-US" smtClean="0"/>
-              <a:t>2015/4/11</a:t>
+              <a:t>2015/4/12</a:t>
             </a:fld>
             <a:endParaRPr lang="zh-CN" altLang="en-US"/>
           </a:p>
@@ -5270,7 +5355,7 @@
           <a:p>
             <a:fld id="{6CFDEE5E-1732-447B-B909-A26BBD7DF47C}" type="datetime1">
               <a:rPr lang="zh-CN" altLang="en-US" smtClean="0"/>
-              <a:t>2015/4/11</a:t>
+              <a:t>2015/4/12</a:t>
             </a:fld>
             <a:endParaRPr lang="zh-CN" altLang="en-US"/>
           </a:p>
@@ -5450,7 +5535,7 @@
           <a:p>
             <a:fld id="{7A4D993F-98C0-4D9E-A171-901BCB3F6153}" type="datetime1">
               <a:rPr lang="zh-CN" altLang="en-US" smtClean="0"/>
-              <a:t>2015/4/11</a:t>
+              <a:t>2015/4/12</a:t>
             </a:fld>
             <a:endParaRPr lang="zh-CN" altLang="en-US"/>
           </a:p>
@@ -5620,7 +5705,7 @@
           <a:p>
             <a:fld id="{ADB11933-CF5B-4B5A-B7D4-AB6934253A0D}" type="datetime1">
               <a:rPr lang="zh-CN" altLang="en-US" smtClean="0"/>
-              <a:t>2015/4/11</a:t>
+              <a:t>2015/4/12</a:t>
             </a:fld>
             <a:endParaRPr lang="zh-CN" altLang="en-US"/>
           </a:p>
@@ -5867,7 +5952,7 @@
           <a:p>
             <a:fld id="{7EA5CB7C-741C-4B83-A34A-EA71A6B589CB}" type="datetime1">
               <a:rPr lang="zh-CN" altLang="en-US" smtClean="0"/>
-              <a:t>2015/4/11</a:t>
+              <a:t>2015/4/12</a:t>
             </a:fld>
             <a:endParaRPr lang="zh-CN" altLang="en-US"/>
           </a:p>
@@ -6159,7 +6244,7 @@
           <a:p>
             <a:fld id="{9A9BAD5C-4A43-4249-B707-6ED607A4A162}" type="datetime1">
               <a:rPr lang="zh-CN" altLang="en-US" smtClean="0"/>
-              <a:t>2015/4/11</a:t>
+              <a:t>2015/4/12</a:t>
             </a:fld>
             <a:endParaRPr lang="zh-CN" altLang="en-US"/>
           </a:p>
@@ -6603,7 +6688,7 @@
           <a:p>
             <a:fld id="{91CB6D60-198C-4586-BCE6-E1E3443E2338}" type="datetime1">
               <a:rPr lang="zh-CN" altLang="en-US" smtClean="0"/>
-              <a:t>2015/4/11</a:t>
+              <a:t>2015/4/12</a:t>
             </a:fld>
             <a:endParaRPr lang="zh-CN" altLang="en-US"/>
           </a:p>
@@ -6721,7 +6806,7 @@
           <a:p>
             <a:fld id="{BE5B19BB-BF4C-475E-B586-D5BAEB297B52}" type="datetime1">
               <a:rPr lang="zh-CN" altLang="en-US" smtClean="0"/>
-              <a:t>2015/4/11</a:t>
+              <a:t>2015/4/12</a:t>
             </a:fld>
             <a:endParaRPr lang="zh-CN" altLang="en-US"/>
           </a:p>
@@ -6816,7 +6901,7 @@
           <a:p>
             <a:fld id="{7710EE63-ABE7-4E98-9CBA-DD7A8C34426D}" type="datetime1">
               <a:rPr lang="zh-CN" altLang="en-US" smtClean="0"/>
-              <a:t>2015/4/11</a:t>
+              <a:t>2015/4/12</a:t>
             </a:fld>
             <a:endParaRPr lang="zh-CN" altLang="en-US"/>
           </a:p>
@@ -7095,7 +7180,7 @@
           <a:p>
             <a:fld id="{3A3386F7-FD06-4D9C-9B11-8B46D85E40E1}" type="datetime1">
               <a:rPr lang="zh-CN" altLang="en-US" smtClean="0"/>
-              <a:t>2015/4/11</a:t>
+              <a:t>2015/4/12</a:t>
             </a:fld>
             <a:endParaRPr lang="zh-CN" altLang="en-US"/>
           </a:p>
@@ -7370,7 +7455,7 @@
           <a:p>
             <a:fld id="{533019C0-53FA-4149-B728-2101360AC75B}" type="datetime1">
               <a:rPr lang="zh-CN" altLang="en-US" smtClean="0"/>
-              <a:t>2015/4/11</a:t>
+              <a:t>2015/4/12</a:t>
             </a:fld>
             <a:endParaRPr lang="zh-CN" altLang="en-US"/>
           </a:p>
@@ -7799,7 +7884,7 @@
           <a:p>
             <a:fld id="{1B8A88BD-ABB6-4D08-B939-76D3288B971D}" type="datetime1">
               <a:rPr lang="zh-CN" altLang="en-US" smtClean="0"/>
-              <a:t>2015/4/11</a:t>
+              <a:t>2015/4/12</a:t>
             </a:fld>
             <a:endParaRPr lang="zh-CN" altLang="en-US"/>
           </a:p>
@@ -8620,23 +8705,40 @@
           <a:lstStyle/>
           <a:p>
             <a:r>
-              <a:rPr lang="en-US" altLang="zh-CN" sz="3200" dirty="0" smtClean="0">
+              <a:rPr lang="zh-CN" altLang="en-US" smtClean="0">
                 <a:latin typeface="华文琥珀" panose="02010800040101010101" pitchFamily="2" charset="-122"/>
                 <a:ea typeface="华文琥珀" panose="02010800040101010101" pitchFamily="2" charset="-122"/>
               </a:rPr>
-              <a:t>Reset</a:t>
-            </a:r>
-            <a:r>
-              <a:rPr lang="zh-CN" altLang="en-US" sz="3200" dirty="0" smtClean="0">
-                <a:latin typeface="华文琥珀" panose="02010800040101010101" pitchFamily="2" charset="-122"/>
-                <a:ea typeface="华文琥珀" panose="02010800040101010101" pitchFamily="2" charset="-122"/>
-              </a:rPr>
-              <a:t>命令</a:t>
+              <a:t>一切都是对象</a:t>
             </a:r>
             <a:endParaRPr lang="zh-CN" altLang="en-US" sz="3200" dirty="0">
               <a:latin typeface="华文琥珀" panose="02010800040101010101" pitchFamily="2" charset="-122"/>
               <a:ea typeface="华文琥珀" panose="02010800040101010101" pitchFamily="2" charset="-122"/>
             </a:endParaRPr>
+          </a:p>
+        </p:txBody>
+      </p:sp>
+      <p:sp>
+        <p:nvSpPr>
+          <p:cNvPr id="2" name="文本占位符 1"/>
+          <p:cNvSpPr>
+            <a:spLocks noGrp="1"/>
+          </p:cNvSpPr>
+          <p:nvPr>
+            <p:ph type="body" idx="1"/>
+          </p:nvPr>
+        </p:nvSpPr>
+        <p:spPr>
+          <a:xfrm>
+            <a:off x="1154954" y="1160838"/>
+            <a:ext cx="10035785" cy="4889584"/>
+          </a:xfrm>
+        </p:spPr>
+        <p:txBody>
+          <a:bodyPr/>
+          <a:lstStyle/>
+          <a:p>
+            <a:endParaRPr lang="zh-CN" altLang="en-US" dirty="0"/>
           </a:p>
         </p:txBody>
       </p:sp>
@@ -8866,25 +8968,25 @@
         </p:nvSpPr>
         <p:spPr>
           <a:xfrm>
-            <a:off x="2418935" y="1022031"/>
-            <a:ext cx="7543800" cy="4269160"/>
+            <a:off x="2551774" y="1160838"/>
+            <a:ext cx="7543800" cy="4889584"/>
           </a:xfrm>
           <a:prstGeom prst="roundRect">
             <a:avLst/>
           </a:prstGeom>
         </p:spPr>
         <p:style>
-          <a:lnRef idx="1">
-            <a:schemeClr val="dk1"/>
+          <a:lnRef idx="0">
+            <a:schemeClr val="accent4"/>
           </a:lnRef>
-          <a:fillRef idx="2">
-            <a:schemeClr val="dk1"/>
+          <a:fillRef idx="3">
+            <a:schemeClr val="accent4"/>
           </a:fillRef>
-          <a:effectRef idx="1">
-            <a:schemeClr val="dk1"/>
+          <a:effectRef idx="3">
+            <a:schemeClr val="accent4"/>
           </a:effectRef>
           <a:fontRef idx="minor">
-            <a:schemeClr val="dk1"/>
+            <a:schemeClr val="lt1"/>
           </a:fontRef>
         </p:style>
         <p:txBody>
@@ -8908,20 +9010,1050 @@
           </a:p>
         </p:txBody>
       </p:sp>
-      <p:sp>
-        <p:nvSpPr>
-          <p:cNvPr id="15" name="标题 1"/>
-          <p:cNvSpPr txBox="1">
-            <a:spLocks noGrp="1"/>
-          </p:cNvSpPr>
+      <p:graphicFrame>
+        <p:nvGraphicFramePr>
+          <p:cNvPr id="15" name="表格 14"/>
+          <p:cNvGraphicFramePr>
+            <a:graphicFrameLocks noGrp="1"/>
+          </p:cNvGraphicFramePr>
           <p:nvPr>
-            <p:ph type="body" idx="1"/>
+            <p:extLst>
+              <p:ext uri="{D42A27DB-BD31-4B8C-83A1-F6EECF244321}">
+                <p14:modId xmlns:p14="http://schemas.microsoft.com/office/powerpoint/2010/main" val="240183845"/>
+              </p:ext>
+            </p:extLst>
           </p:nvPr>
-        </p:nvSpPr>
+        </p:nvGraphicFramePr>
+        <p:xfrm>
+          <a:off x="2969537" y="1575303"/>
+          <a:ext cx="6799152" cy="4046899"/>
+        </p:xfrm>
+        <a:graphic>
+          <a:graphicData uri="http://schemas.openxmlformats.org/drawingml/2006/table">
+            <a:tbl>
+              <a:tblPr firstRow="1" bandRow="1">
+                <a:tableStyleId>{9D7B26C5-4107-4FEC-AEDC-1716B250A1EF}</a:tableStyleId>
+              </a:tblPr>
+              <a:tblGrid>
+                <a:gridCol w="2714983"/>
+                <a:gridCol w="4084169"/>
+              </a:tblGrid>
+              <a:tr h="4046899">
+                <a:tc>
+                  <a:txBody>
+                    <a:bodyPr/>
+                    <a:lstStyle/>
+                    <a:p>
+                      <a:r>
+                        <a:rPr lang="zh-CN" altLang="en-US" sz="1000" dirty="0" smtClean="0"/>
+                        <a:t>暂存区</a:t>
+                      </a:r>
+                      <a:endParaRPr lang="zh-CN" altLang="en-US" sz="1000" dirty="0"/>
+                    </a:p>
+                  </a:txBody>
+                  <a:tcPr/>
+                </a:tc>
+                <a:tc>
+                  <a:txBody>
+                    <a:bodyPr/>
+                    <a:lstStyle/>
+                    <a:p>
+                      <a:pPr marL="0" algn="l" defTabSz="457200" rtl="0" eaLnBrk="1" latinLnBrk="0" hangingPunct="1"/>
+                      <a:r>
+                        <a:rPr lang="zh-CN" altLang="en-US" sz="1000" kern="1200" dirty="0" smtClean="0"/>
+                        <a:t>版本</a:t>
+                      </a:r>
+                      <a:r>
+                        <a:rPr lang="zh-CN" altLang="en-US" sz="1000" kern="1200" dirty="0" smtClean="0"/>
+                        <a:t>区</a:t>
+                      </a:r>
+                      <a:endParaRPr lang="zh-CN" altLang="en-US" sz="1000" b="1" kern="1200" dirty="0">
+                        <a:solidFill>
+                          <a:schemeClr val="lt1"/>
+                        </a:solidFill>
+                        <a:latin typeface="+mn-lt"/>
+                        <a:ea typeface="+mn-ea"/>
+                        <a:cs typeface="+mn-cs"/>
+                      </a:endParaRPr>
+                    </a:p>
+                  </a:txBody>
+                  <a:tcPr/>
+                </a:tc>
+              </a:tr>
+            </a:tbl>
+          </a:graphicData>
+        </a:graphic>
+      </p:graphicFrame>
+      <p:cxnSp>
+        <p:nvCxnSpPr>
+          <p:cNvPr id="12" name="直接箭头连接符 11"/>
+          <p:cNvCxnSpPr/>
+          <p:nvPr/>
+        </p:nvCxnSpPr>
         <p:spPr>
           <a:xfrm>
-            <a:off x="1155700" y="5332575"/>
-            <a:ext cx="10034588" cy="717387"/>
+            <a:off x="5830474" y="5325061"/>
+            <a:ext cx="3936813" cy="16060"/>
+          </a:xfrm>
+          <a:prstGeom prst="straightConnector1">
+            <a:avLst/>
+          </a:prstGeom>
+          <a:ln>
+            <a:tailEnd type="triangle"/>
+          </a:ln>
+        </p:spPr>
+        <p:style>
+          <a:lnRef idx="3">
+            <a:schemeClr val="accent3"/>
+          </a:lnRef>
+          <a:fillRef idx="0">
+            <a:schemeClr val="accent3"/>
+          </a:fillRef>
+          <a:effectRef idx="2">
+            <a:schemeClr val="accent3"/>
+          </a:effectRef>
+          <a:fontRef idx="minor">
+            <a:schemeClr val="tx1"/>
+          </a:fontRef>
+        </p:style>
+      </p:cxnSp>
+      <p:cxnSp>
+        <p:nvCxnSpPr>
+          <p:cNvPr id="13" name="直接连接符 12"/>
+          <p:cNvCxnSpPr/>
+          <p:nvPr/>
+        </p:nvCxnSpPr>
+        <p:spPr>
+          <a:xfrm>
+            <a:off x="5830474" y="2152565"/>
+            <a:ext cx="0" cy="3159659"/>
+          </a:xfrm>
+          <a:prstGeom prst="line">
+            <a:avLst/>
+          </a:prstGeom>
+        </p:spPr>
+        <p:style>
+          <a:lnRef idx="3">
+            <a:schemeClr val="accent3"/>
+          </a:lnRef>
+          <a:fillRef idx="0">
+            <a:schemeClr val="accent3"/>
+          </a:fillRef>
+          <a:effectRef idx="2">
+            <a:schemeClr val="accent3"/>
+          </a:effectRef>
+          <a:fontRef idx="minor">
+            <a:schemeClr val="tx1"/>
+          </a:fontRef>
+        </p:style>
+      </p:cxnSp>
+      <p:graphicFrame>
+        <p:nvGraphicFramePr>
+          <p:cNvPr id="19" name="表格 18"/>
+          <p:cNvGraphicFramePr>
+            <a:graphicFrameLocks noGrp="1"/>
+          </p:cNvGraphicFramePr>
+          <p:nvPr>
+            <p:extLst>
+              <p:ext uri="{D42A27DB-BD31-4B8C-83A1-F6EECF244321}">
+                <p14:modId xmlns:p14="http://schemas.microsoft.com/office/powerpoint/2010/main" val="3217294369"/>
+              </p:ext>
+            </p:extLst>
+          </p:nvPr>
+        </p:nvGraphicFramePr>
+        <p:xfrm>
+          <a:off x="8537067" y="3883112"/>
+          <a:ext cx="1317953" cy="1015387"/>
+        </p:xfrm>
+        <a:graphic>
+          <a:graphicData uri="http://schemas.openxmlformats.org/drawingml/2006/table">
+            <a:tbl>
+              <a:tblPr firstRow="1">
+                <a:tableStyleId>{327F97BB-C833-4FB7-BDE5-3F7075034690}</a:tableStyleId>
+              </a:tblPr>
+              <a:tblGrid>
+                <a:gridCol w="651381"/>
+                <a:gridCol w="666572"/>
+              </a:tblGrid>
+              <a:tr h="244341">
+                <a:tc>
+                  <a:txBody>
+                    <a:bodyPr/>
+                    <a:lstStyle/>
+                    <a:p>
+                      <a:pPr marL="0" indent="0" algn="l" defTabSz="457200" rtl="0" eaLnBrk="1" latinLnBrk="0" hangingPunct="1">
+                        <a:spcBef>
+                          <a:spcPct val="0"/>
+                        </a:spcBef>
+                        <a:spcAft>
+                          <a:spcPts val="0"/>
+                        </a:spcAft>
+                        <a:buClr>
+                          <a:schemeClr val="bg2">
+                            <a:lumMod val="40000"/>
+                            <a:lumOff val="60000"/>
+                          </a:schemeClr>
+                        </a:buClr>
+                        <a:buSzPct val="80000"/>
+                        <a:buFont typeface="Wingdings 3" charset="2"/>
+                        <a:buNone/>
+                      </a:pPr>
+                      <a:r>
+                        <a:rPr lang="en-US" altLang="zh-CN" sz="800" kern="1200" cap="none" dirty="0" smtClean="0">
+                          <a:solidFill>
+                            <a:srgbClr val="FFC000"/>
+                          </a:solidFill>
+                        </a:rPr>
+                        <a:t>commit</a:t>
+                      </a:r>
+                      <a:endParaRPr lang="zh-CN" altLang="en-US" sz="800" b="1" i="0" kern="1200" cap="none" dirty="0">
+                        <a:solidFill>
+                          <a:srgbClr val="FFC000"/>
+                        </a:solidFill>
+                        <a:latin typeface="+mj-lt"/>
+                        <a:ea typeface="+mj-ea"/>
+                        <a:cs typeface="+mj-cs"/>
+                      </a:endParaRPr>
+                    </a:p>
+                  </a:txBody>
+                  <a:tcPr marL="36000" marR="0" marT="0" marB="0" anchor="b"/>
+                </a:tc>
+                <a:tc>
+                  <a:txBody>
+                    <a:bodyPr/>
+                    <a:lstStyle/>
+                    <a:p>
+                      <a:pPr marL="0" indent="0" algn="l" defTabSz="457200" rtl="0" eaLnBrk="1" latinLnBrk="0" hangingPunct="1">
+                        <a:spcBef>
+                          <a:spcPct val="0"/>
+                        </a:spcBef>
+                        <a:spcAft>
+                          <a:spcPts val="0"/>
+                        </a:spcAft>
+                        <a:buClr>
+                          <a:schemeClr val="bg2">
+                            <a:lumMod val="40000"/>
+                            <a:lumOff val="60000"/>
+                          </a:schemeClr>
+                        </a:buClr>
+                        <a:buSzPct val="80000"/>
+                        <a:buFont typeface="Wingdings 3" charset="2"/>
+                        <a:buNone/>
+                      </a:pPr>
+                      <a:r>
+                        <a:rPr lang="en-US" altLang="zh-CN" sz="800" kern="1200" cap="none" dirty="0" smtClean="0">
+                          <a:solidFill>
+                            <a:srgbClr val="FFC000"/>
+                          </a:solidFill>
+                        </a:rPr>
+                        <a:t>273a48</a:t>
+                      </a:r>
+                      <a:endParaRPr lang="zh-CN" altLang="en-US" sz="800" b="1" i="0" kern="1200" cap="none" dirty="0">
+                        <a:solidFill>
+                          <a:srgbClr val="FFC000"/>
+                        </a:solidFill>
+                        <a:latin typeface="+mj-lt"/>
+                        <a:ea typeface="+mj-ea"/>
+                        <a:cs typeface="+mj-cs"/>
+                      </a:endParaRPr>
+                    </a:p>
+                  </a:txBody>
+                  <a:tcPr marL="36000" marR="0" marT="0" marB="0" anchor="b"/>
+                </a:tc>
+              </a:tr>
+              <a:tr h="142396">
+                <a:tc>
+                  <a:txBody>
+                    <a:bodyPr/>
+                    <a:lstStyle/>
+                    <a:p>
+                      <a:pPr marL="0" indent="0" algn="l" defTabSz="457200" rtl="0" eaLnBrk="1" latinLnBrk="0" hangingPunct="1">
+                        <a:spcBef>
+                          <a:spcPct val="0"/>
+                        </a:spcBef>
+                        <a:spcAft>
+                          <a:spcPts val="0"/>
+                        </a:spcAft>
+                        <a:buClr>
+                          <a:schemeClr val="bg2">
+                            <a:lumMod val="40000"/>
+                            <a:lumOff val="60000"/>
+                          </a:schemeClr>
+                        </a:buClr>
+                        <a:buSzPct val="80000"/>
+                        <a:buFont typeface="Wingdings 3" charset="2"/>
+                        <a:buNone/>
+                      </a:pPr>
+                      <a:r>
+                        <a:rPr lang="en-US" altLang="zh-CN" sz="800" b="1" kern="1200" cap="none" dirty="0" smtClean="0">
+                          <a:solidFill>
+                            <a:srgbClr val="00B050"/>
+                          </a:solidFill>
+                        </a:rPr>
+                        <a:t>tree</a:t>
+                      </a:r>
+                      <a:endParaRPr lang="zh-CN" altLang="en-US" sz="800" b="1" i="0" kern="1200" cap="none" dirty="0">
+                        <a:solidFill>
+                          <a:srgbClr val="00B050"/>
+                        </a:solidFill>
+                        <a:latin typeface="+mj-lt"/>
+                        <a:ea typeface="+mj-ea"/>
+                        <a:cs typeface="+mj-cs"/>
+                      </a:endParaRPr>
+                    </a:p>
+                  </a:txBody>
+                  <a:tcPr marL="36000" marR="0" marT="0" marB="0" anchor="b"/>
+                </a:tc>
+                <a:tc>
+                  <a:txBody>
+                    <a:bodyPr/>
+                    <a:lstStyle/>
+                    <a:p>
+                      <a:pPr marL="0" indent="0" algn="l" defTabSz="457200" rtl="0" eaLnBrk="1" latinLnBrk="0" hangingPunct="1">
+                        <a:spcBef>
+                          <a:spcPct val="0"/>
+                        </a:spcBef>
+                        <a:spcAft>
+                          <a:spcPts val="0"/>
+                        </a:spcAft>
+                        <a:buClr>
+                          <a:schemeClr val="bg2">
+                            <a:lumMod val="40000"/>
+                            <a:lumOff val="60000"/>
+                          </a:schemeClr>
+                        </a:buClr>
+                        <a:buSzPct val="80000"/>
+                        <a:buFont typeface="Wingdings 3" charset="2"/>
+                        <a:buNone/>
+                      </a:pPr>
+                      <a:r>
+                        <a:rPr lang="en-US" altLang="zh-CN" sz="800" b="1" kern="1200" cap="none" dirty="0" smtClean="0">
+                          <a:solidFill>
+                            <a:srgbClr val="00B050"/>
+                          </a:solidFill>
+                        </a:rPr>
+                        <a:t>841ce1</a:t>
+                      </a:r>
+                      <a:endParaRPr lang="zh-CN" altLang="en-US" sz="800" b="1" i="0" kern="1200" cap="none" dirty="0">
+                        <a:solidFill>
+                          <a:srgbClr val="00B050"/>
+                        </a:solidFill>
+                        <a:latin typeface="+mj-lt"/>
+                        <a:ea typeface="+mj-ea"/>
+                        <a:cs typeface="+mj-cs"/>
+                      </a:endParaRPr>
+                    </a:p>
+                  </a:txBody>
+                  <a:tcPr marL="36000" marR="0" marT="0" marB="0" anchor="b"/>
+                </a:tc>
+              </a:tr>
+              <a:tr h="152400">
+                <a:tc>
+                  <a:txBody>
+                    <a:bodyPr/>
+                    <a:lstStyle/>
+                    <a:p>
+                      <a:pPr marL="0" indent="0" algn="l" defTabSz="457200" rtl="0" eaLnBrk="1" latinLnBrk="0" hangingPunct="1">
+                        <a:spcBef>
+                          <a:spcPct val="0"/>
+                        </a:spcBef>
+                        <a:spcAft>
+                          <a:spcPts val="0"/>
+                        </a:spcAft>
+                        <a:buClr>
+                          <a:schemeClr val="bg2">
+                            <a:lumMod val="40000"/>
+                            <a:lumOff val="60000"/>
+                          </a:schemeClr>
+                        </a:buClr>
+                        <a:buSzPct val="80000"/>
+                        <a:buFont typeface="Wingdings 3" charset="2"/>
+                        <a:buNone/>
+                      </a:pPr>
+                      <a:r>
+                        <a:rPr lang="en-US" altLang="zh-CN" sz="800" b="1" kern="1200" cap="none" dirty="0" smtClean="0">
+                          <a:solidFill>
+                            <a:srgbClr val="FF0000"/>
+                          </a:solidFill>
+                        </a:rPr>
+                        <a:t>parent</a:t>
+                      </a:r>
+                      <a:endParaRPr lang="zh-CN" altLang="en-US" sz="800" b="1" i="0" kern="1200" cap="none" dirty="0">
+                        <a:solidFill>
+                          <a:srgbClr val="FF0000"/>
+                        </a:solidFill>
+                        <a:latin typeface="+mj-lt"/>
+                        <a:ea typeface="+mj-ea"/>
+                        <a:cs typeface="+mj-cs"/>
+                      </a:endParaRPr>
+                    </a:p>
+                  </a:txBody>
+                  <a:tcPr marL="36000" marR="0" marT="0" marB="0" anchor="b"/>
+                </a:tc>
+                <a:tc>
+                  <a:txBody>
+                    <a:bodyPr/>
+                    <a:lstStyle/>
+                    <a:p>
+                      <a:pPr marL="0" indent="0" algn="l" defTabSz="457200" rtl="0" eaLnBrk="1" latinLnBrk="0" hangingPunct="1">
+                        <a:spcBef>
+                          <a:spcPct val="0"/>
+                        </a:spcBef>
+                        <a:spcAft>
+                          <a:spcPts val="0"/>
+                        </a:spcAft>
+                        <a:buClr>
+                          <a:schemeClr val="bg2">
+                            <a:lumMod val="40000"/>
+                            <a:lumOff val="60000"/>
+                          </a:schemeClr>
+                        </a:buClr>
+                        <a:buSzPct val="80000"/>
+                        <a:buFont typeface="Wingdings 3" charset="2"/>
+                        <a:buNone/>
+                      </a:pPr>
+                      <a:r>
+                        <a:rPr lang="en-US" altLang="zh-CN" sz="800" b="1" kern="1200" cap="none" dirty="0" smtClean="0">
+                          <a:solidFill>
+                            <a:srgbClr val="FF0000"/>
+                          </a:solidFill>
+                        </a:rPr>
+                        <a:t>d82474</a:t>
+                      </a:r>
+                      <a:endParaRPr lang="zh-CN" altLang="en-US" sz="800" b="1" i="0" kern="1200" cap="none" dirty="0">
+                        <a:solidFill>
+                          <a:srgbClr val="FF0000"/>
+                        </a:solidFill>
+                        <a:latin typeface="+mj-lt"/>
+                        <a:ea typeface="+mj-ea"/>
+                        <a:cs typeface="+mj-cs"/>
+                      </a:endParaRPr>
+                    </a:p>
+                  </a:txBody>
+                  <a:tcPr marL="36000" marR="0" marT="0" marB="0" anchor="b"/>
+                </a:tc>
+              </a:tr>
+              <a:tr h="170456">
+                <a:tc>
+                  <a:txBody>
+                    <a:bodyPr/>
+                    <a:lstStyle/>
+                    <a:p>
+                      <a:pPr marL="0" algn="l" defTabSz="457200" rtl="0" eaLnBrk="1" latinLnBrk="0" hangingPunct="1"/>
+                      <a:r>
+                        <a:rPr lang="en-US" altLang="zh-CN" sz="800" kern="1200" dirty="0" smtClean="0"/>
+                        <a:t>author</a:t>
+                      </a:r>
+                      <a:endParaRPr lang="zh-CN" altLang="en-US" sz="800" kern="1200" dirty="0">
+                        <a:solidFill>
+                          <a:schemeClr val="dk1"/>
+                        </a:solidFill>
+                        <a:latin typeface="+mn-lt"/>
+                        <a:ea typeface="+mn-ea"/>
+                        <a:cs typeface="+mn-cs"/>
+                      </a:endParaRPr>
+                    </a:p>
+                  </a:txBody>
+                  <a:tcPr marL="36000" marR="0" marT="0" marB="0" anchor="b"/>
+                </a:tc>
+                <a:tc>
+                  <a:txBody>
+                    <a:bodyPr/>
+                    <a:lstStyle/>
+                    <a:p>
+                      <a:pPr marL="0" algn="l" defTabSz="457200" rtl="0" eaLnBrk="1" latinLnBrk="0" hangingPunct="1"/>
+                      <a:endParaRPr lang="zh-CN" altLang="en-US" sz="800" kern="1200">
+                        <a:solidFill>
+                          <a:schemeClr val="dk1"/>
+                        </a:solidFill>
+                        <a:latin typeface="+mn-lt"/>
+                        <a:ea typeface="+mn-ea"/>
+                        <a:cs typeface="+mn-cs"/>
+                      </a:endParaRPr>
+                    </a:p>
+                  </a:txBody>
+                  <a:tcPr marL="36000" marR="0" marT="0" marB="0" anchor="b"/>
+                </a:tc>
+              </a:tr>
+              <a:tr h="172444">
+                <a:tc>
+                  <a:txBody>
+                    <a:bodyPr/>
+                    <a:lstStyle/>
+                    <a:p>
+                      <a:pPr marL="0" algn="l" defTabSz="457200" rtl="0" eaLnBrk="1" latinLnBrk="0" hangingPunct="1"/>
+                      <a:r>
+                        <a:rPr lang="en-US" altLang="zh-CN" sz="800" kern="1200" dirty="0" smtClean="0"/>
+                        <a:t>committer</a:t>
+                      </a:r>
+                      <a:endParaRPr lang="zh-CN" altLang="en-US" sz="800" kern="1200" dirty="0">
+                        <a:solidFill>
+                          <a:schemeClr val="dk1"/>
+                        </a:solidFill>
+                        <a:latin typeface="+mn-lt"/>
+                        <a:ea typeface="+mn-ea"/>
+                        <a:cs typeface="+mn-cs"/>
+                      </a:endParaRPr>
+                    </a:p>
+                  </a:txBody>
+                  <a:tcPr marL="36000" marR="0" marT="0" marB="0" anchor="b"/>
+                </a:tc>
+                <a:tc>
+                  <a:txBody>
+                    <a:bodyPr/>
+                    <a:lstStyle/>
+                    <a:p>
+                      <a:pPr marL="0" algn="l" defTabSz="457200" rtl="0" eaLnBrk="1" latinLnBrk="0" hangingPunct="1"/>
+                      <a:endParaRPr lang="zh-CN" altLang="en-US" sz="800" kern="1200" dirty="0">
+                        <a:solidFill>
+                          <a:schemeClr val="dk1"/>
+                        </a:solidFill>
+                        <a:latin typeface="+mn-lt"/>
+                        <a:ea typeface="+mn-ea"/>
+                        <a:cs typeface="+mn-cs"/>
+                      </a:endParaRPr>
+                    </a:p>
+                  </a:txBody>
+                  <a:tcPr marL="36000" marR="0" marT="0" marB="0" anchor="b"/>
+                </a:tc>
+              </a:tr>
+              <a:tr h="133350">
+                <a:tc>
+                  <a:txBody>
+                    <a:bodyPr/>
+                    <a:lstStyle/>
+                    <a:p>
+                      <a:pPr marL="0" algn="l" defTabSz="457200" rtl="0" eaLnBrk="1" latinLnBrk="0" hangingPunct="1"/>
+                      <a:endParaRPr lang="zh-CN" altLang="en-US" sz="800" kern="1200" dirty="0">
+                        <a:solidFill>
+                          <a:schemeClr val="dk1"/>
+                        </a:solidFill>
+                        <a:latin typeface="+mn-lt"/>
+                        <a:ea typeface="+mn-ea"/>
+                        <a:cs typeface="+mn-cs"/>
+                      </a:endParaRPr>
+                    </a:p>
+                  </a:txBody>
+                  <a:tcPr marL="36000" marR="0" marT="0" marB="0" anchor="b"/>
+                </a:tc>
+                <a:tc>
+                  <a:txBody>
+                    <a:bodyPr/>
+                    <a:lstStyle/>
+                    <a:p>
+                      <a:pPr marL="0" algn="l" defTabSz="457200" rtl="0" eaLnBrk="1" latinLnBrk="0" hangingPunct="1"/>
+                      <a:endParaRPr lang="zh-CN" altLang="en-US" sz="800" kern="1200" dirty="0">
+                        <a:solidFill>
+                          <a:schemeClr val="dk1"/>
+                        </a:solidFill>
+                        <a:latin typeface="+mn-lt"/>
+                        <a:ea typeface="+mn-ea"/>
+                        <a:cs typeface="+mn-cs"/>
+                      </a:endParaRPr>
+                    </a:p>
+                  </a:txBody>
+                  <a:tcPr marL="36000" marR="0" marT="0" marB="0" anchor="b"/>
+                </a:tc>
+              </a:tr>
+            </a:tbl>
+          </a:graphicData>
+        </a:graphic>
+      </p:graphicFrame>
+      <p:graphicFrame>
+        <p:nvGraphicFramePr>
+          <p:cNvPr id="27" name="表格 26"/>
+          <p:cNvGraphicFramePr>
+            <a:graphicFrameLocks noGrp="1"/>
+          </p:cNvGraphicFramePr>
+          <p:nvPr>
+            <p:extLst>
+              <p:ext uri="{D42A27DB-BD31-4B8C-83A1-F6EECF244321}">
+                <p14:modId xmlns:p14="http://schemas.microsoft.com/office/powerpoint/2010/main" val="1884526690"/>
+              </p:ext>
+            </p:extLst>
+          </p:nvPr>
+        </p:nvGraphicFramePr>
+        <p:xfrm>
+          <a:off x="6605913" y="3888083"/>
+          <a:ext cx="1317953" cy="984907"/>
+        </p:xfrm>
+        <a:graphic>
+          <a:graphicData uri="http://schemas.openxmlformats.org/drawingml/2006/table">
+            <a:tbl>
+              <a:tblPr firstRow="1">
+                <a:tableStyleId>{327F97BB-C833-4FB7-BDE5-3F7075034690}</a:tableStyleId>
+              </a:tblPr>
+              <a:tblGrid>
+                <a:gridCol w="651381"/>
+                <a:gridCol w="666572"/>
+              </a:tblGrid>
+              <a:tr h="244341">
+                <a:tc>
+                  <a:txBody>
+                    <a:bodyPr/>
+                    <a:lstStyle/>
+                    <a:p>
+                      <a:pPr marL="0" indent="0" algn="l" defTabSz="457200" rtl="0" eaLnBrk="1" latinLnBrk="0" hangingPunct="1">
+                        <a:spcBef>
+                          <a:spcPct val="0"/>
+                        </a:spcBef>
+                        <a:spcAft>
+                          <a:spcPts val="0"/>
+                        </a:spcAft>
+                        <a:buClr>
+                          <a:schemeClr val="bg2">
+                            <a:lumMod val="40000"/>
+                            <a:lumOff val="60000"/>
+                          </a:schemeClr>
+                        </a:buClr>
+                        <a:buSzPct val="80000"/>
+                        <a:buFont typeface="Wingdings 3" charset="2"/>
+                        <a:buNone/>
+                      </a:pPr>
+                      <a:r>
+                        <a:rPr lang="en-US" altLang="zh-CN" sz="800" kern="1200" cap="none" dirty="0" smtClean="0">
+                          <a:solidFill>
+                            <a:srgbClr val="FFC000"/>
+                          </a:solidFill>
+                        </a:rPr>
+                        <a:t>commit</a:t>
+                      </a:r>
+                      <a:endParaRPr lang="zh-CN" altLang="en-US" sz="800" b="1" i="0" kern="1200" cap="none" dirty="0">
+                        <a:solidFill>
+                          <a:srgbClr val="FFC000"/>
+                        </a:solidFill>
+                        <a:latin typeface="+mj-lt"/>
+                        <a:ea typeface="+mj-ea"/>
+                        <a:cs typeface="+mj-cs"/>
+                      </a:endParaRPr>
+                    </a:p>
+                  </a:txBody>
+                  <a:tcPr marL="36000" marR="0" marT="0" marB="0" anchor="b"/>
+                </a:tc>
+                <a:tc>
+                  <a:txBody>
+                    <a:bodyPr/>
+                    <a:lstStyle/>
+                    <a:p>
+                      <a:pPr marL="0" indent="0" algn="l" defTabSz="457200" rtl="0" eaLnBrk="1" latinLnBrk="0" hangingPunct="1">
+                        <a:spcBef>
+                          <a:spcPct val="0"/>
+                        </a:spcBef>
+                        <a:spcAft>
+                          <a:spcPts val="0"/>
+                        </a:spcAft>
+                        <a:buClr>
+                          <a:schemeClr val="bg2">
+                            <a:lumMod val="40000"/>
+                            <a:lumOff val="60000"/>
+                          </a:schemeClr>
+                        </a:buClr>
+                        <a:buSzPct val="80000"/>
+                        <a:buFont typeface="Wingdings 3" charset="2"/>
+                        <a:buNone/>
+                      </a:pPr>
+                      <a:r>
+                        <a:rPr lang="en-US" altLang="zh-CN" sz="800" b="1" i="0" kern="1200" cap="none" dirty="0" smtClean="0">
+                          <a:solidFill>
+                            <a:srgbClr val="FFC000"/>
+                          </a:solidFill>
+                          <a:latin typeface="+mn-lt"/>
+                          <a:ea typeface="+mn-ea"/>
+                          <a:cs typeface="+mn-cs"/>
+                        </a:rPr>
+                        <a:t>d82474</a:t>
+                      </a:r>
+                      <a:endParaRPr lang="zh-CN" altLang="en-US" sz="800" b="1" i="0" kern="1200" cap="none" dirty="0">
+                        <a:solidFill>
+                          <a:srgbClr val="FFC000"/>
+                        </a:solidFill>
+                        <a:latin typeface="+mj-lt"/>
+                        <a:ea typeface="+mj-ea"/>
+                        <a:cs typeface="+mj-cs"/>
+                      </a:endParaRPr>
+                    </a:p>
+                  </a:txBody>
+                  <a:tcPr marL="36000" marR="0" marT="0" marB="0" anchor="b"/>
+                </a:tc>
+              </a:tr>
+              <a:tr h="165256">
+                <a:tc>
+                  <a:txBody>
+                    <a:bodyPr/>
+                    <a:lstStyle/>
+                    <a:p>
+                      <a:pPr marL="0" indent="0" algn="l" defTabSz="457200" rtl="0" eaLnBrk="1" latinLnBrk="0" hangingPunct="1">
+                        <a:spcBef>
+                          <a:spcPct val="0"/>
+                        </a:spcBef>
+                        <a:spcAft>
+                          <a:spcPts val="0"/>
+                        </a:spcAft>
+                        <a:buClr>
+                          <a:schemeClr val="bg2">
+                            <a:lumMod val="40000"/>
+                            <a:lumOff val="60000"/>
+                          </a:schemeClr>
+                        </a:buClr>
+                        <a:buSzPct val="80000"/>
+                        <a:buFont typeface="Wingdings 3" charset="2"/>
+                        <a:buNone/>
+                      </a:pPr>
+                      <a:r>
+                        <a:rPr lang="en-US" altLang="zh-CN" sz="800" b="1" kern="1200" cap="none" dirty="0" smtClean="0">
+                          <a:solidFill>
+                            <a:srgbClr val="00B050"/>
+                          </a:solidFill>
+                        </a:rPr>
+                        <a:t>tree</a:t>
+                      </a:r>
+                      <a:endParaRPr lang="zh-CN" altLang="en-US" sz="800" b="1" i="0" kern="1200" cap="none" dirty="0">
+                        <a:solidFill>
+                          <a:srgbClr val="00B050"/>
+                        </a:solidFill>
+                        <a:latin typeface="+mj-lt"/>
+                        <a:ea typeface="+mj-ea"/>
+                        <a:cs typeface="+mj-cs"/>
+                      </a:endParaRPr>
+                    </a:p>
+                  </a:txBody>
+                  <a:tcPr marL="36000" marR="0" marT="0" marB="0" anchor="b"/>
+                </a:tc>
+                <a:tc>
+                  <a:txBody>
+                    <a:bodyPr/>
+                    <a:lstStyle/>
+                    <a:p>
+                      <a:pPr marL="0" indent="0" algn="l" defTabSz="457200" rtl="0" eaLnBrk="1" latinLnBrk="0" hangingPunct="1">
+                        <a:spcBef>
+                          <a:spcPct val="0"/>
+                        </a:spcBef>
+                        <a:spcAft>
+                          <a:spcPts val="0"/>
+                        </a:spcAft>
+                        <a:buClr>
+                          <a:schemeClr val="bg2">
+                            <a:lumMod val="40000"/>
+                            <a:lumOff val="60000"/>
+                          </a:schemeClr>
+                        </a:buClr>
+                        <a:buSzPct val="80000"/>
+                        <a:buFont typeface="Wingdings 3" charset="2"/>
+                        <a:buNone/>
+                      </a:pPr>
+                      <a:r>
+                        <a:rPr lang="en-US" altLang="zh-CN" sz="800" b="1" kern="1200" cap="none" dirty="0" smtClean="0">
+                          <a:solidFill>
+                            <a:srgbClr val="00B050"/>
+                          </a:solidFill>
+                        </a:rPr>
+                        <a:t>741be3</a:t>
+                      </a:r>
+                      <a:endParaRPr lang="zh-CN" altLang="en-US" sz="800" b="1" i="0" kern="1200" cap="none" dirty="0">
+                        <a:solidFill>
+                          <a:srgbClr val="00B050"/>
+                        </a:solidFill>
+                        <a:latin typeface="+mj-lt"/>
+                        <a:ea typeface="+mj-ea"/>
+                        <a:cs typeface="+mj-cs"/>
+                      </a:endParaRPr>
+                    </a:p>
+                  </a:txBody>
+                  <a:tcPr marL="36000" marR="0" marT="0" marB="0" anchor="b"/>
+                </a:tc>
+              </a:tr>
+              <a:tr h="137160">
+                <a:tc>
+                  <a:txBody>
+                    <a:bodyPr/>
+                    <a:lstStyle/>
+                    <a:p>
+                      <a:pPr marL="0" indent="0" algn="l" defTabSz="457200" rtl="0" eaLnBrk="1" latinLnBrk="0" hangingPunct="1">
+                        <a:spcBef>
+                          <a:spcPct val="0"/>
+                        </a:spcBef>
+                        <a:spcAft>
+                          <a:spcPts val="0"/>
+                        </a:spcAft>
+                        <a:buClr>
+                          <a:schemeClr val="bg2">
+                            <a:lumMod val="40000"/>
+                            <a:lumOff val="60000"/>
+                          </a:schemeClr>
+                        </a:buClr>
+                        <a:buSzPct val="80000"/>
+                        <a:buFont typeface="Wingdings 3" charset="2"/>
+                        <a:buNone/>
+                      </a:pPr>
+                      <a:r>
+                        <a:rPr lang="en-US" altLang="zh-CN" sz="800" b="1" kern="1200" cap="none" dirty="0" smtClean="0">
+                          <a:solidFill>
+                            <a:srgbClr val="FF0000"/>
+                          </a:solidFill>
+                        </a:rPr>
+                        <a:t>parent</a:t>
+                      </a:r>
+                      <a:endParaRPr lang="zh-CN" altLang="en-US" sz="800" b="1" i="0" kern="1200" cap="none" dirty="0">
+                        <a:solidFill>
+                          <a:srgbClr val="FF0000"/>
+                        </a:solidFill>
+                        <a:latin typeface="+mj-lt"/>
+                        <a:ea typeface="+mj-ea"/>
+                        <a:cs typeface="+mj-cs"/>
+                      </a:endParaRPr>
+                    </a:p>
+                  </a:txBody>
+                  <a:tcPr marL="36000" marR="0" marT="0" marB="0" anchor="b"/>
+                </a:tc>
+                <a:tc>
+                  <a:txBody>
+                    <a:bodyPr/>
+                    <a:lstStyle/>
+                    <a:p>
+                      <a:pPr marL="0" indent="0" algn="l" defTabSz="457200" rtl="0" eaLnBrk="1" latinLnBrk="0" hangingPunct="1">
+                        <a:spcBef>
+                          <a:spcPct val="0"/>
+                        </a:spcBef>
+                        <a:spcAft>
+                          <a:spcPts val="0"/>
+                        </a:spcAft>
+                        <a:buClr>
+                          <a:schemeClr val="bg2">
+                            <a:lumMod val="40000"/>
+                            <a:lumOff val="60000"/>
+                          </a:schemeClr>
+                        </a:buClr>
+                        <a:buSzPct val="80000"/>
+                        <a:buFont typeface="Wingdings 3" charset="2"/>
+                        <a:buNone/>
+                      </a:pPr>
+                      <a:endParaRPr lang="zh-CN" altLang="en-US" sz="800" b="1" i="0" kern="1200" cap="none" dirty="0">
+                        <a:solidFill>
+                          <a:srgbClr val="FF0000"/>
+                        </a:solidFill>
+                        <a:latin typeface="+mj-lt"/>
+                        <a:ea typeface="+mj-ea"/>
+                        <a:cs typeface="+mj-cs"/>
+                      </a:endParaRPr>
+                    </a:p>
+                  </a:txBody>
+                  <a:tcPr marL="36000" marR="0" marT="0" marB="0" anchor="b"/>
+                </a:tc>
+              </a:tr>
+              <a:tr h="167640">
+                <a:tc>
+                  <a:txBody>
+                    <a:bodyPr/>
+                    <a:lstStyle/>
+                    <a:p>
+                      <a:pPr marL="0" algn="l" defTabSz="457200" rtl="0" eaLnBrk="1" latinLnBrk="0" hangingPunct="1"/>
+                      <a:r>
+                        <a:rPr lang="en-US" altLang="zh-CN" sz="800" kern="1200" dirty="0" smtClean="0"/>
+                        <a:t>author</a:t>
+                      </a:r>
+                      <a:endParaRPr lang="zh-CN" altLang="en-US" sz="800" kern="1200" dirty="0">
+                        <a:solidFill>
+                          <a:schemeClr val="dk1"/>
+                        </a:solidFill>
+                        <a:latin typeface="+mn-lt"/>
+                        <a:ea typeface="+mn-ea"/>
+                        <a:cs typeface="+mn-cs"/>
+                      </a:endParaRPr>
+                    </a:p>
+                  </a:txBody>
+                  <a:tcPr marL="36000" marR="0" marT="0" marB="0" anchor="b"/>
+                </a:tc>
+                <a:tc>
+                  <a:txBody>
+                    <a:bodyPr/>
+                    <a:lstStyle/>
+                    <a:p>
+                      <a:pPr marL="0" algn="l" defTabSz="457200" rtl="0" eaLnBrk="1" latinLnBrk="0" hangingPunct="1"/>
+                      <a:endParaRPr lang="zh-CN" altLang="en-US" sz="800" kern="1200">
+                        <a:solidFill>
+                          <a:schemeClr val="dk1"/>
+                        </a:solidFill>
+                        <a:latin typeface="+mn-lt"/>
+                        <a:ea typeface="+mn-ea"/>
+                        <a:cs typeface="+mn-cs"/>
+                      </a:endParaRPr>
+                    </a:p>
+                  </a:txBody>
+                  <a:tcPr marL="36000" marR="0" marT="0" marB="0" anchor="b"/>
+                </a:tc>
+              </a:tr>
+              <a:tr h="137160">
+                <a:tc>
+                  <a:txBody>
+                    <a:bodyPr/>
+                    <a:lstStyle/>
+                    <a:p>
+                      <a:pPr marL="0" algn="l" defTabSz="457200" rtl="0" eaLnBrk="1" latinLnBrk="0" hangingPunct="1"/>
+                      <a:r>
+                        <a:rPr lang="en-US" altLang="zh-CN" sz="800" kern="1200" dirty="0" smtClean="0"/>
+                        <a:t>committer</a:t>
+                      </a:r>
+                      <a:endParaRPr lang="zh-CN" altLang="en-US" sz="800" kern="1200" dirty="0">
+                        <a:solidFill>
+                          <a:schemeClr val="dk1"/>
+                        </a:solidFill>
+                        <a:latin typeface="+mn-lt"/>
+                        <a:ea typeface="+mn-ea"/>
+                        <a:cs typeface="+mn-cs"/>
+                      </a:endParaRPr>
+                    </a:p>
+                  </a:txBody>
+                  <a:tcPr marL="36000" marR="0" marT="0" marB="0" anchor="b"/>
+                </a:tc>
+                <a:tc>
+                  <a:txBody>
+                    <a:bodyPr/>
+                    <a:lstStyle/>
+                    <a:p>
+                      <a:pPr marL="0" algn="l" defTabSz="457200" rtl="0" eaLnBrk="1" latinLnBrk="0" hangingPunct="1"/>
+                      <a:endParaRPr lang="zh-CN" altLang="en-US" sz="800" kern="1200" dirty="0">
+                        <a:solidFill>
+                          <a:schemeClr val="dk1"/>
+                        </a:solidFill>
+                        <a:latin typeface="+mn-lt"/>
+                        <a:ea typeface="+mn-ea"/>
+                        <a:cs typeface="+mn-cs"/>
+                      </a:endParaRPr>
+                    </a:p>
+                  </a:txBody>
+                  <a:tcPr marL="36000" marR="0" marT="0" marB="0" anchor="b"/>
+                </a:tc>
+              </a:tr>
+              <a:tr h="133350">
+                <a:tc>
+                  <a:txBody>
+                    <a:bodyPr/>
+                    <a:lstStyle/>
+                    <a:p>
+                      <a:pPr marL="0" algn="l" defTabSz="457200" rtl="0" eaLnBrk="1" latinLnBrk="0" hangingPunct="1"/>
+                      <a:endParaRPr lang="zh-CN" altLang="en-US" sz="800" kern="1200" dirty="0">
+                        <a:solidFill>
+                          <a:schemeClr val="dk1"/>
+                        </a:solidFill>
+                        <a:latin typeface="+mn-lt"/>
+                        <a:ea typeface="+mn-ea"/>
+                        <a:cs typeface="+mn-cs"/>
+                      </a:endParaRPr>
+                    </a:p>
+                  </a:txBody>
+                  <a:tcPr marL="36000" marR="0" marT="0" marB="0" anchor="b"/>
+                </a:tc>
+                <a:tc>
+                  <a:txBody>
+                    <a:bodyPr/>
+                    <a:lstStyle/>
+                    <a:p>
+                      <a:pPr marL="0" algn="l" defTabSz="457200" rtl="0" eaLnBrk="1" latinLnBrk="0" hangingPunct="1"/>
+                      <a:endParaRPr lang="zh-CN" altLang="en-US" sz="800" kern="1200" dirty="0">
+                        <a:solidFill>
+                          <a:schemeClr val="dk1"/>
+                        </a:solidFill>
+                        <a:latin typeface="+mn-lt"/>
+                        <a:ea typeface="+mn-ea"/>
+                        <a:cs typeface="+mn-cs"/>
+                      </a:endParaRPr>
+                    </a:p>
+                  </a:txBody>
+                  <a:tcPr marL="36000" marR="0" marT="0" marB="0" anchor="b"/>
+                </a:tc>
+              </a:tr>
+            </a:tbl>
+          </a:graphicData>
+        </a:graphic>
+      </p:graphicFrame>
+      <p:sp>
+        <p:nvSpPr>
+          <p:cNvPr id="29" name="虚尾箭头 28"/>
+          <p:cNvSpPr/>
+          <p:nvPr/>
+        </p:nvSpPr>
+        <p:spPr>
+          <a:xfrm>
+            <a:off x="5969249" y="3922421"/>
+            <a:ext cx="515371" cy="182547"/>
+          </a:xfrm>
+          <a:prstGeom prst="stripedRightArrow">
+            <a:avLst/>
+          </a:prstGeom>
+        </p:spPr>
+        <p:style>
+          <a:lnRef idx="1">
+            <a:schemeClr val="accent5"/>
+          </a:lnRef>
+          <a:fillRef idx="3">
+            <a:schemeClr val="accent5"/>
+          </a:fillRef>
+          <a:effectRef idx="2">
+            <a:schemeClr val="accent5"/>
+          </a:effectRef>
+          <a:fontRef idx="minor">
+            <a:schemeClr val="lt1"/>
+          </a:fontRef>
+        </p:style>
+        <p:txBody>
+          <a:bodyPr rtlCol="0" anchor="ctr"/>
+          <a:lstStyle/>
+          <a:p>
+            <a:pPr algn="ctr"/>
+            <a:endParaRPr lang="zh-CN" altLang="en-US"/>
+          </a:p>
+        </p:txBody>
+      </p:sp>
+      <p:sp>
+        <p:nvSpPr>
+          <p:cNvPr id="30" name="虚尾箭头 29"/>
+          <p:cNvSpPr/>
+          <p:nvPr/>
+        </p:nvSpPr>
+        <p:spPr>
+          <a:xfrm>
+            <a:off x="8040287" y="3947159"/>
+            <a:ext cx="417913" cy="158143"/>
+          </a:xfrm>
+          <a:prstGeom prst="stripedRightArrow">
+            <a:avLst/>
+          </a:prstGeom>
+        </p:spPr>
+        <p:style>
+          <a:lnRef idx="1">
+            <a:schemeClr val="accent5"/>
+          </a:lnRef>
+          <a:fillRef idx="3">
+            <a:schemeClr val="accent5"/>
+          </a:fillRef>
+          <a:effectRef idx="2">
+            <a:schemeClr val="accent5"/>
+          </a:effectRef>
+          <a:fontRef idx="minor">
+            <a:schemeClr val="lt1"/>
+          </a:fontRef>
+        </p:style>
+        <p:txBody>
+          <a:bodyPr rtlCol="0" anchor="ctr"/>
+          <a:lstStyle/>
+          <a:p>
+            <a:pPr algn="ctr"/>
+            <a:endParaRPr lang="zh-CN" altLang="en-US"/>
+          </a:p>
+        </p:txBody>
+      </p:sp>
+      <p:sp>
+        <p:nvSpPr>
+          <p:cNvPr id="35" name="标题 1"/>
+          <p:cNvSpPr txBox="1">
+            <a:spLocks/>
+          </p:cNvSpPr>
+          <p:nvPr/>
+        </p:nvSpPr>
+        <p:spPr>
+          <a:xfrm>
+            <a:off x="8458200" y="3439707"/>
+            <a:ext cx="1288736" cy="415563"/>
           </a:xfrm>
           <a:prstGeom prst="rect">
             <a:avLst/>
@@ -8932,10 +10064,21 @@
             <a:normAutofit/>
           </a:bodyPr>
           <a:lstStyle>
-            <a:lvl1pPr algn="l" defTabSz="457200" rtl="0" eaLnBrk="1" latinLnBrk="0" hangingPunct="1">
+            <a:lvl1pPr marL="0" indent="0" algn="l" defTabSz="457200" rtl="0" eaLnBrk="1" latinLnBrk="0" hangingPunct="1">
               <a:spcBef>
                 <a:spcPct val="0"/>
               </a:spcBef>
+              <a:spcAft>
+                <a:spcPts val="0"/>
+              </a:spcAft>
+              <a:buClr>
+                <a:schemeClr val="bg2">
+                  <a:lumMod val="40000"/>
+                  <a:lumOff val="60000"/>
+                </a:schemeClr>
+              </a:buClr>
+              <a:buSzPct val="80000"/>
+              <a:buFont typeface="Wingdings 3" charset="2"/>
               <a:buNone/>
               <a:defRPr sz="4000" b="0" i="0" kern="1200" cap="none">
                 <a:solidFill>
@@ -8946,66 +10089,216 @@
                 <a:cs typeface="+mj-cs"/>
               </a:defRPr>
             </a:lvl1pPr>
-            <a:lvl2pPr eaLnBrk="1" hangingPunct="1">
-              <a:defRPr>
-                <a:solidFill>
-                  <a:schemeClr val="tx2"/>
-                </a:solidFill>
+            <a:lvl2pPr marL="457200" indent="0" algn="l" defTabSz="457200" rtl="0" eaLnBrk="1" latinLnBrk="0" hangingPunct="1">
+              <a:spcBef>
+                <a:spcPts val="1000"/>
+              </a:spcBef>
+              <a:spcAft>
+                <a:spcPts val="0"/>
+              </a:spcAft>
+              <a:buClr>
+                <a:schemeClr val="bg2">
+                  <a:lumMod val="40000"/>
+                  <a:lumOff val="60000"/>
+                </a:schemeClr>
+              </a:buClr>
+              <a:buSzPct val="80000"/>
+              <a:buFont typeface="Wingdings 3" charset="2"/>
+              <a:buNone/>
+              <a:defRPr sz="1800" b="0" i="0" kern="1200">
+                <a:solidFill>
+                  <a:schemeClr val="tx2"/>
+                </a:solidFill>
+                <a:latin typeface="+mj-lt"/>
+                <a:ea typeface="+mj-ea"/>
+                <a:cs typeface="+mj-cs"/>
               </a:defRPr>
             </a:lvl2pPr>
-            <a:lvl3pPr eaLnBrk="1" hangingPunct="1">
-              <a:defRPr>
-                <a:solidFill>
-                  <a:schemeClr val="tx2"/>
-                </a:solidFill>
+            <a:lvl3pPr marL="914400" indent="0" algn="l" defTabSz="457200" rtl="0" eaLnBrk="1" latinLnBrk="0" hangingPunct="1">
+              <a:spcBef>
+                <a:spcPts val="1000"/>
+              </a:spcBef>
+              <a:spcAft>
+                <a:spcPts val="0"/>
+              </a:spcAft>
+              <a:buClr>
+                <a:schemeClr val="bg2">
+                  <a:lumMod val="40000"/>
+                  <a:lumOff val="60000"/>
+                </a:schemeClr>
+              </a:buClr>
+              <a:buSzPct val="80000"/>
+              <a:buFont typeface="Wingdings 3" charset="2"/>
+              <a:buNone/>
+              <a:defRPr sz="1600" b="0" i="0" kern="1200">
+                <a:solidFill>
+                  <a:schemeClr val="tx2"/>
+                </a:solidFill>
+                <a:latin typeface="+mj-lt"/>
+                <a:ea typeface="+mj-ea"/>
+                <a:cs typeface="+mj-cs"/>
               </a:defRPr>
             </a:lvl3pPr>
-            <a:lvl4pPr eaLnBrk="1" hangingPunct="1">
-              <a:defRPr>
-                <a:solidFill>
-                  <a:schemeClr val="tx2"/>
-                </a:solidFill>
+            <a:lvl4pPr marL="1371600" indent="0" algn="l" defTabSz="457200" rtl="0" eaLnBrk="1" latinLnBrk="0" hangingPunct="1">
+              <a:spcBef>
+                <a:spcPts val="1000"/>
+              </a:spcBef>
+              <a:spcAft>
+                <a:spcPts val="0"/>
+              </a:spcAft>
+              <a:buClr>
+                <a:schemeClr val="bg2">
+                  <a:lumMod val="40000"/>
+                  <a:lumOff val="60000"/>
+                </a:schemeClr>
+              </a:buClr>
+              <a:buSzPct val="80000"/>
+              <a:buFont typeface="Wingdings 3" charset="2"/>
+              <a:buNone/>
+              <a:defRPr sz="1400" b="0" i="0" kern="1200">
+                <a:solidFill>
+                  <a:schemeClr val="tx2"/>
+                </a:solidFill>
+                <a:latin typeface="+mj-lt"/>
+                <a:ea typeface="+mj-ea"/>
+                <a:cs typeface="+mj-cs"/>
               </a:defRPr>
             </a:lvl4pPr>
-            <a:lvl5pPr eaLnBrk="1" hangingPunct="1">
-              <a:defRPr>
-                <a:solidFill>
-                  <a:schemeClr val="tx2"/>
-                </a:solidFill>
+            <a:lvl5pPr marL="1828800" indent="0" algn="l" defTabSz="457200" rtl="0" eaLnBrk="1" latinLnBrk="0" hangingPunct="1">
+              <a:spcBef>
+                <a:spcPts val="1000"/>
+              </a:spcBef>
+              <a:spcAft>
+                <a:spcPts val="0"/>
+              </a:spcAft>
+              <a:buClr>
+                <a:schemeClr val="bg2">
+                  <a:lumMod val="40000"/>
+                  <a:lumOff val="60000"/>
+                </a:schemeClr>
+              </a:buClr>
+              <a:buSzPct val="80000"/>
+              <a:buFont typeface="Wingdings 3" charset="2"/>
+              <a:buNone/>
+              <a:defRPr sz="1400" b="0" i="0" kern="1200">
+                <a:solidFill>
+                  <a:schemeClr val="tx2"/>
+                </a:solidFill>
+                <a:latin typeface="+mj-lt"/>
+                <a:ea typeface="+mj-ea"/>
+                <a:cs typeface="+mj-cs"/>
               </a:defRPr>
             </a:lvl5pPr>
-            <a:lvl6pPr eaLnBrk="1" hangingPunct="1">
-              <a:defRPr>
-                <a:solidFill>
-                  <a:schemeClr val="tx2"/>
-                </a:solidFill>
+            <a:lvl6pPr marL="2286000" indent="0" algn="l" defTabSz="457200" rtl="0" eaLnBrk="1" latinLnBrk="0" hangingPunct="1">
+              <a:spcBef>
+                <a:spcPts val="1000"/>
+              </a:spcBef>
+              <a:spcAft>
+                <a:spcPts val="0"/>
+              </a:spcAft>
+              <a:buClr>
+                <a:schemeClr val="bg2">
+                  <a:lumMod val="40000"/>
+                  <a:lumOff val="60000"/>
+                </a:schemeClr>
+              </a:buClr>
+              <a:buSzPct val="80000"/>
+              <a:buFont typeface="Wingdings 3" charset="2"/>
+              <a:buNone/>
+              <a:defRPr sz="1400" b="0" i="0" kern="1200">
+                <a:solidFill>
+                  <a:schemeClr val="tx2"/>
+                </a:solidFill>
+                <a:latin typeface="+mj-lt"/>
+                <a:ea typeface="+mj-ea"/>
+                <a:cs typeface="+mj-cs"/>
               </a:defRPr>
             </a:lvl6pPr>
-            <a:lvl7pPr eaLnBrk="1" hangingPunct="1">
-              <a:defRPr>
-                <a:solidFill>
-                  <a:schemeClr val="tx2"/>
-                </a:solidFill>
+            <a:lvl7pPr marL="2743200" indent="0" algn="l" defTabSz="457200" rtl="0" eaLnBrk="1" latinLnBrk="0" hangingPunct="1">
+              <a:spcBef>
+                <a:spcPts val="1000"/>
+              </a:spcBef>
+              <a:spcAft>
+                <a:spcPts val="0"/>
+              </a:spcAft>
+              <a:buClr>
+                <a:schemeClr val="bg2">
+                  <a:lumMod val="40000"/>
+                  <a:lumOff val="60000"/>
+                </a:schemeClr>
+              </a:buClr>
+              <a:buSzPct val="80000"/>
+              <a:buFont typeface="Wingdings 3" charset="2"/>
+              <a:buNone/>
+              <a:defRPr sz="1400" b="0" i="0" kern="1200">
+                <a:solidFill>
+                  <a:schemeClr val="tx2"/>
+                </a:solidFill>
+                <a:latin typeface="+mj-lt"/>
+                <a:ea typeface="+mj-ea"/>
+                <a:cs typeface="+mj-cs"/>
               </a:defRPr>
             </a:lvl7pPr>
-            <a:lvl8pPr eaLnBrk="1" hangingPunct="1">
-              <a:defRPr>
-                <a:solidFill>
-                  <a:schemeClr val="tx2"/>
-                </a:solidFill>
+            <a:lvl8pPr marL="3200400" indent="0" algn="l" defTabSz="457200" rtl="0" eaLnBrk="1" latinLnBrk="0" hangingPunct="1">
+              <a:spcBef>
+                <a:spcPts val="1000"/>
+              </a:spcBef>
+              <a:spcAft>
+                <a:spcPts val="0"/>
+              </a:spcAft>
+              <a:buClr>
+                <a:schemeClr val="bg2">
+                  <a:lumMod val="40000"/>
+                  <a:lumOff val="60000"/>
+                </a:schemeClr>
+              </a:buClr>
+              <a:buSzPct val="80000"/>
+              <a:buFont typeface="Wingdings 3" charset="2"/>
+              <a:buNone/>
+              <a:defRPr sz="1400" b="0" i="0" kern="1200">
+                <a:solidFill>
+                  <a:schemeClr val="tx2"/>
+                </a:solidFill>
+                <a:latin typeface="+mj-lt"/>
+                <a:ea typeface="+mj-ea"/>
+                <a:cs typeface="+mj-cs"/>
               </a:defRPr>
             </a:lvl8pPr>
-            <a:lvl9pPr eaLnBrk="1" hangingPunct="1">
-              <a:defRPr>
-                <a:solidFill>
-                  <a:schemeClr val="tx2"/>
-                </a:solidFill>
+            <a:lvl9pPr marL="3657600" indent="0" algn="l" defTabSz="457200" rtl="0" eaLnBrk="1" latinLnBrk="0" hangingPunct="1">
+              <a:spcBef>
+                <a:spcPts val="1000"/>
+              </a:spcBef>
+              <a:spcAft>
+                <a:spcPts val="0"/>
+              </a:spcAft>
+              <a:buClr>
+                <a:schemeClr val="bg2">
+                  <a:lumMod val="40000"/>
+                  <a:lumOff val="60000"/>
+                </a:schemeClr>
+              </a:buClr>
+              <a:buSzPct val="80000"/>
+              <a:buFont typeface="Wingdings 3" charset="2"/>
+              <a:buNone/>
+              <a:defRPr sz="1400" b="0" i="0" kern="1200">
+                <a:solidFill>
+                  <a:schemeClr val="tx2"/>
+                </a:solidFill>
+                <a:latin typeface="+mj-lt"/>
+                <a:ea typeface="+mj-ea"/>
+                <a:cs typeface="+mj-cs"/>
               </a:defRPr>
             </a:lvl9pPr>
           </a:lstStyle>
           <a:p>
             <a:r>
-              <a:rPr lang="en-US" altLang="zh-CN" dirty="0" smtClean="0">
+              <a:rPr lang="en-US" altLang="zh-CN" sz="2000" dirty="0" smtClean="0">
+                <a:solidFill>
+                  <a:schemeClr val="bg2">
+                    <a:lumMod val="40000"/>
+                    <a:lumOff val="60000"/>
+                  </a:schemeClr>
+                </a:solidFill>
                 <a:effectLst>
                   <a:outerShdw blurRad="38100" dist="38100" dir="2700000" algn="tl">
                     <a:srgbClr val="000000">
@@ -9013,13 +10306,288 @@
                     </a:srgbClr>
                   </a:outerShdw>
                 </a:effectLst>
-                <a:latin typeface="Tempus Sans ITC" panose="04020404030D07020202" pitchFamily="82" charset="0"/>
-                <a:ea typeface="华文彩云" panose="02010800040101010101" pitchFamily="2" charset="-122"/>
+                <a:latin typeface="华文楷体" panose="02010600040101010101" pitchFamily="2" charset="-122"/>
+                <a:ea typeface="华文楷体" panose="02010600040101010101" pitchFamily="2" charset="-122"/>
               </a:rPr>
-              <a:t>$ G</a:t>
+              <a:t>HEAD</a:t>
             </a:r>
+            <a:endParaRPr lang="zh-CN" altLang="en-US" sz="2000" dirty="0">
+              <a:solidFill>
+                <a:schemeClr val="bg2">
+                  <a:lumMod val="40000"/>
+                  <a:lumOff val="60000"/>
+                </a:schemeClr>
+              </a:solidFill>
+              <a:effectLst>
+                <a:outerShdw blurRad="38100" dist="38100" dir="2700000" algn="tl">
+                  <a:srgbClr val="000000">
+                    <a:alpha val="43137"/>
+                  </a:srgbClr>
+                </a:outerShdw>
+              </a:effectLst>
+              <a:latin typeface="华文楷体" panose="02010600040101010101" pitchFamily="2" charset="-122"/>
+              <a:ea typeface="华文楷体" panose="02010600040101010101" pitchFamily="2" charset="-122"/>
+            </a:endParaRPr>
+          </a:p>
+        </p:txBody>
+      </p:sp>
+      <p:sp>
+        <p:nvSpPr>
+          <p:cNvPr id="36" name="标题 1"/>
+          <p:cNvSpPr txBox="1">
+            <a:spLocks/>
+          </p:cNvSpPr>
+          <p:nvPr/>
+        </p:nvSpPr>
+        <p:spPr>
+          <a:xfrm>
+            <a:off x="6471054" y="3452287"/>
+            <a:ext cx="1288736" cy="415563"/>
+          </a:xfrm>
+          <a:prstGeom prst="rect">
+            <a:avLst/>
+          </a:prstGeom>
+        </p:spPr>
+        <p:txBody>
+          <a:bodyPr vert="horz" lIns="91440" tIns="45720" rIns="91440" bIns="45720" rtlCol="0" anchor="b">
+            <a:normAutofit/>
+          </a:bodyPr>
+          <a:lstStyle>
+            <a:lvl1pPr marL="0" indent="0" algn="l" defTabSz="457200" rtl="0" eaLnBrk="1" latinLnBrk="0" hangingPunct="1">
+              <a:spcBef>
+                <a:spcPct val="0"/>
+              </a:spcBef>
+              <a:spcAft>
+                <a:spcPts val="0"/>
+              </a:spcAft>
+              <a:buClr>
+                <a:schemeClr val="bg2">
+                  <a:lumMod val="40000"/>
+                  <a:lumOff val="60000"/>
+                </a:schemeClr>
+              </a:buClr>
+              <a:buSzPct val="80000"/>
+              <a:buFont typeface="Wingdings 3" charset="2"/>
+              <a:buNone/>
+              <a:defRPr sz="4000" b="0" i="0" kern="1200" cap="none">
+                <a:solidFill>
+                  <a:schemeClr val="tx2"/>
+                </a:solidFill>
+                <a:latin typeface="+mj-lt"/>
+                <a:ea typeface="+mj-ea"/>
+                <a:cs typeface="+mj-cs"/>
+              </a:defRPr>
+            </a:lvl1pPr>
+            <a:lvl2pPr marL="457200" indent="0" algn="l" defTabSz="457200" rtl="0" eaLnBrk="1" latinLnBrk="0" hangingPunct="1">
+              <a:spcBef>
+                <a:spcPts val="1000"/>
+              </a:spcBef>
+              <a:spcAft>
+                <a:spcPts val="0"/>
+              </a:spcAft>
+              <a:buClr>
+                <a:schemeClr val="bg2">
+                  <a:lumMod val="40000"/>
+                  <a:lumOff val="60000"/>
+                </a:schemeClr>
+              </a:buClr>
+              <a:buSzPct val="80000"/>
+              <a:buFont typeface="Wingdings 3" charset="2"/>
+              <a:buNone/>
+              <a:defRPr sz="1800" b="0" i="0" kern="1200">
+                <a:solidFill>
+                  <a:schemeClr val="tx2"/>
+                </a:solidFill>
+                <a:latin typeface="+mj-lt"/>
+                <a:ea typeface="+mj-ea"/>
+                <a:cs typeface="+mj-cs"/>
+              </a:defRPr>
+            </a:lvl2pPr>
+            <a:lvl3pPr marL="914400" indent="0" algn="l" defTabSz="457200" rtl="0" eaLnBrk="1" latinLnBrk="0" hangingPunct="1">
+              <a:spcBef>
+                <a:spcPts val="1000"/>
+              </a:spcBef>
+              <a:spcAft>
+                <a:spcPts val="0"/>
+              </a:spcAft>
+              <a:buClr>
+                <a:schemeClr val="bg2">
+                  <a:lumMod val="40000"/>
+                  <a:lumOff val="60000"/>
+                </a:schemeClr>
+              </a:buClr>
+              <a:buSzPct val="80000"/>
+              <a:buFont typeface="Wingdings 3" charset="2"/>
+              <a:buNone/>
+              <a:defRPr sz="1600" b="0" i="0" kern="1200">
+                <a:solidFill>
+                  <a:schemeClr val="tx2"/>
+                </a:solidFill>
+                <a:latin typeface="+mj-lt"/>
+                <a:ea typeface="+mj-ea"/>
+                <a:cs typeface="+mj-cs"/>
+              </a:defRPr>
+            </a:lvl3pPr>
+            <a:lvl4pPr marL="1371600" indent="0" algn="l" defTabSz="457200" rtl="0" eaLnBrk="1" latinLnBrk="0" hangingPunct="1">
+              <a:spcBef>
+                <a:spcPts val="1000"/>
+              </a:spcBef>
+              <a:spcAft>
+                <a:spcPts val="0"/>
+              </a:spcAft>
+              <a:buClr>
+                <a:schemeClr val="bg2">
+                  <a:lumMod val="40000"/>
+                  <a:lumOff val="60000"/>
+                </a:schemeClr>
+              </a:buClr>
+              <a:buSzPct val="80000"/>
+              <a:buFont typeface="Wingdings 3" charset="2"/>
+              <a:buNone/>
+              <a:defRPr sz="1400" b="0" i="0" kern="1200">
+                <a:solidFill>
+                  <a:schemeClr val="tx2"/>
+                </a:solidFill>
+                <a:latin typeface="+mj-lt"/>
+                <a:ea typeface="+mj-ea"/>
+                <a:cs typeface="+mj-cs"/>
+              </a:defRPr>
+            </a:lvl4pPr>
+            <a:lvl5pPr marL="1828800" indent="0" algn="l" defTabSz="457200" rtl="0" eaLnBrk="1" latinLnBrk="0" hangingPunct="1">
+              <a:spcBef>
+                <a:spcPts val="1000"/>
+              </a:spcBef>
+              <a:spcAft>
+                <a:spcPts val="0"/>
+              </a:spcAft>
+              <a:buClr>
+                <a:schemeClr val="bg2">
+                  <a:lumMod val="40000"/>
+                  <a:lumOff val="60000"/>
+                </a:schemeClr>
+              </a:buClr>
+              <a:buSzPct val="80000"/>
+              <a:buFont typeface="Wingdings 3" charset="2"/>
+              <a:buNone/>
+              <a:defRPr sz="1400" b="0" i="0" kern="1200">
+                <a:solidFill>
+                  <a:schemeClr val="tx2"/>
+                </a:solidFill>
+                <a:latin typeface="+mj-lt"/>
+                <a:ea typeface="+mj-ea"/>
+                <a:cs typeface="+mj-cs"/>
+              </a:defRPr>
+            </a:lvl5pPr>
+            <a:lvl6pPr marL="2286000" indent="0" algn="l" defTabSz="457200" rtl="0" eaLnBrk="1" latinLnBrk="0" hangingPunct="1">
+              <a:spcBef>
+                <a:spcPts val="1000"/>
+              </a:spcBef>
+              <a:spcAft>
+                <a:spcPts val="0"/>
+              </a:spcAft>
+              <a:buClr>
+                <a:schemeClr val="bg2">
+                  <a:lumMod val="40000"/>
+                  <a:lumOff val="60000"/>
+                </a:schemeClr>
+              </a:buClr>
+              <a:buSzPct val="80000"/>
+              <a:buFont typeface="Wingdings 3" charset="2"/>
+              <a:buNone/>
+              <a:defRPr sz="1400" b="0" i="0" kern="1200">
+                <a:solidFill>
+                  <a:schemeClr val="tx2"/>
+                </a:solidFill>
+                <a:latin typeface="+mj-lt"/>
+                <a:ea typeface="+mj-ea"/>
+                <a:cs typeface="+mj-cs"/>
+              </a:defRPr>
+            </a:lvl6pPr>
+            <a:lvl7pPr marL="2743200" indent="0" algn="l" defTabSz="457200" rtl="0" eaLnBrk="1" latinLnBrk="0" hangingPunct="1">
+              <a:spcBef>
+                <a:spcPts val="1000"/>
+              </a:spcBef>
+              <a:spcAft>
+                <a:spcPts val="0"/>
+              </a:spcAft>
+              <a:buClr>
+                <a:schemeClr val="bg2">
+                  <a:lumMod val="40000"/>
+                  <a:lumOff val="60000"/>
+                </a:schemeClr>
+              </a:buClr>
+              <a:buSzPct val="80000"/>
+              <a:buFont typeface="Wingdings 3" charset="2"/>
+              <a:buNone/>
+              <a:defRPr sz="1400" b="0" i="0" kern="1200">
+                <a:solidFill>
+                  <a:schemeClr val="tx2"/>
+                </a:solidFill>
+                <a:latin typeface="+mj-lt"/>
+                <a:ea typeface="+mj-ea"/>
+                <a:cs typeface="+mj-cs"/>
+              </a:defRPr>
+            </a:lvl7pPr>
+            <a:lvl8pPr marL="3200400" indent="0" algn="l" defTabSz="457200" rtl="0" eaLnBrk="1" latinLnBrk="0" hangingPunct="1">
+              <a:spcBef>
+                <a:spcPts val="1000"/>
+              </a:spcBef>
+              <a:spcAft>
+                <a:spcPts val="0"/>
+              </a:spcAft>
+              <a:buClr>
+                <a:schemeClr val="bg2">
+                  <a:lumMod val="40000"/>
+                  <a:lumOff val="60000"/>
+                </a:schemeClr>
+              </a:buClr>
+              <a:buSzPct val="80000"/>
+              <a:buFont typeface="Wingdings 3" charset="2"/>
+              <a:buNone/>
+              <a:defRPr sz="1400" b="0" i="0" kern="1200">
+                <a:solidFill>
+                  <a:schemeClr val="tx2"/>
+                </a:solidFill>
+                <a:latin typeface="+mj-lt"/>
+                <a:ea typeface="+mj-ea"/>
+                <a:cs typeface="+mj-cs"/>
+              </a:defRPr>
+            </a:lvl8pPr>
+            <a:lvl9pPr marL="3657600" indent="0" algn="l" defTabSz="457200" rtl="0" eaLnBrk="1" latinLnBrk="0" hangingPunct="1">
+              <a:spcBef>
+                <a:spcPts val="1000"/>
+              </a:spcBef>
+              <a:spcAft>
+                <a:spcPts val="0"/>
+              </a:spcAft>
+              <a:buClr>
+                <a:schemeClr val="bg2">
+                  <a:lumMod val="40000"/>
+                  <a:lumOff val="60000"/>
+                </a:schemeClr>
+              </a:buClr>
+              <a:buSzPct val="80000"/>
+              <a:buFont typeface="Wingdings 3" charset="2"/>
+              <a:buNone/>
+              <a:defRPr sz="1400" b="0" i="0" kern="1200">
+                <a:solidFill>
+                  <a:schemeClr val="tx2"/>
+                </a:solidFill>
+                <a:latin typeface="+mj-lt"/>
+                <a:ea typeface="+mj-ea"/>
+                <a:cs typeface="+mj-cs"/>
+              </a:defRPr>
+            </a:lvl9pPr>
+          </a:lstStyle>
+          <a:p>
             <a:r>
-              <a:rPr lang="en-US" altLang="zh-CN" dirty="0" smtClean="0">
+              <a:rPr lang="en-US" altLang="zh-CN" sz="2000" dirty="0" smtClean="0">
+                <a:solidFill>
+                  <a:schemeClr val="bg2">
+                    <a:lumMod val="40000"/>
+                    <a:lumOff val="60000"/>
+                  </a:schemeClr>
+                </a:solidFill>
                 <a:effectLst>
                   <a:outerShdw blurRad="38100" dist="38100" dir="2700000" algn="tl">
                     <a:srgbClr val="000000">
@@ -9027,12 +10595,18 @@
                     </a:srgbClr>
                   </a:outerShdw>
                 </a:effectLst>
-                <a:latin typeface="Tempus Sans ITC" panose="04020404030D07020202" pitchFamily="82" charset="0"/>
-                <a:ea typeface="华文彩云" panose="02010800040101010101" pitchFamily="2" charset="-122"/>
+                <a:latin typeface="华文楷体" panose="02010600040101010101" pitchFamily="2" charset="-122"/>
+                <a:ea typeface="华文楷体" panose="02010600040101010101" pitchFamily="2" charset="-122"/>
               </a:rPr>
-              <a:t>it reset mixed soft hard head^</a:t>
+              <a:t>HEAD^</a:t>
             </a:r>
-            <a:endParaRPr lang="zh-CN" altLang="en-US" sz="6600" dirty="0">
+            <a:endParaRPr lang="zh-CN" altLang="en-US" sz="2000" dirty="0">
+              <a:solidFill>
+                <a:schemeClr val="bg2">
+                  <a:lumMod val="40000"/>
+                  <a:lumOff val="60000"/>
+                </a:schemeClr>
+              </a:solidFill>
               <a:effectLst>
                 <a:outerShdw blurRad="38100" dist="38100" dir="2700000" algn="tl">
                   <a:srgbClr val="000000">
@@ -9040,30 +10614,324 @@
                   </a:srgbClr>
                 </a:outerShdw>
               </a:effectLst>
-              <a:latin typeface="Tempus Sans ITC" panose="04020404030D07020202" pitchFamily="82" charset="0"/>
-              <a:ea typeface="华文彩云" panose="02010800040101010101" pitchFamily="2" charset="-122"/>
+              <a:latin typeface="华文楷体" panose="02010600040101010101" pitchFamily="2" charset="-122"/>
+              <a:ea typeface="华文楷体" panose="02010600040101010101" pitchFamily="2" charset="-122"/>
             </a:endParaRPr>
           </a:p>
         </p:txBody>
       </p:sp>
+      <p:graphicFrame>
+        <p:nvGraphicFramePr>
+          <p:cNvPr id="38" name="表格 37"/>
+          <p:cNvGraphicFramePr>
+            <a:graphicFrameLocks noGrp="1"/>
+          </p:cNvGraphicFramePr>
+          <p:nvPr>
+            <p:extLst>
+              <p:ext uri="{D42A27DB-BD31-4B8C-83A1-F6EECF244321}">
+                <p14:modId xmlns:p14="http://schemas.microsoft.com/office/powerpoint/2010/main" val="3843620687"/>
+              </p:ext>
+            </p:extLst>
+          </p:nvPr>
+        </p:nvGraphicFramePr>
+        <p:xfrm>
+          <a:off x="3144799" y="2789883"/>
+          <a:ext cx="935951" cy="274320"/>
+        </p:xfrm>
+        <a:graphic>
+          <a:graphicData uri="http://schemas.openxmlformats.org/drawingml/2006/table">
+            <a:tbl>
+              <a:tblPr firstRow="1">
+                <a:tableStyleId>{327F97BB-C833-4FB7-BDE5-3F7075034690}</a:tableStyleId>
+              </a:tblPr>
+              <a:tblGrid>
+                <a:gridCol w="296696"/>
+                <a:gridCol w="639255"/>
+              </a:tblGrid>
+              <a:tr h="0">
+                <a:tc>
+                  <a:txBody>
+                    <a:bodyPr/>
+                    <a:lstStyle/>
+                    <a:p>
+                      <a:pPr marL="0" indent="0" algn="l" defTabSz="457200" rtl="0" eaLnBrk="1" latinLnBrk="0" hangingPunct="1">
+                        <a:spcBef>
+                          <a:spcPct val="0"/>
+                        </a:spcBef>
+                        <a:spcAft>
+                          <a:spcPts val="0"/>
+                        </a:spcAft>
+                        <a:buClr>
+                          <a:schemeClr val="bg2">
+                            <a:lumMod val="40000"/>
+                            <a:lumOff val="60000"/>
+                          </a:schemeClr>
+                        </a:buClr>
+                        <a:buSzPct val="80000"/>
+                        <a:buFont typeface="Wingdings 3" charset="2"/>
+                        <a:buNone/>
+                      </a:pPr>
+                      <a:r>
+                        <a:rPr lang="en-US" altLang="zh-CN" sz="800" b="1" kern="1200" cap="none" dirty="0" smtClean="0">
+                          <a:solidFill>
+                            <a:srgbClr val="00B050"/>
+                          </a:solidFill>
+                        </a:rPr>
+                        <a:t>blob</a:t>
+                      </a:r>
+                      <a:endParaRPr lang="zh-CN" altLang="en-US" sz="800" b="1" i="0" kern="1200" cap="none" dirty="0">
+                        <a:solidFill>
+                          <a:srgbClr val="00B050"/>
+                        </a:solidFill>
+                        <a:latin typeface="+mj-lt"/>
+                        <a:ea typeface="+mj-ea"/>
+                        <a:cs typeface="+mj-cs"/>
+                      </a:endParaRPr>
+                    </a:p>
+                  </a:txBody>
+                  <a:tcPr marL="36000" marR="0" marT="0" marB="0" anchor="b">
+                    <a:lnL w="9525" cap="rnd" cmpd="sng" algn="ctr">
+                      <a:noFill/>
+                      <a:prstDash val="solid"/>
+                    </a:lnL>
+                    <a:lnR>
+                      <a:noFill/>
+                    </a:lnR>
+                    <a:lnT w="28575" cap="rnd" cmpd="sng" algn="ctr">
+                      <a:noFill/>
+                      <a:prstDash val="solid"/>
+                    </a:lnT>
+                    <a:lnB>
+                      <a:noFill/>
+                    </a:lnB>
+                    <a:lnTlToBr w="12700" cmpd="sng">
+                      <a:noFill/>
+                      <a:prstDash val="solid"/>
+                    </a:lnTlToBr>
+                    <a:lnBlToTr w="12700" cmpd="sng">
+                      <a:noFill/>
+                      <a:prstDash val="solid"/>
+                    </a:lnBlToTr>
+                  </a:tcPr>
+                </a:tc>
+                <a:tc>
+                  <a:txBody>
+                    <a:bodyPr/>
+                    <a:lstStyle/>
+                    <a:p>
+                      <a:pPr marL="0" indent="0" algn="l" defTabSz="457200" rtl="0" eaLnBrk="1" latinLnBrk="0" hangingPunct="1">
+                        <a:spcBef>
+                          <a:spcPct val="0"/>
+                        </a:spcBef>
+                        <a:spcAft>
+                          <a:spcPts val="0"/>
+                        </a:spcAft>
+                        <a:buClr>
+                          <a:schemeClr val="bg2">
+                            <a:lumMod val="40000"/>
+                            <a:lumOff val="60000"/>
+                          </a:schemeClr>
+                        </a:buClr>
+                        <a:buSzPct val="80000"/>
+                        <a:buFont typeface="Wingdings 3" charset="2"/>
+                        <a:buNone/>
+                      </a:pPr>
+                      <a:r>
+                        <a:rPr lang="en-US" altLang="zh-CN" sz="800" b="1" kern="1200" cap="none" dirty="0" smtClean="0">
+                          <a:solidFill>
+                            <a:srgbClr val="00B050"/>
+                          </a:solidFill>
+                        </a:rPr>
+                        <a:t>841ce1</a:t>
+                      </a:r>
+                      <a:endParaRPr lang="zh-CN" altLang="en-US" sz="800" b="1" i="0" kern="1200" cap="none" dirty="0">
+                        <a:solidFill>
+                          <a:srgbClr val="00B050"/>
+                        </a:solidFill>
+                        <a:latin typeface="+mj-lt"/>
+                        <a:ea typeface="+mj-ea"/>
+                        <a:cs typeface="+mj-cs"/>
+                      </a:endParaRPr>
+                    </a:p>
+                  </a:txBody>
+                  <a:tcPr marL="36000" marR="0" marT="0" marB="0" anchor="b">
+                    <a:lnL>
+                      <a:noFill/>
+                    </a:lnL>
+                    <a:lnR w="9525" cap="rnd" cmpd="sng" algn="ctr">
+                      <a:noFill/>
+                      <a:prstDash val="solid"/>
+                    </a:lnR>
+                    <a:lnT w="28575" cap="rnd" cmpd="sng" algn="ctr">
+                      <a:noFill/>
+                      <a:prstDash val="solid"/>
+                    </a:lnT>
+                    <a:lnB>
+                      <a:noFill/>
+                    </a:lnB>
+                    <a:lnTlToBr w="12700" cmpd="sng">
+                      <a:noFill/>
+                      <a:prstDash val="solid"/>
+                    </a:lnTlToBr>
+                    <a:lnBlToTr w="12700" cmpd="sng">
+                      <a:noFill/>
+                      <a:prstDash val="solid"/>
+                    </a:lnBlToTr>
+                  </a:tcPr>
+                </a:tc>
+              </a:tr>
+              <a:tr h="152400">
+                <a:tc>
+                  <a:txBody>
+                    <a:bodyPr/>
+                    <a:lstStyle/>
+                    <a:p>
+                      <a:pPr marL="0" indent="0" algn="l" defTabSz="457200" rtl="0" eaLnBrk="1" latinLnBrk="0" hangingPunct="1">
+                        <a:spcBef>
+                          <a:spcPct val="0"/>
+                        </a:spcBef>
+                        <a:spcAft>
+                          <a:spcPts val="0"/>
+                        </a:spcAft>
+                        <a:buClr>
+                          <a:schemeClr val="bg2">
+                            <a:lumMod val="40000"/>
+                            <a:lumOff val="60000"/>
+                          </a:schemeClr>
+                        </a:buClr>
+                        <a:buSzPct val="80000"/>
+                        <a:buFont typeface="Wingdings 3" charset="2"/>
+                        <a:buNone/>
+                      </a:pPr>
+                      <a:r>
+                        <a:rPr lang="en-US" altLang="zh-CN" sz="800" b="1" kern="1200" cap="none" dirty="0" smtClean="0">
+                          <a:solidFill>
+                            <a:srgbClr val="FF0000"/>
+                          </a:solidFill>
+                        </a:rPr>
+                        <a:t>tree</a:t>
+                      </a:r>
+                      <a:endParaRPr lang="zh-CN" altLang="en-US" sz="800" b="1" i="0" kern="1200" cap="none" dirty="0">
+                        <a:solidFill>
+                          <a:srgbClr val="FF0000"/>
+                        </a:solidFill>
+                        <a:latin typeface="+mj-lt"/>
+                        <a:ea typeface="+mj-ea"/>
+                        <a:cs typeface="+mj-cs"/>
+                      </a:endParaRPr>
+                    </a:p>
+                  </a:txBody>
+                  <a:tcPr marL="36000" marR="0" marT="0" marB="0" anchor="b">
+                    <a:lnL w="9525" cap="rnd" cmpd="sng" algn="ctr">
+                      <a:noFill/>
+                      <a:prstDash val="solid"/>
+                    </a:lnL>
+                    <a:lnR>
+                      <a:noFill/>
+                    </a:lnR>
+                    <a:lnT>
+                      <a:noFill/>
+                    </a:lnT>
+                    <a:lnB>
+                      <a:noFill/>
+                    </a:lnB>
+                    <a:lnTlToBr w="12700" cmpd="sng">
+                      <a:noFill/>
+                      <a:prstDash val="solid"/>
+                    </a:lnTlToBr>
+                    <a:lnBlToTr w="12700" cmpd="sng">
+                      <a:noFill/>
+                      <a:prstDash val="solid"/>
+                    </a:lnBlToTr>
+                  </a:tcPr>
+                </a:tc>
+                <a:tc>
+                  <a:txBody>
+                    <a:bodyPr/>
+                    <a:lstStyle/>
+                    <a:p>
+                      <a:pPr marL="0" indent="0" algn="l" defTabSz="457200" rtl="0" eaLnBrk="1" latinLnBrk="0" hangingPunct="1">
+                        <a:spcBef>
+                          <a:spcPct val="0"/>
+                        </a:spcBef>
+                        <a:spcAft>
+                          <a:spcPts val="0"/>
+                        </a:spcAft>
+                        <a:buClr>
+                          <a:schemeClr val="bg2">
+                            <a:lumMod val="40000"/>
+                            <a:lumOff val="60000"/>
+                          </a:schemeClr>
+                        </a:buClr>
+                        <a:buSzPct val="80000"/>
+                        <a:buFont typeface="Wingdings 3" charset="2"/>
+                        <a:buNone/>
+                      </a:pPr>
+                      <a:r>
+                        <a:rPr lang="en-US" altLang="zh-CN" sz="800" b="1" kern="1200" cap="none" dirty="0" smtClean="0">
+                          <a:solidFill>
+                            <a:srgbClr val="FF0000"/>
+                          </a:solidFill>
+                        </a:rPr>
+                        <a:t>d82474</a:t>
+                      </a:r>
+                      <a:endParaRPr lang="zh-CN" altLang="en-US" sz="800" b="1" i="0" kern="1200" cap="none" dirty="0">
+                        <a:solidFill>
+                          <a:srgbClr val="FF0000"/>
+                        </a:solidFill>
+                        <a:latin typeface="+mj-lt"/>
+                        <a:ea typeface="+mj-ea"/>
+                        <a:cs typeface="+mj-cs"/>
+                      </a:endParaRPr>
+                    </a:p>
+                  </a:txBody>
+                  <a:tcPr marL="36000" marR="0" marT="0" marB="0" anchor="b">
+                    <a:lnL>
+                      <a:noFill/>
+                    </a:lnL>
+                    <a:lnR w="9525" cap="rnd" cmpd="sng" algn="ctr">
+                      <a:noFill/>
+                      <a:prstDash val="solid"/>
+                    </a:lnR>
+                    <a:lnT>
+                      <a:noFill/>
+                    </a:lnT>
+                    <a:lnB>
+                      <a:noFill/>
+                    </a:lnB>
+                    <a:lnTlToBr w="12700" cmpd="sng">
+                      <a:noFill/>
+                      <a:prstDash val="solid"/>
+                    </a:lnTlToBr>
+                    <a:lnBlToTr w="12700" cmpd="sng">
+                      <a:noFill/>
+                      <a:prstDash val="solid"/>
+                    </a:lnBlToTr>
+                  </a:tcPr>
+                </a:tc>
+              </a:tr>
+            </a:tbl>
+          </a:graphicData>
+        </a:graphic>
+      </p:graphicFrame>
     </p:spTree>
     <p:custDataLst>
       <p:tags r:id="rId1"/>
     </p:custDataLst>
     <p:extLst>
       <p:ext uri="{BB962C8B-B14F-4D97-AF65-F5344CB8AC3E}">
-        <p14:creationId xmlns:p14="http://schemas.microsoft.com/office/powerpoint/2010/main" val="1819340341"/>
+        <p14:creationId xmlns:p14="http://schemas.microsoft.com/office/powerpoint/2010/main" val="426220818"/>
       </p:ext>
     </p:extLst>
   </p:cSld>
   <p:clrMapOvr>
     <a:masterClrMapping/>
   </p:clrMapOvr>
-  <mc:AlternateContent xmlns:mc="http://schemas.openxmlformats.org/markup-compatibility/2006">
-    <mc:Choice xmlns:p14="http://schemas.microsoft.com/office/powerpoint/2010/main" Requires="p14">
+  <mc:AlternateContent xmlns:mc="http://schemas.openxmlformats.org/markup-compatibility/2006" xmlns:p14="http://schemas.microsoft.com/office/powerpoint/2010/main">
+    <mc:Choice Requires="p14">
       <p:transition p14:dur="10" advTm="2931"/>
     </mc:Choice>
-    <mc:Fallback>
+    <mc:Fallback xmlns="">
       <p:transition advTm="2931"/>
     </mc:Fallback>
   </mc:AlternateContent>
@@ -9072,9 +10940,259 @@
       <p:par>
         <p:cTn id="1" dur="indefinite" restart="never" nodeType="tmRoot">
           <p:childTnLst>
+            <p:seq concurrent="1" nextAc="seek">
+              <p:cTn id="2" dur="indefinite" nodeType="mainSeq">
+                <p:childTnLst>
+                  <p:par>
+                    <p:cTn id="3" fill="hold">
+                      <p:stCondLst>
+                        <p:cond delay="indefinite"/>
+                      </p:stCondLst>
+                      <p:childTnLst>
+                        <p:par>
+                          <p:cTn id="4" fill="hold">
+                            <p:stCondLst>
+                              <p:cond delay="0"/>
+                            </p:stCondLst>
+                            <p:childTnLst>
+                              <p:par>
+                                <p:cTn id="5" presetID="42" presetClass="entr" presetSubtype="0" fill="hold" nodeType="clickEffect">
+                                  <p:stCondLst>
+                                    <p:cond delay="0"/>
+                                  </p:stCondLst>
+                                  <p:childTnLst>
+                                    <p:set>
+                                      <p:cBhvr>
+                                        <p:cTn id="6" dur="1" fill="hold">
+                                          <p:stCondLst>
+                                            <p:cond delay="0"/>
+                                          </p:stCondLst>
+                                        </p:cTn>
+                                        <p:tgtEl>
+                                          <p:spTgt spid="35">
+                                            <p:txEl>
+                                              <p:pRg st="0" end="0"/>
+                                            </p:txEl>
+                                          </p:spTgt>
+                                        </p:tgtEl>
+                                        <p:attrNameLst>
+                                          <p:attrName>style.visibility</p:attrName>
+                                        </p:attrNameLst>
+                                      </p:cBhvr>
+                                      <p:to>
+                                        <p:strVal val="visible"/>
+                                      </p:to>
+                                    </p:set>
+                                    <p:animEffect transition="in" filter="fade">
+                                      <p:cBhvr>
+                                        <p:cTn id="7" dur="1000"/>
+                                        <p:tgtEl>
+                                          <p:spTgt spid="35">
+                                            <p:txEl>
+                                              <p:pRg st="0" end="0"/>
+                                            </p:txEl>
+                                          </p:spTgt>
+                                        </p:tgtEl>
+                                      </p:cBhvr>
+                                    </p:animEffect>
+                                    <p:anim calcmode="lin" valueType="num">
+                                      <p:cBhvr>
+                                        <p:cTn id="8" dur="1000" fill="hold"/>
+                                        <p:tgtEl>
+                                          <p:spTgt spid="35">
+                                            <p:txEl>
+                                              <p:pRg st="0" end="0"/>
+                                            </p:txEl>
+                                          </p:spTgt>
+                                        </p:tgtEl>
+                                        <p:attrNameLst>
+                                          <p:attrName>ppt_x</p:attrName>
+                                        </p:attrNameLst>
+                                      </p:cBhvr>
+                                      <p:tavLst>
+                                        <p:tav tm="0">
+                                          <p:val>
+                                            <p:strVal val="#ppt_x"/>
+                                          </p:val>
+                                        </p:tav>
+                                        <p:tav tm="100000">
+                                          <p:val>
+                                            <p:strVal val="#ppt_x"/>
+                                          </p:val>
+                                        </p:tav>
+                                      </p:tavLst>
+                                    </p:anim>
+                                    <p:anim calcmode="lin" valueType="num">
+                                      <p:cBhvr>
+                                        <p:cTn id="9" dur="1000" fill="hold"/>
+                                        <p:tgtEl>
+                                          <p:spTgt spid="35">
+                                            <p:txEl>
+                                              <p:pRg st="0" end="0"/>
+                                            </p:txEl>
+                                          </p:spTgt>
+                                        </p:tgtEl>
+                                        <p:attrNameLst>
+                                          <p:attrName>ppt_y</p:attrName>
+                                        </p:attrNameLst>
+                                      </p:cBhvr>
+                                      <p:tavLst>
+                                        <p:tav tm="0">
+                                          <p:val>
+                                            <p:strVal val="#ppt_y+.1"/>
+                                          </p:val>
+                                        </p:tav>
+                                        <p:tav tm="100000">
+                                          <p:val>
+                                            <p:strVal val="#ppt_y"/>
+                                          </p:val>
+                                        </p:tav>
+                                      </p:tavLst>
+                                    </p:anim>
+                                  </p:childTnLst>
+                                </p:cTn>
+                              </p:par>
+                            </p:childTnLst>
+                          </p:cTn>
+                        </p:par>
+                      </p:childTnLst>
+                    </p:cTn>
+                  </p:par>
+                  <p:par>
+                    <p:cTn id="10" fill="hold">
+                      <p:stCondLst>
+                        <p:cond delay="indefinite"/>
+                      </p:stCondLst>
+                      <p:childTnLst>
+                        <p:par>
+                          <p:cTn id="11" fill="hold">
+                            <p:stCondLst>
+                              <p:cond delay="0"/>
+                            </p:stCondLst>
+                            <p:childTnLst>
+                              <p:par>
+                                <p:cTn id="12" presetID="42" presetClass="entr" presetSubtype="0" fill="hold" nodeType="clickEffect">
+                                  <p:stCondLst>
+                                    <p:cond delay="0"/>
+                                  </p:stCondLst>
+                                  <p:childTnLst>
+                                    <p:set>
+                                      <p:cBhvr>
+                                        <p:cTn id="13" dur="1" fill="hold">
+                                          <p:stCondLst>
+                                            <p:cond delay="0"/>
+                                          </p:stCondLst>
+                                        </p:cTn>
+                                        <p:tgtEl>
+                                          <p:spTgt spid="36">
+                                            <p:txEl>
+                                              <p:pRg st="0" end="0"/>
+                                            </p:txEl>
+                                          </p:spTgt>
+                                        </p:tgtEl>
+                                        <p:attrNameLst>
+                                          <p:attrName>style.visibility</p:attrName>
+                                        </p:attrNameLst>
+                                      </p:cBhvr>
+                                      <p:to>
+                                        <p:strVal val="visible"/>
+                                      </p:to>
+                                    </p:set>
+                                    <p:animEffect transition="in" filter="fade">
+                                      <p:cBhvr>
+                                        <p:cTn id="14" dur="1000"/>
+                                        <p:tgtEl>
+                                          <p:spTgt spid="36">
+                                            <p:txEl>
+                                              <p:pRg st="0" end="0"/>
+                                            </p:txEl>
+                                          </p:spTgt>
+                                        </p:tgtEl>
+                                      </p:cBhvr>
+                                    </p:animEffect>
+                                    <p:anim calcmode="lin" valueType="num">
+                                      <p:cBhvr>
+                                        <p:cTn id="15" dur="1000" fill="hold"/>
+                                        <p:tgtEl>
+                                          <p:spTgt spid="36">
+                                            <p:txEl>
+                                              <p:pRg st="0" end="0"/>
+                                            </p:txEl>
+                                          </p:spTgt>
+                                        </p:tgtEl>
+                                        <p:attrNameLst>
+                                          <p:attrName>ppt_x</p:attrName>
+                                        </p:attrNameLst>
+                                      </p:cBhvr>
+                                      <p:tavLst>
+                                        <p:tav tm="0">
+                                          <p:val>
+                                            <p:strVal val="#ppt_x"/>
+                                          </p:val>
+                                        </p:tav>
+                                        <p:tav tm="100000">
+                                          <p:val>
+                                            <p:strVal val="#ppt_x"/>
+                                          </p:val>
+                                        </p:tav>
+                                      </p:tavLst>
+                                    </p:anim>
+                                    <p:anim calcmode="lin" valueType="num">
+                                      <p:cBhvr>
+                                        <p:cTn id="16" dur="1000" fill="hold"/>
+                                        <p:tgtEl>
+                                          <p:spTgt spid="36">
+                                            <p:txEl>
+                                              <p:pRg st="0" end="0"/>
+                                            </p:txEl>
+                                          </p:spTgt>
+                                        </p:tgtEl>
+                                        <p:attrNameLst>
+                                          <p:attrName>ppt_y</p:attrName>
+                                        </p:attrNameLst>
+                                      </p:cBhvr>
+                                      <p:tavLst>
+                                        <p:tav tm="0">
+                                          <p:val>
+                                            <p:strVal val="#ppt_y+.1"/>
+                                          </p:val>
+                                        </p:tav>
+                                        <p:tav tm="100000">
+                                          <p:val>
+                                            <p:strVal val="#ppt_y"/>
+                                          </p:val>
+                                        </p:tav>
+                                      </p:tavLst>
+                                    </p:anim>
+                                  </p:childTnLst>
+                                </p:cTn>
+                              </p:par>
+                            </p:childTnLst>
+                          </p:cTn>
+                        </p:par>
+                      </p:childTnLst>
+                    </p:cTn>
+                  </p:par>
+                </p:childTnLst>
+              </p:cTn>
+              <p:prevCondLst>
+                <p:cond evt="onPrev" delay="0">
+                  <p:tgtEl>
+                    <p:sldTgt/>
+                  </p:tgtEl>
+                </p:cond>
+              </p:prevCondLst>
+              <p:nextCondLst>
+                <p:cond evt="onNext" delay="0">
+                  <p:tgtEl>
+                    <p:sldTgt/>
+                  </p:tgtEl>
+                </p:cond>
+              </p:nextCondLst>
+            </p:seq>
             <p:audio isNarration="1">
               <p:cMediaNode vol="80000" showWhenStopped="0">
-                <p:cTn id="2" fill="hold" display="0">
+                <p:cTn id="17" fill="hold" display="0">
                   <p:stCondLst>
                     <p:cond delay="indefinite"/>
                   </p:stCondLst>
@@ -9151,11 +11269,18 @@
           <a:lstStyle/>
           <a:p>
             <a:r>
+              <a:rPr lang="en-US" altLang="zh-CN" sz="3200" dirty="0" smtClean="0">
+                <a:latin typeface="华文琥珀" panose="02010800040101010101" pitchFamily="2" charset="-122"/>
+                <a:ea typeface="华文琥珀" panose="02010800040101010101" pitchFamily="2" charset="-122"/>
+              </a:rPr>
+              <a:t>Reset</a:t>
+            </a:r>
+            <a:r>
               <a:rPr lang="zh-CN" altLang="en-US" sz="3200" dirty="0" smtClean="0">
                 <a:latin typeface="华文琥珀" panose="02010800040101010101" pitchFamily="2" charset="-122"/>
                 <a:ea typeface="华文琥珀" panose="02010800040101010101" pitchFamily="2" charset="-122"/>
               </a:rPr>
-              <a:t>创建与应用补丁</a:t>
+              <a:t>命令</a:t>
             </a:r>
             <a:endParaRPr lang="zh-CN" altLang="en-US" sz="3200" dirty="0">
               <a:latin typeface="华文琥珀" panose="02010800040101010101" pitchFamily="2" charset="-122"/>
@@ -9540,21 +11665,7 @@
                 <a:latin typeface="Tempus Sans ITC" panose="04020404030D07020202" pitchFamily="82" charset="0"/>
                 <a:ea typeface="华文彩云" panose="02010800040101010101" pitchFamily="2" charset="-122"/>
               </a:rPr>
-              <a:t>$ G</a:t>
-            </a:r>
-            <a:r>
-              <a:rPr lang="en-US" altLang="zh-CN" dirty="0" smtClean="0">
-                <a:effectLst>
-                  <a:outerShdw blurRad="38100" dist="38100" dir="2700000" algn="tl">
-                    <a:srgbClr val="000000">
-                      <a:alpha val="43137"/>
-                    </a:srgbClr>
-                  </a:outerShdw>
-                </a:effectLst>
-                <a:latin typeface="Tempus Sans ITC" panose="04020404030D07020202" pitchFamily="82" charset="0"/>
-                <a:ea typeface="华文彩云" panose="02010800040101010101" pitchFamily="2" charset="-122"/>
-              </a:rPr>
-              <a:t>it reset mixed soft hard head^</a:t>
+              <a:t>$ Git reset mixed soft hard head^</a:t>
             </a:r>
             <a:endParaRPr lang="zh-CN" altLang="en-US" sz="6600" dirty="0">
               <a:effectLst>
@@ -9576,18 +11687,18 @@
     </p:custDataLst>
     <p:extLst>
       <p:ext uri="{BB962C8B-B14F-4D97-AF65-F5344CB8AC3E}">
-        <p14:creationId xmlns:p14="http://schemas.microsoft.com/office/powerpoint/2010/main" val="36840073"/>
+        <p14:creationId xmlns:p14="http://schemas.microsoft.com/office/powerpoint/2010/main" val="1819340341"/>
       </p:ext>
     </p:extLst>
   </p:cSld>
   <p:clrMapOvr>
     <a:masterClrMapping/>
   </p:clrMapOvr>
-  <mc:AlternateContent xmlns:mc="http://schemas.openxmlformats.org/markup-compatibility/2006">
-    <mc:Choice xmlns:p14="http://schemas.microsoft.com/office/powerpoint/2010/main" Requires="p14">
+  <mc:AlternateContent xmlns:mc="http://schemas.openxmlformats.org/markup-compatibility/2006" xmlns:p14="http://schemas.microsoft.com/office/powerpoint/2010/main">
+    <mc:Choice Requires="p14">
       <p:transition p14:dur="10" advTm="2931"/>
     </mc:Choice>
-    <mc:Fallback>
+    <mc:Fallback xmlns="">
       <p:transition advTm="2931"/>
     </mc:Fallback>
   </mc:AlternateContent>
@@ -9679,7 +11790,7 @@
                 <a:latin typeface="华文琥珀" panose="02010800040101010101" pitchFamily="2" charset="-122"/>
                 <a:ea typeface="华文琥珀" panose="02010800040101010101" pitchFamily="2" charset="-122"/>
               </a:rPr>
-              <a:t>创建独立分支</a:t>
+              <a:t>创建与应用补丁</a:t>
             </a:r>
             <a:endParaRPr lang="zh-CN" altLang="en-US" sz="3200" dirty="0">
               <a:latin typeface="华文琥珀" panose="02010800040101010101" pitchFamily="2" charset="-122"/>
@@ -10064,21 +12175,7 @@
                 <a:latin typeface="Tempus Sans ITC" panose="04020404030D07020202" pitchFamily="82" charset="0"/>
                 <a:ea typeface="华文彩云" panose="02010800040101010101" pitchFamily="2" charset="-122"/>
               </a:rPr>
-              <a:t>$ G</a:t>
-            </a:r>
-            <a:r>
-              <a:rPr lang="en-US" altLang="zh-CN" dirty="0" smtClean="0">
-                <a:effectLst>
-                  <a:outerShdw blurRad="38100" dist="38100" dir="2700000" algn="tl">
-                    <a:srgbClr val="000000">
-                      <a:alpha val="43137"/>
-                    </a:srgbClr>
-                  </a:outerShdw>
-                </a:effectLst>
-                <a:latin typeface="Tempus Sans ITC" panose="04020404030D07020202" pitchFamily="82" charset="0"/>
-                <a:ea typeface="华文彩云" panose="02010800040101010101" pitchFamily="2" charset="-122"/>
-              </a:rPr>
-              <a:t>it reset mixed soft hard head^</a:t>
+              <a:t>$ Git reset mixed soft hard head^</a:t>
             </a:r>
             <a:endParaRPr lang="zh-CN" altLang="en-US" sz="6600" dirty="0">
               <a:effectLst>
@@ -10100,18 +12197,18 @@
     </p:custDataLst>
     <p:extLst>
       <p:ext uri="{BB962C8B-B14F-4D97-AF65-F5344CB8AC3E}">
-        <p14:creationId xmlns:p14="http://schemas.microsoft.com/office/powerpoint/2010/main" val="3796254590"/>
+        <p14:creationId xmlns:p14="http://schemas.microsoft.com/office/powerpoint/2010/main" val="36840073"/>
       </p:ext>
     </p:extLst>
   </p:cSld>
   <p:clrMapOvr>
     <a:masterClrMapping/>
   </p:clrMapOvr>
-  <mc:AlternateContent xmlns:mc="http://schemas.openxmlformats.org/markup-compatibility/2006">
-    <mc:Choice xmlns:p14="http://schemas.microsoft.com/office/powerpoint/2010/main" Requires="p14">
+  <mc:AlternateContent xmlns:mc="http://schemas.openxmlformats.org/markup-compatibility/2006" xmlns:p14="http://schemas.microsoft.com/office/powerpoint/2010/main">
+    <mc:Choice Requires="p14">
       <p:transition p14:dur="10" advTm="2931"/>
     </mc:Choice>
-    <mc:Fallback>
+    <mc:Fallback xmlns="">
       <p:transition advTm="2931"/>
     </mc:Fallback>
   </mc:AlternateContent>
@@ -10203,14 +12300,7 @@
                 <a:latin typeface="华文琥珀" panose="02010800040101010101" pitchFamily="2" charset="-122"/>
                 <a:ea typeface="华文琥珀" panose="02010800040101010101" pitchFamily="2" charset="-122"/>
               </a:rPr>
-              <a:t>合并与</a:t>
-            </a:r>
-            <a:r>
-              <a:rPr lang="en-US" altLang="zh-CN" sz="3200" dirty="0" smtClean="0">
-                <a:latin typeface="华文琥珀" panose="02010800040101010101" pitchFamily="2" charset="-122"/>
-                <a:ea typeface="华文琥珀" panose="02010800040101010101" pitchFamily="2" charset="-122"/>
-              </a:rPr>
-              <a:t>rebase</a:t>
+              <a:t>创建独立分支</a:t>
             </a:r>
             <a:endParaRPr lang="zh-CN" altLang="en-US" sz="3200" dirty="0">
               <a:latin typeface="华文琥珀" panose="02010800040101010101" pitchFamily="2" charset="-122"/>
@@ -10595,21 +12685,7 @@
                 <a:latin typeface="Tempus Sans ITC" panose="04020404030D07020202" pitchFamily="82" charset="0"/>
                 <a:ea typeface="华文彩云" panose="02010800040101010101" pitchFamily="2" charset="-122"/>
               </a:rPr>
-              <a:t>$ G</a:t>
-            </a:r>
-            <a:r>
-              <a:rPr lang="en-US" altLang="zh-CN" dirty="0" smtClean="0">
-                <a:effectLst>
-                  <a:outerShdw blurRad="38100" dist="38100" dir="2700000" algn="tl">
-                    <a:srgbClr val="000000">
-                      <a:alpha val="43137"/>
-                    </a:srgbClr>
-                  </a:outerShdw>
-                </a:effectLst>
-                <a:latin typeface="Tempus Sans ITC" panose="04020404030D07020202" pitchFamily="82" charset="0"/>
-                <a:ea typeface="华文彩云" panose="02010800040101010101" pitchFamily="2" charset="-122"/>
-              </a:rPr>
-              <a:t>it reset mixed soft hard head^</a:t>
+              <a:t>$ Git reset mixed soft hard head^</a:t>
             </a:r>
             <a:endParaRPr lang="zh-CN" altLang="en-US" sz="6600" dirty="0">
               <a:effectLst>
@@ -10631,18 +12707,18 @@
     </p:custDataLst>
     <p:extLst>
       <p:ext uri="{BB962C8B-B14F-4D97-AF65-F5344CB8AC3E}">
-        <p14:creationId xmlns:p14="http://schemas.microsoft.com/office/powerpoint/2010/main" val="2967104165"/>
+        <p14:creationId xmlns:p14="http://schemas.microsoft.com/office/powerpoint/2010/main" val="3796254590"/>
       </p:ext>
     </p:extLst>
   </p:cSld>
   <p:clrMapOvr>
     <a:masterClrMapping/>
   </p:clrMapOvr>
-  <mc:AlternateContent xmlns:mc="http://schemas.openxmlformats.org/markup-compatibility/2006">
-    <mc:Choice xmlns:p14="http://schemas.microsoft.com/office/powerpoint/2010/main" Requires="p14">
+  <mc:AlternateContent xmlns:mc="http://schemas.openxmlformats.org/markup-compatibility/2006" xmlns:p14="http://schemas.microsoft.com/office/powerpoint/2010/main">
+    <mc:Choice Requires="p14">
       <p:transition p14:dur="10" advTm="2931"/>
     </mc:Choice>
-    <mc:Fallback>
+    <mc:Fallback xmlns="">
       <p:transition advTm="2931"/>
     </mc:Fallback>
   </mc:AlternateContent>
@@ -10730,18 +12806,18 @@
           <a:lstStyle/>
           <a:p>
             <a:r>
+              <a:rPr lang="zh-CN" altLang="en-US" sz="3200" dirty="0" smtClean="0">
+                <a:latin typeface="华文琥珀" panose="02010800040101010101" pitchFamily="2" charset="-122"/>
+                <a:ea typeface="华文琥珀" panose="02010800040101010101" pitchFamily="2" charset="-122"/>
+              </a:rPr>
+              <a:t>合并与</a:t>
+            </a:r>
+            <a:r>
               <a:rPr lang="en-US" altLang="zh-CN" sz="3200" dirty="0" smtClean="0">
                 <a:latin typeface="华文琥珀" panose="02010800040101010101" pitchFamily="2" charset="-122"/>
                 <a:ea typeface="华文琥珀" panose="02010800040101010101" pitchFamily="2" charset="-122"/>
               </a:rPr>
-              <a:t>Clone</a:t>
-            </a:r>
-            <a:r>
-              <a:rPr lang="zh-CN" altLang="en-US" sz="3200" dirty="0" smtClean="0">
-                <a:latin typeface="华文琥珀" panose="02010800040101010101" pitchFamily="2" charset="-122"/>
-                <a:ea typeface="华文琥珀" panose="02010800040101010101" pitchFamily="2" charset="-122"/>
-              </a:rPr>
-              <a:t>命令</a:t>
+              <a:t>rebase</a:t>
             </a:r>
             <a:endParaRPr lang="zh-CN" altLang="en-US" sz="3200" dirty="0">
               <a:latin typeface="华文琥珀" panose="02010800040101010101" pitchFamily="2" charset="-122"/>
@@ -11126,21 +13202,7 @@
                 <a:latin typeface="Tempus Sans ITC" panose="04020404030D07020202" pitchFamily="82" charset="0"/>
                 <a:ea typeface="华文彩云" panose="02010800040101010101" pitchFamily="2" charset="-122"/>
               </a:rPr>
-              <a:t>$ G</a:t>
-            </a:r>
-            <a:r>
-              <a:rPr lang="en-US" altLang="zh-CN" dirty="0" smtClean="0">
-                <a:effectLst>
-                  <a:outerShdw blurRad="38100" dist="38100" dir="2700000" algn="tl">
-                    <a:srgbClr val="000000">
-                      <a:alpha val="43137"/>
-                    </a:srgbClr>
-                  </a:outerShdw>
-                </a:effectLst>
-                <a:latin typeface="Tempus Sans ITC" panose="04020404030D07020202" pitchFamily="82" charset="0"/>
-                <a:ea typeface="华文彩云" panose="02010800040101010101" pitchFamily="2" charset="-122"/>
-              </a:rPr>
-              <a:t>it reset mixed soft hard head^</a:t>
+              <a:t>$ Git reset mixed soft hard head^</a:t>
             </a:r>
             <a:endParaRPr lang="zh-CN" altLang="en-US" sz="6600" dirty="0">
               <a:effectLst>
@@ -11162,18 +13224,18 @@
     </p:custDataLst>
     <p:extLst>
       <p:ext uri="{BB962C8B-B14F-4D97-AF65-F5344CB8AC3E}">
-        <p14:creationId xmlns:p14="http://schemas.microsoft.com/office/powerpoint/2010/main" val="3479629367"/>
+        <p14:creationId xmlns:p14="http://schemas.microsoft.com/office/powerpoint/2010/main" val="2967104165"/>
       </p:ext>
     </p:extLst>
   </p:cSld>
   <p:clrMapOvr>
     <a:masterClrMapping/>
   </p:clrMapOvr>
-  <mc:AlternateContent xmlns:mc="http://schemas.openxmlformats.org/markup-compatibility/2006">
-    <mc:Choice xmlns:p14="http://schemas.microsoft.com/office/powerpoint/2010/main" Requires="p14">
+  <mc:AlternateContent xmlns:mc="http://schemas.openxmlformats.org/markup-compatibility/2006" xmlns:p14="http://schemas.microsoft.com/office/powerpoint/2010/main">
+    <mc:Choice Requires="p14">
       <p:transition p14:dur="10" advTm="2931"/>
     </mc:Choice>
-    <mc:Fallback>
+    <mc:Fallback xmlns="">
       <p:transition advTm="2931"/>
     </mc:Fallback>
   </mc:AlternateContent>
@@ -11261,6 +13323,523 @@
           <a:lstStyle/>
           <a:p>
             <a:r>
+              <a:rPr lang="en-US" altLang="zh-CN" sz="3200" dirty="0" smtClean="0">
+                <a:latin typeface="华文琥珀" panose="02010800040101010101" pitchFamily="2" charset="-122"/>
+                <a:ea typeface="华文琥珀" panose="02010800040101010101" pitchFamily="2" charset="-122"/>
+              </a:rPr>
+              <a:t>Clone</a:t>
+            </a:r>
+            <a:r>
+              <a:rPr lang="zh-CN" altLang="en-US" sz="3200" dirty="0" smtClean="0">
+                <a:latin typeface="华文琥珀" panose="02010800040101010101" pitchFamily="2" charset="-122"/>
+                <a:ea typeface="华文琥珀" panose="02010800040101010101" pitchFamily="2" charset="-122"/>
+              </a:rPr>
+              <a:t>命令</a:t>
+            </a:r>
+            <a:endParaRPr lang="zh-CN" altLang="en-US" sz="3200" dirty="0">
+              <a:latin typeface="华文琥珀" panose="02010800040101010101" pitchFamily="2" charset="-122"/>
+              <a:ea typeface="华文琥珀" panose="02010800040101010101" pitchFamily="2" charset="-122"/>
+            </a:endParaRPr>
+          </a:p>
+        </p:txBody>
+      </p:sp>
+      <p:sp>
+        <p:nvSpPr>
+          <p:cNvPr id="4" name="灯片编号占位符 3"/>
+          <p:cNvSpPr>
+            <a:spLocks noGrp="1"/>
+          </p:cNvSpPr>
+          <p:nvPr>
+            <p:ph type="sldNum" sz="quarter" idx="12"/>
+          </p:nvPr>
+        </p:nvSpPr>
+        <p:spPr/>
+        <p:txBody>
+          <a:bodyPr/>
+          <a:lstStyle/>
+          <a:p>
+            <a:fld id="{6469EC62-33AF-4423-BC24-ABBFD8DA85E4}" type="slidenum">
+              <a:rPr lang="zh-CN" altLang="en-US" smtClean="0"/>
+              <a:t>15</a:t>
+            </a:fld>
+            <a:endParaRPr lang="zh-CN" altLang="en-US"/>
+          </a:p>
+        </p:txBody>
+      </p:sp>
+      <p:pic>
+        <p:nvPicPr>
+          <p:cNvPr id="10" name="音频 9">
+            <a:hlinkClick r:id="" action="ppaction://media"/>
+          </p:cNvPr>
+          <p:cNvPicPr>
+            <a:picLocks noChangeAspect="1"/>
+          </p:cNvPicPr>
+          <p:nvPr>
+            <a:audioFile r:link="rId3"/>
+            <p:extLst>
+              <p:ext uri="{DAA4B4D4-6D71-4841-9C94-3DE7FCFB9230}">
+                <p14:media xmlns:p14="http://schemas.microsoft.com/office/powerpoint/2010/main" r:embed="rId2"/>
+              </p:ext>
+            </p:extLst>
+          </p:nvPr>
+        </p:nvPicPr>
+        <p:blipFill>
+          <a:blip r:embed="rId6"/>
+          <a:stretch>
+            <a:fillRect/>
+          </a:stretch>
+        </p:blipFill>
+        <p:spPr>
+          <a:xfrm>
+            <a:off x="11488738" y="6154738"/>
+            <a:ext cx="487362" cy="487362"/>
+          </a:xfrm>
+          <a:prstGeom prst="rect">
+            <a:avLst/>
+          </a:prstGeom>
+        </p:spPr>
+      </p:pic>
+      <p:sp>
+        <p:nvSpPr>
+          <p:cNvPr id="16" name="标题 1"/>
+          <p:cNvSpPr txBox="1">
+            <a:spLocks/>
+          </p:cNvSpPr>
+          <p:nvPr/>
+        </p:nvSpPr>
+        <p:spPr>
+          <a:xfrm>
+            <a:off x="962967" y="4830407"/>
+            <a:ext cx="9389573" cy="931698"/>
+          </a:xfrm>
+          <a:prstGeom prst="rect">
+            <a:avLst/>
+          </a:prstGeom>
+        </p:spPr>
+        <p:txBody>
+          <a:bodyPr vert="horz" lIns="91440" tIns="45720" rIns="91440" bIns="45720" rtlCol="0" anchor="b">
+            <a:normAutofit fontScale="92500" lnSpcReduction="10000"/>
+          </a:bodyPr>
+          <a:lstStyle>
+            <a:lvl1pPr algn="l" defTabSz="457200" rtl="0" eaLnBrk="1" latinLnBrk="0" hangingPunct="1">
+              <a:spcBef>
+                <a:spcPct val="0"/>
+              </a:spcBef>
+              <a:buNone/>
+              <a:defRPr sz="4000" b="0" i="0" kern="1200" cap="none">
+                <a:solidFill>
+                  <a:schemeClr val="tx2"/>
+                </a:solidFill>
+                <a:latin typeface="+mj-lt"/>
+                <a:ea typeface="+mj-ea"/>
+                <a:cs typeface="+mj-cs"/>
+              </a:defRPr>
+            </a:lvl1pPr>
+            <a:lvl2pPr eaLnBrk="1" hangingPunct="1">
+              <a:defRPr>
+                <a:solidFill>
+                  <a:schemeClr val="tx2"/>
+                </a:solidFill>
+              </a:defRPr>
+            </a:lvl2pPr>
+            <a:lvl3pPr eaLnBrk="1" hangingPunct="1">
+              <a:defRPr>
+                <a:solidFill>
+                  <a:schemeClr val="tx2"/>
+                </a:solidFill>
+              </a:defRPr>
+            </a:lvl3pPr>
+            <a:lvl4pPr eaLnBrk="1" hangingPunct="1">
+              <a:defRPr>
+                <a:solidFill>
+                  <a:schemeClr val="tx2"/>
+                </a:solidFill>
+              </a:defRPr>
+            </a:lvl4pPr>
+            <a:lvl5pPr eaLnBrk="1" hangingPunct="1">
+              <a:defRPr>
+                <a:solidFill>
+                  <a:schemeClr val="tx2"/>
+                </a:solidFill>
+              </a:defRPr>
+            </a:lvl5pPr>
+            <a:lvl6pPr eaLnBrk="1" hangingPunct="1">
+              <a:defRPr>
+                <a:solidFill>
+                  <a:schemeClr val="tx2"/>
+                </a:solidFill>
+              </a:defRPr>
+            </a:lvl6pPr>
+            <a:lvl7pPr eaLnBrk="1" hangingPunct="1">
+              <a:defRPr>
+                <a:solidFill>
+                  <a:schemeClr val="tx2"/>
+                </a:solidFill>
+              </a:defRPr>
+            </a:lvl7pPr>
+            <a:lvl8pPr eaLnBrk="1" hangingPunct="1">
+              <a:defRPr>
+                <a:solidFill>
+                  <a:schemeClr val="tx2"/>
+                </a:solidFill>
+              </a:defRPr>
+            </a:lvl8pPr>
+            <a:lvl9pPr eaLnBrk="1" hangingPunct="1">
+              <a:defRPr>
+                <a:solidFill>
+                  <a:schemeClr val="tx2"/>
+                </a:solidFill>
+              </a:defRPr>
+            </a:lvl9pPr>
+          </a:lstStyle>
+          <a:p>
+            <a:endParaRPr lang="zh-CN" altLang="en-US" sz="6600" dirty="0">
+              <a:effectLst>
+                <a:outerShdw blurRad="38100" dist="38100" dir="2700000" algn="tl">
+                  <a:srgbClr val="000000">
+                    <a:alpha val="43137"/>
+                  </a:srgbClr>
+                </a:outerShdw>
+              </a:effectLst>
+              <a:latin typeface="Tempus Sans ITC" panose="04020404030D07020202" pitchFamily="82" charset="0"/>
+              <a:ea typeface="华文彩云" panose="02010800040101010101" pitchFamily="2" charset="-122"/>
+            </a:endParaRPr>
+          </a:p>
+        </p:txBody>
+      </p:sp>
+      <p:sp>
+        <p:nvSpPr>
+          <p:cNvPr id="7" name="矩形 6"/>
+          <p:cNvSpPr/>
+          <p:nvPr/>
+        </p:nvSpPr>
+        <p:spPr>
+          <a:xfrm>
+            <a:off x="2717562" y="2216599"/>
+            <a:ext cx="555476" cy="299103"/>
+          </a:xfrm>
+          <a:prstGeom prst="rect">
+            <a:avLst/>
+          </a:prstGeom>
+          <a:noFill/>
+          <a:ln>
+            <a:noFill/>
+          </a:ln>
+        </p:spPr>
+        <p:style>
+          <a:lnRef idx="2">
+            <a:schemeClr val="dk1"/>
+          </a:lnRef>
+          <a:fillRef idx="1001">
+            <a:schemeClr val="lt2"/>
+          </a:fillRef>
+          <a:effectRef idx="0">
+            <a:schemeClr val="dk1"/>
+          </a:effectRef>
+          <a:fontRef idx="minor">
+            <a:schemeClr val="dk1"/>
+          </a:fontRef>
+        </p:style>
+        <p:txBody>
+          <a:bodyPr rtlCol="0" anchor="ctr"/>
+          <a:lstStyle/>
+          <a:p>
+            <a:pPr algn="ctr"/>
+            <a:r>
+              <a:rPr lang="en-US" altLang="zh-CN" dirty="0" smtClean="0">
+                <a:solidFill>
+                  <a:schemeClr val="tx1"/>
+                </a:solidFill>
+              </a:rPr>
+              <a:t>.git</a:t>
+            </a:r>
+            <a:endParaRPr lang="zh-CN" altLang="en-US" dirty="0">
+              <a:solidFill>
+                <a:schemeClr val="tx1"/>
+              </a:solidFill>
+            </a:endParaRPr>
+          </a:p>
+        </p:txBody>
+      </p:sp>
+      <p:sp>
+        <p:nvSpPr>
+          <p:cNvPr id="11" name="圆角矩形 10"/>
+          <p:cNvSpPr/>
+          <p:nvPr/>
+        </p:nvSpPr>
+        <p:spPr>
+          <a:xfrm>
+            <a:off x="2418935" y="1022031"/>
+            <a:ext cx="7543800" cy="4269160"/>
+          </a:xfrm>
+          <a:prstGeom prst="roundRect">
+            <a:avLst/>
+          </a:prstGeom>
+        </p:spPr>
+        <p:style>
+          <a:lnRef idx="1">
+            <a:schemeClr val="dk1"/>
+          </a:lnRef>
+          <a:fillRef idx="2">
+            <a:schemeClr val="dk1"/>
+          </a:fillRef>
+          <a:effectRef idx="1">
+            <a:schemeClr val="dk1"/>
+          </a:effectRef>
+          <a:fontRef idx="minor">
+            <a:schemeClr val="dk1"/>
+          </a:fontRef>
+        </p:style>
+        <p:txBody>
+          <a:bodyPr rtlCol="0" anchor="ctr"/>
+          <a:lstStyle/>
+          <a:p>
+            <a:pPr algn="ctr"/>
+            <a:endParaRPr lang="zh-CN" altLang="en-US" sz="800" dirty="0">
+              <a:ln w="0"/>
+              <a:solidFill>
+                <a:schemeClr val="tx1"/>
+              </a:solidFill>
+              <a:effectLst>
+                <a:outerShdw blurRad="38100" dist="19050" dir="2700000" algn="tl" rotWithShape="0">
+                  <a:schemeClr val="dk1">
+                    <a:alpha val="40000"/>
+                  </a:schemeClr>
+                </a:outerShdw>
+              </a:effectLst>
+            </a:endParaRPr>
+          </a:p>
+        </p:txBody>
+      </p:sp>
+      <p:sp>
+        <p:nvSpPr>
+          <p:cNvPr id="15" name="标题 1"/>
+          <p:cNvSpPr txBox="1">
+            <a:spLocks noGrp="1"/>
+          </p:cNvSpPr>
+          <p:nvPr>
+            <p:ph type="body" idx="1"/>
+          </p:nvPr>
+        </p:nvSpPr>
+        <p:spPr>
+          <a:xfrm>
+            <a:off x="1155700" y="5332575"/>
+            <a:ext cx="10034588" cy="717387"/>
+          </a:xfrm>
+          <a:prstGeom prst="rect">
+            <a:avLst/>
+          </a:prstGeom>
+        </p:spPr>
+        <p:txBody>
+          <a:bodyPr vert="horz" lIns="91440" tIns="45720" rIns="91440" bIns="45720" rtlCol="0" anchor="b">
+            <a:normAutofit/>
+          </a:bodyPr>
+          <a:lstStyle>
+            <a:lvl1pPr algn="l" defTabSz="457200" rtl="0" eaLnBrk="1" latinLnBrk="0" hangingPunct="1">
+              <a:spcBef>
+                <a:spcPct val="0"/>
+              </a:spcBef>
+              <a:buNone/>
+              <a:defRPr sz="4000" b="0" i="0" kern="1200" cap="none">
+                <a:solidFill>
+                  <a:schemeClr val="tx2"/>
+                </a:solidFill>
+                <a:latin typeface="+mj-lt"/>
+                <a:ea typeface="+mj-ea"/>
+                <a:cs typeface="+mj-cs"/>
+              </a:defRPr>
+            </a:lvl1pPr>
+            <a:lvl2pPr eaLnBrk="1" hangingPunct="1">
+              <a:defRPr>
+                <a:solidFill>
+                  <a:schemeClr val="tx2"/>
+                </a:solidFill>
+              </a:defRPr>
+            </a:lvl2pPr>
+            <a:lvl3pPr eaLnBrk="1" hangingPunct="1">
+              <a:defRPr>
+                <a:solidFill>
+                  <a:schemeClr val="tx2"/>
+                </a:solidFill>
+              </a:defRPr>
+            </a:lvl3pPr>
+            <a:lvl4pPr eaLnBrk="1" hangingPunct="1">
+              <a:defRPr>
+                <a:solidFill>
+                  <a:schemeClr val="tx2"/>
+                </a:solidFill>
+              </a:defRPr>
+            </a:lvl4pPr>
+            <a:lvl5pPr eaLnBrk="1" hangingPunct="1">
+              <a:defRPr>
+                <a:solidFill>
+                  <a:schemeClr val="tx2"/>
+                </a:solidFill>
+              </a:defRPr>
+            </a:lvl5pPr>
+            <a:lvl6pPr eaLnBrk="1" hangingPunct="1">
+              <a:defRPr>
+                <a:solidFill>
+                  <a:schemeClr val="tx2"/>
+                </a:solidFill>
+              </a:defRPr>
+            </a:lvl6pPr>
+            <a:lvl7pPr eaLnBrk="1" hangingPunct="1">
+              <a:defRPr>
+                <a:solidFill>
+                  <a:schemeClr val="tx2"/>
+                </a:solidFill>
+              </a:defRPr>
+            </a:lvl7pPr>
+            <a:lvl8pPr eaLnBrk="1" hangingPunct="1">
+              <a:defRPr>
+                <a:solidFill>
+                  <a:schemeClr val="tx2"/>
+                </a:solidFill>
+              </a:defRPr>
+            </a:lvl8pPr>
+            <a:lvl9pPr eaLnBrk="1" hangingPunct="1">
+              <a:defRPr>
+                <a:solidFill>
+                  <a:schemeClr val="tx2"/>
+                </a:solidFill>
+              </a:defRPr>
+            </a:lvl9pPr>
+          </a:lstStyle>
+          <a:p>
+            <a:r>
+              <a:rPr lang="en-US" altLang="zh-CN" dirty="0" smtClean="0">
+                <a:effectLst>
+                  <a:outerShdw blurRad="38100" dist="38100" dir="2700000" algn="tl">
+                    <a:srgbClr val="000000">
+                      <a:alpha val="43137"/>
+                    </a:srgbClr>
+                  </a:outerShdw>
+                </a:effectLst>
+                <a:latin typeface="Tempus Sans ITC" panose="04020404030D07020202" pitchFamily="82" charset="0"/>
+                <a:ea typeface="华文彩云" panose="02010800040101010101" pitchFamily="2" charset="-122"/>
+              </a:rPr>
+              <a:t>$ Git reset mixed soft hard head^</a:t>
+            </a:r>
+            <a:endParaRPr lang="zh-CN" altLang="en-US" sz="6600" dirty="0">
+              <a:effectLst>
+                <a:outerShdw blurRad="38100" dist="38100" dir="2700000" algn="tl">
+                  <a:srgbClr val="000000">
+                    <a:alpha val="43137"/>
+                  </a:srgbClr>
+                </a:outerShdw>
+              </a:effectLst>
+              <a:latin typeface="Tempus Sans ITC" panose="04020404030D07020202" pitchFamily="82" charset="0"/>
+              <a:ea typeface="华文彩云" panose="02010800040101010101" pitchFamily="2" charset="-122"/>
+            </a:endParaRPr>
+          </a:p>
+        </p:txBody>
+      </p:sp>
+    </p:spTree>
+    <p:custDataLst>
+      <p:tags r:id="rId1"/>
+    </p:custDataLst>
+    <p:extLst>
+      <p:ext uri="{BB962C8B-B14F-4D97-AF65-F5344CB8AC3E}">
+        <p14:creationId xmlns:p14="http://schemas.microsoft.com/office/powerpoint/2010/main" val="3479629367"/>
+      </p:ext>
+    </p:extLst>
+  </p:cSld>
+  <p:clrMapOvr>
+    <a:masterClrMapping/>
+  </p:clrMapOvr>
+  <mc:AlternateContent xmlns:mc="http://schemas.openxmlformats.org/markup-compatibility/2006" xmlns:p14="http://schemas.microsoft.com/office/powerpoint/2010/main">
+    <mc:Choice Requires="p14">
+      <p:transition p14:dur="10" advTm="2931"/>
+    </mc:Choice>
+    <mc:Fallback xmlns="">
+      <p:transition advTm="2931"/>
+    </mc:Fallback>
+  </mc:AlternateContent>
+  <p:timing>
+    <p:tnLst>
+      <p:par>
+        <p:cTn id="1" dur="indefinite" restart="never" nodeType="tmRoot">
+          <p:childTnLst>
+            <p:audio isNarration="1">
+              <p:cMediaNode vol="80000" showWhenStopped="0">
+                <p:cTn id="2" fill="hold" display="0">
+                  <p:stCondLst>
+                    <p:cond delay="indefinite"/>
+                  </p:stCondLst>
+                  <p:endCondLst>
+                    <p:cond evt="onStopAudio" delay="0">
+                      <p:tgtEl>
+                        <p:sldTgt/>
+                      </p:tgtEl>
+                    </p:cond>
+                  </p:endCondLst>
+                </p:cTn>
+                <p:tgtEl>
+                  <p:spTgt spid="10"/>
+                </p:tgtEl>
+              </p:cMediaNode>
+            </p:audio>
+          </p:childTnLst>
+        </p:cTn>
+      </p:par>
+    </p:tnLst>
+  </p:timing>
+</p:sld>
+</file>
+
+<file path=ppt/slides/slide16.xml><?xml version="1.0" encoding="utf-8"?>
+<p:sld xmlns:a="http://schemas.openxmlformats.org/drawingml/2006/main" xmlns:r="http://schemas.openxmlformats.org/officeDocument/2006/relationships" xmlns:p="http://schemas.openxmlformats.org/presentationml/2006/main">
+  <p:cSld>
+    <p:spTree>
+      <p:nvGrpSpPr>
+        <p:cNvPr id="1" name=""/>
+        <p:cNvGrpSpPr/>
+        <p:nvPr/>
+      </p:nvGrpSpPr>
+      <p:grpSpPr>
+        <a:xfrm>
+          <a:off x="0" y="0"/>
+          <a:ext cx="0" cy="0"/>
+          <a:chOff x="0" y="0"/>
+          <a:chExt cx="0" cy="0"/>
+        </a:xfrm>
+      </p:grpSpPr>
+      <p:sp>
+        <p:nvSpPr>
+          <p:cNvPr id="5" name="标题 4"/>
+          <p:cNvSpPr>
+            <a:spLocks noGrp="1"/>
+          </p:cNvSpPr>
+          <p:nvPr>
+            <p:ph type="title"/>
+          </p:nvPr>
+        </p:nvSpPr>
+        <p:spPr>
+          <a:xfrm>
+            <a:off x="376356" y="679021"/>
+            <a:ext cx="8825660" cy="768789"/>
+          </a:xfrm>
+          <a:scene3d>
+            <a:camera prst="orthographicFront"/>
+            <a:lightRig rig="threePt" dir="t"/>
+          </a:scene3d>
+          <a:sp3d>
+            <a:bevelT w="114300" prst="artDeco"/>
+          </a:sp3d>
+        </p:spPr>
+        <p:txBody>
+          <a:bodyPr>
+            <a:prstTxWarp prst="textArchUp">
+              <a:avLst>
+                <a:gd name="adj" fmla="val 11054161"/>
+              </a:avLst>
+            </a:prstTxWarp>
+            <a:normAutofit/>
+          </a:bodyPr>
+          <a:lstStyle/>
+          <a:p>
+            <a:r>
               <a:rPr lang="en-US" altLang="zh-CN" dirty="0" smtClean="0">
                 <a:latin typeface="华文琥珀" panose="02010800040101010101" pitchFamily="2" charset="-122"/>
                 <a:ea typeface="华文琥珀" panose="02010800040101010101" pitchFamily="2" charset="-122"/>
@@ -11298,7 +13877,7 @@
           <a:p>
             <a:fld id="{6469EC62-33AF-4423-BC24-ABBFD8DA85E4}" type="slidenum">
               <a:rPr lang="zh-CN" altLang="en-US" smtClean="0"/>
-              <a:t>15</a:t>
+              <a:t>16</a:t>
             </a:fld>
             <a:endParaRPr lang="zh-CN" altLang="en-US"/>
           </a:p>
@@ -11373,11 +13952,7 @@
                     <a:p>
                       <a:r>
                         <a:rPr lang="en-US" altLang="zh-CN" dirty="0" smtClean="0"/>
-                        <a:t>git </a:t>
-                      </a:r>
-                      <a:r>
-                        <a:rPr lang="en-US" altLang="zh-CN" dirty="0" smtClean="0"/>
-                        <a:t>log --pretty=raw</a:t>
+                        <a:t>git log --pretty=raw</a:t>
                       </a:r>
                       <a:endParaRPr lang="zh-CN" altLang="en-US" dirty="0"/>
                     </a:p>
@@ -12319,11 +14894,11 @@
   <p:clrMapOvr>
     <a:masterClrMapping/>
   </p:clrMapOvr>
-  <mc:AlternateContent xmlns:mc="http://schemas.openxmlformats.org/markup-compatibility/2006">
-    <mc:Choice xmlns:p14="http://schemas.microsoft.com/office/powerpoint/2010/main" Requires="p14">
+  <mc:AlternateContent xmlns:mc="http://schemas.openxmlformats.org/markup-compatibility/2006" xmlns:p14="http://schemas.microsoft.com/office/powerpoint/2010/main">
+    <mc:Choice Requires="p14">
       <p:transition p14:dur="10" advTm="2931"/>
     </mc:Choice>
-    <mc:Fallback>
+    <mc:Fallback xmlns="">
       <p:transition advTm="2931"/>
     </mc:Fallback>
   </mc:AlternateContent>
@@ -12359,7 +14934,7 @@
 </p:sld>
 </file>
 
-<file path=ppt/slides/slide16.xml><?xml version="1.0" encoding="utf-8"?>
+<file path=ppt/slides/slide17.xml><?xml version="1.0" encoding="utf-8"?>
 <p:sld xmlns:a="http://schemas.openxmlformats.org/drawingml/2006/main" xmlns:r="http://schemas.openxmlformats.org/officeDocument/2006/relationships" xmlns:p="http://schemas.openxmlformats.org/presentationml/2006/main">
   <p:cSld>
     <p:spTree>
@@ -12448,7 +15023,7 @@
           <a:p>
             <a:fld id="{6469EC62-33AF-4423-BC24-ABBFD8DA85E4}" type="slidenum">
               <a:rPr lang="zh-CN" altLang="en-US" smtClean="0"/>
-              <a:t>16</a:t>
+              <a:t>17</a:t>
             </a:fld>
             <a:endParaRPr lang="zh-CN" altLang="en-US"/>
           </a:p>
@@ -12523,11 +15098,7 @@
                     <a:p>
                       <a:r>
                         <a:rPr lang="en-US" altLang="zh-CN" dirty="0" smtClean="0"/>
-                        <a:t>git </a:t>
-                      </a:r>
-                      <a:r>
-                        <a:rPr lang="en-US" altLang="zh-CN" dirty="0" smtClean="0"/>
-                        <a:t>cat-file –t </a:t>
+                        <a:t>git cat-file –t </a:t>
                       </a:r>
                       <a:r>
                         <a:rPr lang="en-US" altLang="zh-CN" dirty="0" err="1" smtClean="0"/>
@@ -13138,11 +15709,11 @@
   <p:clrMapOvr>
     <a:masterClrMapping/>
   </p:clrMapOvr>
-  <mc:AlternateContent xmlns:mc="http://schemas.openxmlformats.org/markup-compatibility/2006">
-    <mc:Choice xmlns:p14="http://schemas.microsoft.com/office/powerpoint/2010/main" Requires="p14">
+  <mc:AlternateContent xmlns:mc="http://schemas.openxmlformats.org/markup-compatibility/2006" xmlns:p14="http://schemas.microsoft.com/office/powerpoint/2010/main">
+    <mc:Choice Requires="p14">
       <p:transition p14:dur="10" advTm="2931"/>
     </mc:Choice>
-    <mc:Fallback>
+    <mc:Fallback xmlns="">
       <p:transition advTm="2931"/>
     </mc:Fallback>
   </mc:AlternateContent>
@@ -13178,7 +15749,7 @@
 </p:sld>
 </file>
 
-<file path=ppt/slides/slide17.xml><?xml version="1.0" encoding="utf-8"?>
+<file path=ppt/slides/slide18.xml><?xml version="1.0" encoding="utf-8"?>
 <p:sld xmlns:a="http://schemas.openxmlformats.org/drawingml/2006/main" xmlns:r="http://schemas.openxmlformats.org/officeDocument/2006/relationships" xmlns:p="http://schemas.openxmlformats.org/presentationml/2006/main">
   <p:cSld>
     <p:spTree>
@@ -13267,7 +15838,7 @@
           <a:p>
             <a:fld id="{6469EC62-33AF-4423-BC24-ABBFD8DA85E4}" type="slidenum">
               <a:rPr lang="zh-CN" altLang="en-US" smtClean="0"/>
-              <a:t>17</a:t>
+              <a:t>18</a:t>
             </a:fld>
             <a:endParaRPr lang="zh-CN" altLang="en-US"/>
           </a:p>
@@ -13643,7 +16214,7 @@
 </p:sld>
 </file>
 
-<file path=ppt/slides/slide18.xml><?xml version="1.0" encoding="utf-8"?>
+<file path=ppt/slides/slide19.xml><?xml version="1.0" encoding="utf-8"?>
 <p:sld xmlns:a="http://schemas.openxmlformats.org/drawingml/2006/main" xmlns:r="http://schemas.openxmlformats.org/officeDocument/2006/relationships" xmlns:p="http://schemas.openxmlformats.org/presentationml/2006/main">
   <p:cSld>
     <p:spTree>
@@ -13732,7 +16303,7 @@
           <a:p>
             <a:fld id="{6469EC62-33AF-4423-BC24-ABBFD8DA85E4}" type="slidenum">
               <a:rPr lang="zh-CN" altLang="en-US" smtClean="0"/>
-              <a:t>18</a:t>
+              <a:t>19</a:t>
             </a:fld>
             <a:endParaRPr lang="zh-CN" altLang="en-US"/>
           </a:p>
@@ -14223,7 +16794,333 @@
 </p:sld>
 </file>
 
-<file path=ppt/slides/slide19.xml><?xml version="1.0" encoding="utf-8"?>
+<file path=ppt/slides/slide2.xml><?xml version="1.0" encoding="utf-8"?>
+<p:sld xmlns:a="http://schemas.openxmlformats.org/drawingml/2006/main" xmlns:r="http://schemas.openxmlformats.org/officeDocument/2006/relationships" xmlns:p="http://schemas.openxmlformats.org/presentationml/2006/main">
+  <p:cSld>
+    <p:spTree>
+      <p:nvGrpSpPr>
+        <p:cNvPr id="1" name=""/>
+        <p:cNvGrpSpPr/>
+        <p:nvPr/>
+      </p:nvGrpSpPr>
+      <p:grpSpPr>
+        <a:xfrm>
+          <a:off x="0" y="0"/>
+          <a:ext cx="0" cy="0"/>
+          <a:chOff x="0" y="0"/>
+          <a:chExt cx="0" cy="0"/>
+        </a:xfrm>
+      </p:grpSpPr>
+      <p:sp>
+        <p:nvSpPr>
+          <p:cNvPr id="5" name="标题 4"/>
+          <p:cNvSpPr>
+            <a:spLocks noGrp="1"/>
+          </p:cNvSpPr>
+          <p:nvPr>
+            <p:ph type="title"/>
+          </p:nvPr>
+        </p:nvSpPr>
+        <p:spPr>
+          <a:xfrm>
+            <a:off x="376356" y="679021"/>
+            <a:ext cx="8825660" cy="768789"/>
+          </a:xfrm>
+          <a:scene3d>
+            <a:camera prst="orthographicFront"/>
+            <a:lightRig rig="threePt" dir="t"/>
+          </a:scene3d>
+          <a:sp3d>
+            <a:bevelT w="114300" prst="artDeco"/>
+          </a:sp3d>
+        </p:spPr>
+        <p:txBody>
+          <a:bodyPr>
+            <a:prstTxWarp prst="textArchUp">
+              <a:avLst>
+                <a:gd name="adj" fmla="val 11054161"/>
+              </a:avLst>
+            </a:prstTxWarp>
+            <a:normAutofit/>
+          </a:bodyPr>
+          <a:lstStyle/>
+          <a:p>
+            <a:r>
+              <a:rPr lang="en-US" altLang="zh-CN" dirty="0">
+                <a:latin typeface="华文琥珀" panose="02010800040101010101" pitchFamily="2" charset="-122"/>
+                <a:ea typeface="华文琥珀" panose="02010800040101010101" pitchFamily="2" charset="-122"/>
+              </a:rPr>
+              <a:t>g</a:t>
+            </a:r>
+            <a:r>
+              <a:rPr lang="en-US" altLang="zh-CN" dirty="0" smtClean="0">
+                <a:latin typeface="华文琥珀" panose="02010800040101010101" pitchFamily="2" charset="-122"/>
+                <a:ea typeface="华文琥珀" panose="02010800040101010101" pitchFamily="2" charset="-122"/>
+              </a:rPr>
+              <a:t>it</a:t>
+            </a:r>
+            <a:r>
+              <a:rPr lang="zh-CN" altLang="en-US" dirty="0">
+                <a:latin typeface="华文琥珀" panose="02010800040101010101" pitchFamily="2" charset="-122"/>
+                <a:ea typeface="华文琥珀" panose="02010800040101010101" pitchFamily="2" charset="-122"/>
+              </a:rPr>
+              <a:t>的哲学</a:t>
+            </a:r>
+          </a:p>
+        </p:txBody>
+      </p:sp>
+      <p:sp>
+        <p:nvSpPr>
+          <p:cNvPr id="2" name="文本占位符 1"/>
+          <p:cNvSpPr>
+            <a:spLocks noGrp="1"/>
+          </p:cNvSpPr>
+          <p:nvPr>
+            <p:ph type="body" idx="1"/>
+          </p:nvPr>
+        </p:nvSpPr>
+        <p:spPr>
+          <a:xfrm>
+            <a:off x="1154954" y="1160838"/>
+            <a:ext cx="10035785" cy="3719724"/>
+          </a:xfrm>
+        </p:spPr>
+        <p:txBody>
+          <a:bodyPr/>
+          <a:lstStyle/>
+          <a:p>
+            <a:r>
+              <a:rPr lang="zh-CN" altLang="en-US" dirty="0" smtClean="0">
+                <a:latin typeface="华文隶书" panose="02010800040101010101" pitchFamily="2" charset="-122"/>
+                <a:ea typeface="华文隶书" panose="02010800040101010101" pitchFamily="2" charset="-122"/>
+              </a:rPr>
+              <a:t>高端大气上档次</a:t>
+            </a:r>
+            <a:endParaRPr lang="zh-CN" altLang="en-US" dirty="0">
+              <a:latin typeface="华文隶书" panose="02010800040101010101" pitchFamily="2" charset="-122"/>
+              <a:ea typeface="华文隶书" panose="02010800040101010101" pitchFamily="2" charset="-122"/>
+            </a:endParaRPr>
+          </a:p>
+        </p:txBody>
+      </p:sp>
+      <p:sp>
+        <p:nvSpPr>
+          <p:cNvPr id="4" name="灯片编号占位符 3"/>
+          <p:cNvSpPr>
+            <a:spLocks noGrp="1"/>
+          </p:cNvSpPr>
+          <p:nvPr>
+            <p:ph type="sldNum" sz="quarter" idx="12"/>
+          </p:nvPr>
+        </p:nvSpPr>
+        <p:spPr/>
+        <p:txBody>
+          <a:bodyPr/>
+          <a:lstStyle/>
+          <a:p>
+            <a:fld id="{6469EC62-33AF-4423-BC24-ABBFD8DA85E4}" type="slidenum">
+              <a:rPr lang="zh-CN" altLang="en-US" smtClean="0"/>
+              <a:t>2</a:t>
+            </a:fld>
+            <a:endParaRPr lang="zh-CN" altLang="en-US"/>
+          </a:p>
+        </p:txBody>
+      </p:sp>
+      <p:pic>
+        <p:nvPicPr>
+          <p:cNvPr id="10" name="音频 9">
+            <a:hlinkClick r:id="" action="ppaction://media"/>
+          </p:cNvPr>
+          <p:cNvPicPr>
+            <a:picLocks noChangeAspect="1"/>
+          </p:cNvPicPr>
+          <p:nvPr>
+            <a:audioFile r:link="rId3"/>
+            <p:extLst>
+              <p:ext uri="{DAA4B4D4-6D71-4841-9C94-3DE7FCFB9230}">
+                <p14:media xmlns:p14="http://schemas.microsoft.com/office/powerpoint/2010/main" r:embed="rId2"/>
+              </p:ext>
+            </p:extLst>
+          </p:nvPr>
+        </p:nvPicPr>
+        <p:blipFill>
+          <a:blip r:embed="rId6"/>
+          <a:stretch>
+            <a:fillRect/>
+          </a:stretch>
+        </p:blipFill>
+        <p:spPr>
+          <a:xfrm>
+            <a:off x="11488738" y="6154738"/>
+            <a:ext cx="487362" cy="487362"/>
+          </a:xfrm>
+          <a:prstGeom prst="rect">
+            <a:avLst/>
+          </a:prstGeom>
+        </p:spPr>
+      </p:pic>
+      <p:sp>
+        <p:nvSpPr>
+          <p:cNvPr id="16" name="标题 1"/>
+          <p:cNvSpPr txBox="1">
+            <a:spLocks/>
+          </p:cNvSpPr>
+          <p:nvPr/>
+        </p:nvSpPr>
+        <p:spPr>
+          <a:xfrm>
+            <a:off x="1154954" y="4880562"/>
+            <a:ext cx="9389573" cy="931698"/>
+          </a:xfrm>
+          <a:prstGeom prst="rect">
+            <a:avLst/>
+          </a:prstGeom>
+        </p:spPr>
+        <p:txBody>
+          <a:bodyPr vert="horz" lIns="91440" tIns="45720" rIns="91440" bIns="45720" rtlCol="0" anchor="b">
+            <a:normAutofit fontScale="92500" lnSpcReduction="10000"/>
+          </a:bodyPr>
+          <a:lstStyle>
+            <a:lvl1pPr algn="l" defTabSz="457200" rtl="0" eaLnBrk="1" latinLnBrk="0" hangingPunct="1">
+              <a:spcBef>
+                <a:spcPct val="0"/>
+              </a:spcBef>
+              <a:buNone/>
+              <a:defRPr sz="4000" b="0" i="0" kern="1200" cap="none">
+                <a:solidFill>
+                  <a:schemeClr val="tx2"/>
+                </a:solidFill>
+                <a:latin typeface="+mj-lt"/>
+                <a:ea typeface="+mj-ea"/>
+                <a:cs typeface="+mj-cs"/>
+              </a:defRPr>
+            </a:lvl1pPr>
+            <a:lvl2pPr eaLnBrk="1" hangingPunct="1">
+              <a:defRPr>
+                <a:solidFill>
+                  <a:schemeClr val="tx2"/>
+                </a:solidFill>
+              </a:defRPr>
+            </a:lvl2pPr>
+            <a:lvl3pPr eaLnBrk="1" hangingPunct="1">
+              <a:defRPr>
+                <a:solidFill>
+                  <a:schemeClr val="tx2"/>
+                </a:solidFill>
+              </a:defRPr>
+            </a:lvl3pPr>
+            <a:lvl4pPr eaLnBrk="1" hangingPunct="1">
+              <a:defRPr>
+                <a:solidFill>
+                  <a:schemeClr val="tx2"/>
+                </a:solidFill>
+              </a:defRPr>
+            </a:lvl4pPr>
+            <a:lvl5pPr eaLnBrk="1" hangingPunct="1">
+              <a:defRPr>
+                <a:solidFill>
+                  <a:schemeClr val="tx2"/>
+                </a:solidFill>
+              </a:defRPr>
+            </a:lvl5pPr>
+            <a:lvl6pPr eaLnBrk="1" hangingPunct="1">
+              <a:defRPr>
+                <a:solidFill>
+                  <a:schemeClr val="tx2"/>
+                </a:solidFill>
+              </a:defRPr>
+            </a:lvl6pPr>
+            <a:lvl7pPr eaLnBrk="1" hangingPunct="1">
+              <a:defRPr>
+                <a:solidFill>
+                  <a:schemeClr val="tx2"/>
+                </a:solidFill>
+              </a:defRPr>
+            </a:lvl7pPr>
+            <a:lvl8pPr eaLnBrk="1" hangingPunct="1">
+              <a:defRPr>
+                <a:solidFill>
+                  <a:schemeClr val="tx2"/>
+                </a:solidFill>
+              </a:defRPr>
+            </a:lvl8pPr>
+            <a:lvl9pPr eaLnBrk="1" hangingPunct="1">
+              <a:defRPr>
+                <a:solidFill>
+                  <a:schemeClr val="tx2"/>
+                </a:solidFill>
+              </a:defRPr>
+            </a:lvl9pPr>
+          </a:lstStyle>
+          <a:p>
+            <a:endParaRPr lang="zh-CN" altLang="en-US" sz="6600" dirty="0">
+              <a:effectLst>
+                <a:outerShdw blurRad="38100" dist="38100" dir="2700000" algn="tl">
+                  <a:srgbClr val="000000">
+                    <a:alpha val="43137"/>
+                  </a:srgbClr>
+                </a:outerShdw>
+              </a:effectLst>
+              <a:latin typeface="Tempus Sans ITC" panose="04020404030D07020202" pitchFamily="82" charset="0"/>
+              <a:ea typeface="华文彩云" panose="02010800040101010101" pitchFamily="2" charset="-122"/>
+            </a:endParaRPr>
+          </a:p>
+        </p:txBody>
+      </p:sp>
+    </p:spTree>
+    <p:custDataLst>
+      <p:tags r:id="rId1"/>
+    </p:custDataLst>
+    <p:extLst>
+      <p:ext uri="{BB962C8B-B14F-4D97-AF65-F5344CB8AC3E}">
+        <p14:creationId xmlns:p14="http://schemas.microsoft.com/office/powerpoint/2010/main" val="1323561424"/>
+      </p:ext>
+    </p:extLst>
+  </p:cSld>
+  <p:clrMapOvr>
+    <a:masterClrMapping/>
+  </p:clrMapOvr>
+  <mc:AlternateContent xmlns:mc="http://schemas.openxmlformats.org/markup-compatibility/2006" xmlns:p14="http://schemas.microsoft.com/office/powerpoint/2010/main">
+    <mc:Choice Requires="p14">
+      <p:transition p14:dur="10" advTm="2931"/>
+    </mc:Choice>
+    <mc:Fallback xmlns="">
+      <p:transition advTm="2931"/>
+    </mc:Fallback>
+  </mc:AlternateContent>
+  <p:timing>
+    <p:tnLst>
+      <p:par>
+        <p:cTn id="1" dur="indefinite" restart="never" nodeType="tmRoot">
+          <p:childTnLst>
+            <p:audio isNarration="1">
+              <p:cMediaNode vol="80000" showWhenStopped="0">
+                <p:cTn id="2" fill="hold" display="0">
+                  <p:stCondLst>
+                    <p:cond delay="indefinite"/>
+                  </p:stCondLst>
+                  <p:endCondLst>
+                    <p:cond evt="onStopAudio" delay="0">
+                      <p:tgtEl>
+                        <p:sldTgt/>
+                      </p:tgtEl>
+                    </p:cond>
+                  </p:endCondLst>
+                </p:cTn>
+                <p:tgtEl>
+                  <p:spTgt spid="10"/>
+                </p:tgtEl>
+              </p:cMediaNode>
+            </p:audio>
+          </p:childTnLst>
+        </p:cTn>
+      </p:par>
+    </p:tnLst>
+  </p:timing>
+</p:sld>
+</file>
+
+<file path=ppt/slides/slide20.xml><?xml version="1.0" encoding="utf-8"?>
 <p:sld xmlns:a="http://schemas.openxmlformats.org/drawingml/2006/main" xmlns:r="http://schemas.openxmlformats.org/officeDocument/2006/relationships" xmlns:p="http://schemas.openxmlformats.org/presentationml/2006/main">
   <p:cSld>
     <p:spTree>
@@ -14319,7 +17216,7 @@
           <a:p>
             <a:fld id="{6469EC62-33AF-4423-BC24-ABBFD8DA85E4}" type="slidenum">
               <a:rPr lang="zh-CN" altLang="en-US" smtClean="0"/>
-              <a:t>19</a:t>
+              <a:t>20</a:t>
             </a:fld>
             <a:endParaRPr lang="zh-CN" altLang="en-US"/>
           </a:p>
@@ -14502,11 +17399,7 @@
                     <a:p>
                       <a:r>
                         <a:rPr lang="en-US" altLang="zh-CN" dirty="0" smtClean="0"/>
-                        <a:t>git </a:t>
-                      </a:r>
-                      <a:r>
-                        <a:rPr lang="en-US" altLang="zh-CN" dirty="0" smtClean="0"/>
-                        <a:t>log</a:t>
+                        <a:t>git log</a:t>
                       </a:r>
                       <a:endParaRPr lang="zh-CN" altLang="en-US" dirty="0"/>
                     </a:p>
@@ -14787,333 +17680,7 @@
 </p:sld>
 </file>
 
-<file path=ppt/slides/slide2.xml><?xml version="1.0" encoding="utf-8"?>
-<p:sld xmlns:a="http://schemas.openxmlformats.org/drawingml/2006/main" xmlns:r="http://schemas.openxmlformats.org/officeDocument/2006/relationships" xmlns:p="http://schemas.openxmlformats.org/presentationml/2006/main">
-  <p:cSld>
-    <p:spTree>
-      <p:nvGrpSpPr>
-        <p:cNvPr id="1" name=""/>
-        <p:cNvGrpSpPr/>
-        <p:nvPr/>
-      </p:nvGrpSpPr>
-      <p:grpSpPr>
-        <a:xfrm>
-          <a:off x="0" y="0"/>
-          <a:ext cx="0" cy="0"/>
-          <a:chOff x="0" y="0"/>
-          <a:chExt cx="0" cy="0"/>
-        </a:xfrm>
-      </p:grpSpPr>
-      <p:sp>
-        <p:nvSpPr>
-          <p:cNvPr id="5" name="标题 4"/>
-          <p:cNvSpPr>
-            <a:spLocks noGrp="1"/>
-          </p:cNvSpPr>
-          <p:nvPr>
-            <p:ph type="title"/>
-          </p:nvPr>
-        </p:nvSpPr>
-        <p:spPr>
-          <a:xfrm>
-            <a:off x="376356" y="679021"/>
-            <a:ext cx="8825660" cy="768789"/>
-          </a:xfrm>
-          <a:scene3d>
-            <a:camera prst="orthographicFront"/>
-            <a:lightRig rig="threePt" dir="t"/>
-          </a:scene3d>
-          <a:sp3d>
-            <a:bevelT w="114300" prst="artDeco"/>
-          </a:sp3d>
-        </p:spPr>
-        <p:txBody>
-          <a:bodyPr>
-            <a:prstTxWarp prst="textArchUp">
-              <a:avLst>
-                <a:gd name="adj" fmla="val 11054161"/>
-              </a:avLst>
-            </a:prstTxWarp>
-            <a:normAutofit/>
-          </a:bodyPr>
-          <a:lstStyle/>
-          <a:p>
-            <a:r>
-              <a:rPr lang="en-US" altLang="zh-CN" dirty="0">
-                <a:latin typeface="华文琥珀" panose="02010800040101010101" pitchFamily="2" charset="-122"/>
-                <a:ea typeface="华文琥珀" panose="02010800040101010101" pitchFamily="2" charset="-122"/>
-              </a:rPr>
-              <a:t>g</a:t>
-            </a:r>
-            <a:r>
-              <a:rPr lang="en-US" altLang="zh-CN" dirty="0" smtClean="0">
-                <a:latin typeface="华文琥珀" panose="02010800040101010101" pitchFamily="2" charset="-122"/>
-                <a:ea typeface="华文琥珀" panose="02010800040101010101" pitchFamily="2" charset="-122"/>
-              </a:rPr>
-              <a:t>it</a:t>
-            </a:r>
-            <a:r>
-              <a:rPr lang="zh-CN" altLang="en-US" dirty="0">
-                <a:latin typeface="华文琥珀" panose="02010800040101010101" pitchFamily="2" charset="-122"/>
-                <a:ea typeface="华文琥珀" panose="02010800040101010101" pitchFamily="2" charset="-122"/>
-              </a:rPr>
-              <a:t>的哲学</a:t>
-            </a:r>
-          </a:p>
-        </p:txBody>
-      </p:sp>
-      <p:sp>
-        <p:nvSpPr>
-          <p:cNvPr id="2" name="文本占位符 1"/>
-          <p:cNvSpPr>
-            <a:spLocks noGrp="1"/>
-          </p:cNvSpPr>
-          <p:nvPr>
-            <p:ph type="body" idx="1"/>
-          </p:nvPr>
-        </p:nvSpPr>
-        <p:spPr>
-          <a:xfrm>
-            <a:off x="1154954" y="1160838"/>
-            <a:ext cx="10035785" cy="3719724"/>
-          </a:xfrm>
-        </p:spPr>
-        <p:txBody>
-          <a:bodyPr/>
-          <a:lstStyle/>
-          <a:p>
-            <a:r>
-              <a:rPr lang="zh-CN" altLang="en-US" dirty="0" smtClean="0">
-                <a:latin typeface="华文隶书" panose="02010800040101010101" pitchFamily="2" charset="-122"/>
-                <a:ea typeface="华文隶书" panose="02010800040101010101" pitchFamily="2" charset="-122"/>
-              </a:rPr>
-              <a:t>高端大气上档次</a:t>
-            </a:r>
-            <a:endParaRPr lang="zh-CN" altLang="en-US" dirty="0">
-              <a:latin typeface="华文隶书" panose="02010800040101010101" pitchFamily="2" charset="-122"/>
-              <a:ea typeface="华文隶书" panose="02010800040101010101" pitchFamily="2" charset="-122"/>
-            </a:endParaRPr>
-          </a:p>
-        </p:txBody>
-      </p:sp>
-      <p:sp>
-        <p:nvSpPr>
-          <p:cNvPr id="4" name="灯片编号占位符 3"/>
-          <p:cNvSpPr>
-            <a:spLocks noGrp="1"/>
-          </p:cNvSpPr>
-          <p:nvPr>
-            <p:ph type="sldNum" sz="quarter" idx="12"/>
-          </p:nvPr>
-        </p:nvSpPr>
-        <p:spPr/>
-        <p:txBody>
-          <a:bodyPr/>
-          <a:lstStyle/>
-          <a:p>
-            <a:fld id="{6469EC62-33AF-4423-BC24-ABBFD8DA85E4}" type="slidenum">
-              <a:rPr lang="zh-CN" altLang="en-US" smtClean="0"/>
-              <a:t>2</a:t>
-            </a:fld>
-            <a:endParaRPr lang="zh-CN" altLang="en-US"/>
-          </a:p>
-        </p:txBody>
-      </p:sp>
-      <p:pic>
-        <p:nvPicPr>
-          <p:cNvPr id="10" name="音频 9">
-            <a:hlinkClick r:id="" action="ppaction://media"/>
-          </p:cNvPr>
-          <p:cNvPicPr>
-            <a:picLocks noChangeAspect="1"/>
-          </p:cNvPicPr>
-          <p:nvPr>
-            <a:audioFile r:link="rId3"/>
-            <p:extLst>
-              <p:ext uri="{DAA4B4D4-6D71-4841-9C94-3DE7FCFB9230}">
-                <p14:media xmlns:p14="http://schemas.microsoft.com/office/powerpoint/2010/main" r:embed="rId2"/>
-              </p:ext>
-            </p:extLst>
-          </p:nvPr>
-        </p:nvPicPr>
-        <p:blipFill>
-          <a:blip r:embed="rId6"/>
-          <a:stretch>
-            <a:fillRect/>
-          </a:stretch>
-        </p:blipFill>
-        <p:spPr>
-          <a:xfrm>
-            <a:off x="11488738" y="6154738"/>
-            <a:ext cx="487362" cy="487362"/>
-          </a:xfrm>
-          <a:prstGeom prst="rect">
-            <a:avLst/>
-          </a:prstGeom>
-        </p:spPr>
-      </p:pic>
-      <p:sp>
-        <p:nvSpPr>
-          <p:cNvPr id="16" name="标题 1"/>
-          <p:cNvSpPr txBox="1">
-            <a:spLocks/>
-          </p:cNvSpPr>
-          <p:nvPr/>
-        </p:nvSpPr>
-        <p:spPr>
-          <a:xfrm>
-            <a:off x="1154954" y="4880562"/>
-            <a:ext cx="9389573" cy="931698"/>
-          </a:xfrm>
-          <a:prstGeom prst="rect">
-            <a:avLst/>
-          </a:prstGeom>
-        </p:spPr>
-        <p:txBody>
-          <a:bodyPr vert="horz" lIns="91440" tIns="45720" rIns="91440" bIns="45720" rtlCol="0" anchor="b">
-            <a:normAutofit fontScale="92500" lnSpcReduction="10000"/>
-          </a:bodyPr>
-          <a:lstStyle>
-            <a:lvl1pPr algn="l" defTabSz="457200" rtl="0" eaLnBrk="1" latinLnBrk="0" hangingPunct="1">
-              <a:spcBef>
-                <a:spcPct val="0"/>
-              </a:spcBef>
-              <a:buNone/>
-              <a:defRPr sz="4000" b="0" i="0" kern="1200" cap="none">
-                <a:solidFill>
-                  <a:schemeClr val="tx2"/>
-                </a:solidFill>
-                <a:latin typeface="+mj-lt"/>
-                <a:ea typeface="+mj-ea"/>
-                <a:cs typeface="+mj-cs"/>
-              </a:defRPr>
-            </a:lvl1pPr>
-            <a:lvl2pPr eaLnBrk="1" hangingPunct="1">
-              <a:defRPr>
-                <a:solidFill>
-                  <a:schemeClr val="tx2"/>
-                </a:solidFill>
-              </a:defRPr>
-            </a:lvl2pPr>
-            <a:lvl3pPr eaLnBrk="1" hangingPunct="1">
-              <a:defRPr>
-                <a:solidFill>
-                  <a:schemeClr val="tx2"/>
-                </a:solidFill>
-              </a:defRPr>
-            </a:lvl3pPr>
-            <a:lvl4pPr eaLnBrk="1" hangingPunct="1">
-              <a:defRPr>
-                <a:solidFill>
-                  <a:schemeClr val="tx2"/>
-                </a:solidFill>
-              </a:defRPr>
-            </a:lvl4pPr>
-            <a:lvl5pPr eaLnBrk="1" hangingPunct="1">
-              <a:defRPr>
-                <a:solidFill>
-                  <a:schemeClr val="tx2"/>
-                </a:solidFill>
-              </a:defRPr>
-            </a:lvl5pPr>
-            <a:lvl6pPr eaLnBrk="1" hangingPunct="1">
-              <a:defRPr>
-                <a:solidFill>
-                  <a:schemeClr val="tx2"/>
-                </a:solidFill>
-              </a:defRPr>
-            </a:lvl6pPr>
-            <a:lvl7pPr eaLnBrk="1" hangingPunct="1">
-              <a:defRPr>
-                <a:solidFill>
-                  <a:schemeClr val="tx2"/>
-                </a:solidFill>
-              </a:defRPr>
-            </a:lvl7pPr>
-            <a:lvl8pPr eaLnBrk="1" hangingPunct="1">
-              <a:defRPr>
-                <a:solidFill>
-                  <a:schemeClr val="tx2"/>
-                </a:solidFill>
-              </a:defRPr>
-            </a:lvl8pPr>
-            <a:lvl9pPr eaLnBrk="1" hangingPunct="1">
-              <a:defRPr>
-                <a:solidFill>
-                  <a:schemeClr val="tx2"/>
-                </a:solidFill>
-              </a:defRPr>
-            </a:lvl9pPr>
-          </a:lstStyle>
-          <a:p>
-            <a:endParaRPr lang="zh-CN" altLang="en-US" sz="6600" dirty="0">
-              <a:effectLst>
-                <a:outerShdw blurRad="38100" dist="38100" dir="2700000" algn="tl">
-                  <a:srgbClr val="000000">
-                    <a:alpha val="43137"/>
-                  </a:srgbClr>
-                </a:outerShdw>
-              </a:effectLst>
-              <a:latin typeface="Tempus Sans ITC" panose="04020404030D07020202" pitchFamily="82" charset="0"/>
-              <a:ea typeface="华文彩云" panose="02010800040101010101" pitchFamily="2" charset="-122"/>
-            </a:endParaRPr>
-          </a:p>
-        </p:txBody>
-      </p:sp>
-    </p:spTree>
-    <p:custDataLst>
-      <p:tags r:id="rId1"/>
-    </p:custDataLst>
-    <p:extLst>
-      <p:ext uri="{BB962C8B-B14F-4D97-AF65-F5344CB8AC3E}">
-        <p14:creationId xmlns:p14="http://schemas.microsoft.com/office/powerpoint/2010/main" val="1323561424"/>
-      </p:ext>
-    </p:extLst>
-  </p:cSld>
-  <p:clrMapOvr>
-    <a:masterClrMapping/>
-  </p:clrMapOvr>
-  <mc:AlternateContent xmlns:mc="http://schemas.openxmlformats.org/markup-compatibility/2006" xmlns:p14="http://schemas.microsoft.com/office/powerpoint/2010/main">
-    <mc:Choice Requires="p14">
-      <p:transition p14:dur="10" advTm="2931"/>
-    </mc:Choice>
-    <mc:Fallback xmlns="">
-      <p:transition advTm="2931"/>
-    </mc:Fallback>
-  </mc:AlternateContent>
-  <p:timing>
-    <p:tnLst>
-      <p:par>
-        <p:cTn id="1" dur="indefinite" restart="never" nodeType="tmRoot">
-          <p:childTnLst>
-            <p:audio isNarration="1">
-              <p:cMediaNode vol="80000" showWhenStopped="0">
-                <p:cTn id="2" fill="hold" display="0">
-                  <p:stCondLst>
-                    <p:cond delay="indefinite"/>
-                  </p:stCondLst>
-                  <p:endCondLst>
-                    <p:cond evt="onStopAudio" delay="0">
-                      <p:tgtEl>
-                        <p:sldTgt/>
-                      </p:tgtEl>
-                    </p:cond>
-                  </p:endCondLst>
-                </p:cTn>
-                <p:tgtEl>
-                  <p:spTgt spid="10"/>
-                </p:tgtEl>
-              </p:cMediaNode>
-            </p:audio>
-          </p:childTnLst>
-        </p:cTn>
-      </p:par>
-    </p:tnLst>
-  </p:timing>
-</p:sld>
-</file>
-
-<file path=ppt/slides/slide20.xml><?xml version="1.0" encoding="utf-8"?>
+<file path=ppt/slides/slide21.xml><?xml version="1.0" encoding="utf-8"?>
 <p:sld xmlns:a="http://schemas.openxmlformats.org/drawingml/2006/main" xmlns:r="http://schemas.openxmlformats.org/officeDocument/2006/relationships" xmlns:p="http://schemas.openxmlformats.org/presentationml/2006/main">
   <p:cSld>
     <p:spTree>
@@ -15216,7 +17783,7 @@
           <a:p>
             <a:fld id="{6469EC62-33AF-4423-BC24-ABBFD8DA85E4}" type="slidenum">
               <a:rPr lang="zh-CN" altLang="en-US" smtClean="0"/>
-              <a:t>20</a:t>
+              <a:t>21</a:t>
             </a:fld>
             <a:endParaRPr lang="zh-CN" altLang="en-US"/>
           </a:p>
@@ -15628,7 +18195,7 @@
 </p:sld>
 </file>
 
-<file path=ppt/slides/slide21.xml><?xml version="1.0" encoding="utf-8"?>
+<file path=ppt/slides/slide22.xml><?xml version="1.0" encoding="utf-8"?>
 <p:sld xmlns:a="http://schemas.openxmlformats.org/drawingml/2006/main" xmlns:r="http://schemas.openxmlformats.org/officeDocument/2006/relationships" xmlns:p="http://schemas.openxmlformats.org/presentationml/2006/main">
   <p:cSld>
     <p:spTree>
@@ -15724,7 +18291,7 @@
           <a:p>
             <a:fld id="{6469EC62-33AF-4423-BC24-ABBFD8DA85E4}" type="slidenum">
               <a:rPr lang="zh-CN" altLang="en-US" smtClean="0"/>
-              <a:t>21</a:t>
+              <a:t>22</a:t>
             </a:fld>
             <a:endParaRPr lang="zh-CN" altLang="en-US"/>
           </a:p>
@@ -18347,6 +20914,756 @@
           <a:lstStyle/>
           <a:p>
             <a:r>
+              <a:rPr lang="zh-CN" altLang="en-US" sz="3200" dirty="0" smtClean="0">
+                <a:latin typeface="华文琥珀" panose="02010800040101010101" pitchFamily="2" charset="-122"/>
+                <a:ea typeface="华文琥珀" panose="02010800040101010101" pitchFamily="2" charset="-122"/>
+              </a:rPr>
+              <a:t>概念导图</a:t>
+            </a:r>
+            <a:endParaRPr lang="zh-CN" altLang="en-US" sz="3200" dirty="0">
+              <a:latin typeface="华文琥珀" panose="02010800040101010101" pitchFamily="2" charset="-122"/>
+              <a:ea typeface="华文琥珀" panose="02010800040101010101" pitchFamily="2" charset="-122"/>
+            </a:endParaRPr>
+          </a:p>
+        </p:txBody>
+      </p:sp>
+      <p:sp>
+        <p:nvSpPr>
+          <p:cNvPr id="4" name="灯片编号占位符 3"/>
+          <p:cNvSpPr>
+            <a:spLocks noGrp="1"/>
+          </p:cNvSpPr>
+          <p:nvPr>
+            <p:ph type="sldNum" sz="quarter" idx="12"/>
+          </p:nvPr>
+        </p:nvSpPr>
+        <p:spPr/>
+        <p:txBody>
+          <a:bodyPr/>
+          <a:lstStyle/>
+          <a:p>
+            <a:fld id="{6469EC62-33AF-4423-BC24-ABBFD8DA85E4}" type="slidenum">
+              <a:rPr lang="zh-CN" altLang="en-US" smtClean="0"/>
+              <a:t>6</a:t>
+            </a:fld>
+            <a:endParaRPr lang="zh-CN" altLang="en-US"/>
+          </a:p>
+        </p:txBody>
+      </p:sp>
+      <p:pic>
+        <p:nvPicPr>
+          <p:cNvPr id="10" name="音频 9">
+            <a:hlinkClick r:id="" action="ppaction://media"/>
+          </p:cNvPr>
+          <p:cNvPicPr>
+            <a:picLocks noChangeAspect="1"/>
+          </p:cNvPicPr>
+          <p:nvPr>
+            <a:audioFile r:link="rId3"/>
+            <p:extLst>
+              <p:ext uri="{DAA4B4D4-6D71-4841-9C94-3DE7FCFB9230}">
+                <p14:media xmlns:p14="http://schemas.microsoft.com/office/powerpoint/2010/main" r:embed="rId2"/>
+              </p:ext>
+            </p:extLst>
+          </p:nvPr>
+        </p:nvPicPr>
+        <p:blipFill>
+          <a:blip r:embed="rId6"/>
+          <a:stretch>
+            <a:fillRect/>
+          </a:stretch>
+        </p:blipFill>
+        <p:spPr>
+          <a:xfrm>
+            <a:off x="11488738" y="6154738"/>
+            <a:ext cx="487362" cy="487362"/>
+          </a:xfrm>
+          <a:prstGeom prst="rect">
+            <a:avLst/>
+          </a:prstGeom>
+        </p:spPr>
+      </p:pic>
+      <p:sp>
+        <p:nvSpPr>
+          <p:cNvPr id="16" name="标题 1"/>
+          <p:cNvSpPr txBox="1">
+            <a:spLocks/>
+          </p:cNvSpPr>
+          <p:nvPr/>
+        </p:nvSpPr>
+        <p:spPr>
+          <a:xfrm>
+            <a:off x="962967" y="4830407"/>
+            <a:ext cx="9389573" cy="931698"/>
+          </a:xfrm>
+          <a:prstGeom prst="rect">
+            <a:avLst/>
+          </a:prstGeom>
+        </p:spPr>
+        <p:txBody>
+          <a:bodyPr vert="horz" lIns="91440" tIns="45720" rIns="91440" bIns="45720" rtlCol="0" anchor="b">
+            <a:normAutofit fontScale="92500" lnSpcReduction="10000"/>
+          </a:bodyPr>
+          <a:lstStyle>
+            <a:lvl1pPr algn="l" defTabSz="457200" rtl="0" eaLnBrk="1" latinLnBrk="0" hangingPunct="1">
+              <a:spcBef>
+                <a:spcPct val="0"/>
+              </a:spcBef>
+              <a:buNone/>
+              <a:defRPr sz="4000" b="0" i="0" kern="1200" cap="none">
+                <a:solidFill>
+                  <a:schemeClr val="tx2"/>
+                </a:solidFill>
+                <a:latin typeface="+mj-lt"/>
+                <a:ea typeface="+mj-ea"/>
+                <a:cs typeface="+mj-cs"/>
+              </a:defRPr>
+            </a:lvl1pPr>
+            <a:lvl2pPr eaLnBrk="1" hangingPunct="1">
+              <a:defRPr>
+                <a:solidFill>
+                  <a:schemeClr val="tx2"/>
+                </a:solidFill>
+              </a:defRPr>
+            </a:lvl2pPr>
+            <a:lvl3pPr eaLnBrk="1" hangingPunct="1">
+              <a:defRPr>
+                <a:solidFill>
+                  <a:schemeClr val="tx2"/>
+                </a:solidFill>
+              </a:defRPr>
+            </a:lvl3pPr>
+            <a:lvl4pPr eaLnBrk="1" hangingPunct="1">
+              <a:defRPr>
+                <a:solidFill>
+                  <a:schemeClr val="tx2"/>
+                </a:solidFill>
+              </a:defRPr>
+            </a:lvl4pPr>
+            <a:lvl5pPr eaLnBrk="1" hangingPunct="1">
+              <a:defRPr>
+                <a:solidFill>
+                  <a:schemeClr val="tx2"/>
+                </a:solidFill>
+              </a:defRPr>
+            </a:lvl5pPr>
+            <a:lvl6pPr eaLnBrk="1" hangingPunct="1">
+              <a:defRPr>
+                <a:solidFill>
+                  <a:schemeClr val="tx2"/>
+                </a:solidFill>
+              </a:defRPr>
+            </a:lvl6pPr>
+            <a:lvl7pPr eaLnBrk="1" hangingPunct="1">
+              <a:defRPr>
+                <a:solidFill>
+                  <a:schemeClr val="tx2"/>
+                </a:solidFill>
+              </a:defRPr>
+            </a:lvl7pPr>
+            <a:lvl8pPr eaLnBrk="1" hangingPunct="1">
+              <a:defRPr>
+                <a:solidFill>
+                  <a:schemeClr val="tx2"/>
+                </a:solidFill>
+              </a:defRPr>
+            </a:lvl8pPr>
+            <a:lvl9pPr eaLnBrk="1" hangingPunct="1">
+              <a:defRPr>
+                <a:solidFill>
+                  <a:schemeClr val="tx2"/>
+                </a:solidFill>
+              </a:defRPr>
+            </a:lvl9pPr>
+          </a:lstStyle>
+          <a:p>
+            <a:endParaRPr lang="zh-CN" altLang="en-US" sz="6600" dirty="0">
+              <a:effectLst>
+                <a:outerShdw blurRad="38100" dist="38100" dir="2700000" algn="tl">
+                  <a:srgbClr val="000000">
+                    <a:alpha val="43137"/>
+                  </a:srgbClr>
+                </a:outerShdw>
+              </a:effectLst>
+              <a:latin typeface="Tempus Sans ITC" panose="04020404030D07020202" pitchFamily="82" charset="0"/>
+              <a:ea typeface="华文彩云" panose="02010800040101010101" pitchFamily="2" charset="-122"/>
+            </a:endParaRPr>
+          </a:p>
+        </p:txBody>
+      </p:sp>
+      <p:sp>
+        <p:nvSpPr>
+          <p:cNvPr id="11" name="圆角矩形 10"/>
+          <p:cNvSpPr/>
+          <p:nvPr/>
+        </p:nvSpPr>
+        <p:spPr>
+          <a:xfrm>
+            <a:off x="2401094" y="1063415"/>
+            <a:ext cx="7543800" cy="4269160"/>
+          </a:xfrm>
+          <a:prstGeom prst="roundRect">
+            <a:avLst/>
+          </a:prstGeom>
+        </p:spPr>
+        <p:style>
+          <a:lnRef idx="1">
+            <a:schemeClr val="dk1"/>
+          </a:lnRef>
+          <a:fillRef idx="2">
+            <a:schemeClr val="dk1"/>
+          </a:fillRef>
+          <a:effectRef idx="1">
+            <a:schemeClr val="dk1"/>
+          </a:effectRef>
+          <a:fontRef idx="minor">
+            <a:schemeClr val="dk1"/>
+          </a:fontRef>
+        </p:style>
+        <p:txBody>
+          <a:bodyPr rtlCol="0" anchor="ctr"/>
+          <a:lstStyle/>
+          <a:p>
+            <a:pPr algn="ctr"/>
+            <a:endParaRPr lang="zh-CN" altLang="en-US" sz="800" dirty="0">
+              <a:ln w="0"/>
+              <a:solidFill>
+                <a:schemeClr val="tx1"/>
+              </a:solidFill>
+              <a:effectLst>
+                <a:outerShdw blurRad="38100" dist="19050" dir="2700000" algn="tl" rotWithShape="0">
+                  <a:schemeClr val="dk1">
+                    <a:alpha val="40000"/>
+                  </a:schemeClr>
+                </a:outerShdw>
+              </a:effectLst>
+            </a:endParaRPr>
+          </a:p>
+        </p:txBody>
+      </p:sp>
+      <p:sp>
+        <p:nvSpPr>
+          <p:cNvPr id="15" name="标题 1"/>
+          <p:cNvSpPr txBox="1">
+            <a:spLocks noGrp="1"/>
+          </p:cNvSpPr>
+          <p:nvPr>
+            <p:ph type="body" idx="1"/>
+          </p:nvPr>
+        </p:nvSpPr>
+        <p:spPr>
+          <a:xfrm>
+            <a:off x="1155700" y="5332575"/>
+            <a:ext cx="10034588" cy="717387"/>
+          </a:xfrm>
+          <a:prstGeom prst="rect">
+            <a:avLst/>
+          </a:prstGeom>
+        </p:spPr>
+        <p:txBody>
+          <a:bodyPr vert="horz" lIns="91440" tIns="45720" rIns="91440" bIns="45720" rtlCol="0" anchor="b">
+            <a:normAutofit/>
+          </a:bodyPr>
+          <a:lstStyle>
+            <a:lvl1pPr algn="l" defTabSz="457200" rtl="0" eaLnBrk="1" latinLnBrk="0" hangingPunct="1">
+              <a:spcBef>
+                <a:spcPct val="0"/>
+              </a:spcBef>
+              <a:buNone/>
+              <a:defRPr sz="4000" b="0" i="0" kern="1200" cap="none">
+                <a:solidFill>
+                  <a:schemeClr val="tx2"/>
+                </a:solidFill>
+                <a:latin typeface="+mj-lt"/>
+                <a:ea typeface="+mj-ea"/>
+                <a:cs typeface="+mj-cs"/>
+              </a:defRPr>
+            </a:lvl1pPr>
+            <a:lvl2pPr eaLnBrk="1" hangingPunct="1">
+              <a:defRPr>
+                <a:solidFill>
+                  <a:schemeClr val="tx2"/>
+                </a:solidFill>
+              </a:defRPr>
+            </a:lvl2pPr>
+            <a:lvl3pPr eaLnBrk="1" hangingPunct="1">
+              <a:defRPr>
+                <a:solidFill>
+                  <a:schemeClr val="tx2"/>
+                </a:solidFill>
+              </a:defRPr>
+            </a:lvl3pPr>
+            <a:lvl4pPr eaLnBrk="1" hangingPunct="1">
+              <a:defRPr>
+                <a:solidFill>
+                  <a:schemeClr val="tx2"/>
+                </a:solidFill>
+              </a:defRPr>
+            </a:lvl4pPr>
+            <a:lvl5pPr eaLnBrk="1" hangingPunct="1">
+              <a:defRPr>
+                <a:solidFill>
+                  <a:schemeClr val="tx2"/>
+                </a:solidFill>
+              </a:defRPr>
+            </a:lvl5pPr>
+            <a:lvl6pPr eaLnBrk="1" hangingPunct="1">
+              <a:defRPr>
+                <a:solidFill>
+                  <a:schemeClr val="tx2"/>
+                </a:solidFill>
+              </a:defRPr>
+            </a:lvl6pPr>
+            <a:lvl7pPr eaLnBrk="1" hangingPunct="1">
+              <a:defRPr>
+                <a:solidFill>
+                  <a:schemeClr val="tx2"/>
+                </a:solidFill>
+              </a:defRPr>
+            </a:lvl7pPr>
+            <a:lvl8pPr eaLnBrk="1" hangingPunct="1">
+              <a:defRPr>
+                <a:solidFill>
+                  <a:schemeClr val="tx2"/>
+                </a:solidFill>
+              </a:defRPr>
+            </a:lvl8pPr>
+            <a:lvl9pPr eaLnBrk="1" hangingPunct="1">
+              <a:defRPr>
+                <a:solidFill>
+                  <a:schemeClr val="tx2"/>
+                </a:solidFill>
+              </a:defRPr>
+            </a:lvl9pPr>
+          </a:lstStyle>
+          <a:p>
+            <a:r>
+              <a:rPr lang="en-US" altLang="zh-CN" dirty="0" smtClean="0">
+                <a:effectLst>
+                  <a:outerShdw blurRad="38100" dist="38100" dir="2700000" algn="tl">
+                    <a:srgbClr val="000000">
+                      <a:alpha val="43137"/>
+                    </a:srgbClr>
+                  </a:outerShdw>
+                </a:effectLst>
+                <a:latin typeface="Tempus Sans ITC" panose="04020404030D07020202" pitchFamily="82" charset="0"/>
+                <a:ea typeface="华文彩云" panose="02010800040101010101" pitchFamily="2" charset="-122"/>
+              </a:rPr>
+              <a:t>$ Git reset mixed soft hard head^</a:t>
+            </a:r>
+            <a:endParaRPr lang="zh-CN" altLang="en-US" sz="6600" dirty="0">
+              <a:effectLst>
+                <a:outerShdw blurRad="38100" dist="38100" dir="2700000" algn="tl">
+                  <a:srgbClr val="000000">
+                    <a:alpha val="43137"/>
+                  </a:srgbClr>
+                </a:outerShdw>
+              </a:effectLst>
+              <a:latin typeface="Tempus Sans ITC" panose="04020404030D07020202" pitchFamily="82" charset="0"/>
+              <a:ea typeface="华文彩云" panose="02010800040101010101" pitchFamily="2" charset="-122"/>
+            </a:endParaRPr>
+          </a:p>
+        </p:txBody>
+      </p:sp>
+      <p:sp>
+        <p:nvSpPr>
+          <p:cNvPr id="2" name="椭圆 1"/>
+          <p:cNvSpPr/>
+          <p:nvPr/>
+        </p:nvSpPr>
+        <p:spPr>
+          <a:xfrm>
+            <a:off x="2789072" y="1555466"/>
+            <a:ext cx="1125402" cy="1111300"/>
+          </a:xfrm>
+          <a:prstGeom prst="ellipse">
+            <a:avLst/>
+          </a:prstGeom>
+        </p:spPr>
+        <p:style>
+          <a:lnRef idx="0">
+            <a:schemeClr val="accent5"/>
+          </a:lnRef>
+          <a:fillRef idx="3">
+            <a:schemeClr val="accent5"/>
+          </a:fillRef>
+          <a:effectRef idx="3">
+            <a:schemeClr val="accent5"/>
+          </a:effectRef>
+          <a:fontRef idx="minor">
+            <a:schemeClr val="lt1"/>
+          </a:fontRef>
+        </p:style>
+        <p:txBody>
+          <a:bodyPr rtlCol="0" anchor="ctr"/>
+          <a:lstStyle/>
+          <a:p>
+            <a:pPr algn="ctr"/>
+            <a:r>
+              <a:rPr lang="zh-CN" altLang="en-US" dirty="0" smtClean="0"/>
+              <a:t>对象及</a:t>
+            </a:r>
+            <a:r>
+              <a:rPr lang="en-US" altLang="zh-CN" dirty="0" smtClean="0"/>
+              <a:t>SHA1</a:t>
+            </a:r>
+            <a:endParaRPr lang="zh-CN" altLang="en-US" dirty="0"/>
+          </a:p>
+        </p:txBody>
+      </p:sp>
+      <p:sp>
+        <p:nvSpPr>
+          <p:cNvPr id="14" name="椭圆 13"/>
+          <p:cNvSpPr/>
+          <p:nvPr/>
+        </p:nvSpPr>
+        <p:spPr>
+          <a:xfrm>
+            <a:off x="6947948" y="1876110"/>
+            <a:ext cx="800100" cy="638978"/>
+          </a:xfrm>
+          <a:prstGeom prst="ellipse">
+            <a:avLst/>
+          </a:prstGeom>
+        </p:spPr>
+        <p:style>
+          <a:lnRef idx="1">
+            <a:schemeClr val="accent5"/>
+          </a:lnRef>
+          <a:fillRef idx="2">
+            <a:schemeClr val="accent5"/>
+          </a:fillRef>
+          <a:effectRef idx="1">
+            <a:schemeClr val="accent5"/>
+          </a:effectRef>
+          <a:fontRef idx="minor">
+            <a:schemeClr val="dk1"/>
+          </a:fontRef>
+        </p:style>
+        <p:txBody>
+          <a:bodyPr rtlCol="0" anchor="ctr"/>
+          <a:lstStyle/>
+          <a:p>
+            <a:pPr algn="ctr"/>
+            <a:r>
+              <a:rPr lang="zh-CN" altLang="en-US" dirty="0"/>
+              <a:t>索引</a:t>
+            </a:r>
+          </a:p>
+        </p:txBody>
+      </p:sp>
+      <p:sp>
+        <p:nvSpPr>
+          <p:cNvPr id="17" name="椭圆 16"/>
+          <p:cNvSpPr/>
+          <p:nvPr/>
+        </p:nvSpPr>
+        <p:spPr>
+          <a:xfrm>
+            <a:off x="8674927" y="2878506"/>
+            <a:ext cx="800100" cy="638978"/>
+          </a:xfrm>
+          <a:prstGeom prst="ellipse">
+            <a:avLst/>
+          </a:prstGeom>
+        </p:spPr>
+        <p:style>
+          <a:lnRef idx="0">
+            <a:schemeClr val="accent4"/>
+          </a:lnRef>
+          <a:fillRef idx="3">
+            <a:schemeClr val="accent4"/>
+          </a:fillRef>
+          <a:effectRef idx="3">
+            <a:schemeClr val="accent4"/>
+          </a:effectRef>
+          <a:fontRef idx="minor">
+            <a:schemeClr val="lt1"/>
+          </a:fontRef>
+        </p:style>
+        <p:txBody>
+          <a:bodyPr rtlCol="0" anchor="ctr"/>
+          <a:lstStyle/>
+          <a:p>
+            <a:pPr algn="ctr"/>
+            <a:r>
+              <a:rPr lang="zh-CN" altLang="en-US" dirty="0"/>
+              <a:t>命令</a:t>
+            </a:r>
+          </a:p>
+        </p:txBody>
+      </p:sp>
+      <p:sp>
+        <p:nvSpPr>
+          <p:cNvPr id="20" name="椭圆 19"/>
+          <p:cNvSpPr/>
+          <p:nvPr/>
+        </p:nvSpPr>
+        <p:spPr>
+          <a:xfrm>
+            <a:off x="4689428" y="1832204"/>
+            <a:ext cx="1483566" cy="638978"/>
+          </a:xfrm>
+          <a:prstGeom prst="ellipse">
+            <a:avLst/>
+          </a:prstGeom>
+        </p:spPr>
+        <p:style>
+          <a:lnRef idx="0">
+            <a:schemeClr val="accent5"/>
+          </a:lnRef>
+          <a:fillRef idx="3">
+            <a:schemeClr val="accent5"/>
+          </a:fillRef>
+          <a:effectRef idx="3">
+            <a:schemeClr val="accent5"/>
+          </a:effectRef>
+          <a:fontRef idx="minor">
+            <a:schemeClr val="lt1"/>
+          </a:fontRef>
+        </p:style>
+        <p:txBody>
+          <a:bodyPr rtlCol="0" anchor="ctr"/>
+          <a:lstStyle/>
+          <a:p>
+            <a:pPr algn="ctr"/>
+            <a:r>
+              <a:rPr lang="en-US" altLang="zh-CN" dirty="0" smtClean="0"/>
+              <a:t>commit</a:t>
+            </a:r>
+            <a:endParaRPr lang="zh-CN" altLang="en-US" dirty="0"/>
+          </a:p>
+        </p:txBody>
+      </p:sp>
+      <p:sp>
+        <p:nvSpPr>
+          <p:cNvPr id="21" name="椭圆 20"/>
+          <p:cNvSpPr/>
+          <p:nvPr/>
+        </p:nvSpPr>
+        <p:spPr>
+          <a:xfrm>
+            <a:off x="5350089" y="2688639"/>
+            <a:ext cx="953896" cy="638978"/>
+          </a:xfrm>
+          <a:prstGeom prst="ellipse">
+            <a:avLst/>
+          </a:prstGeom>
+        </p:spPr>
+        <p:style>
+          <a:lnRef idx="0">
+            <a:schemeClr val="accent5"/>
+          </a:lnRef>
+          <a:fillRef idx="3">
+            <a:schemeClr val="accent5"/>
+          </a:fillRef>
+          <a:effectRef idx="3">
+            <a:schemeClr val="accent5"/>
+          </a:effectRef>
+          <a:fontRef idx="minor">
+            <a:schemeClr val="lt1"/>
+          </a:fontRef>
+        </p:style>
+        <p:txBody>
+          <a:bodyPr rtlCol="0" anchor="ctr"/>
+          <a:lstStyle/>
+          <a:p>
+            <a:pPr algn="ctr"/>
+            <a:r>
+              <a:rPr lang="en-US" altLang="zh-CN" dirty="0"/>
+              <a:t>tree</a:t>
+            </a:r>
+            <a:endParaRPr lang="zh-CN" altLang="en-US" dirty="0"/>
+          </a:p>
+        </p:txBody>
+      </p:sp>
+      <p:sp>
+        <p:nvSpPr>
+          <p:cNvPr id="22" name="椭圆 21"/>
+          <p:cNvSpPr/>
+          <p:nvPr/>
+        </p:nvSpPr>
+        <p:spPr>
+          <a:xfrm>
+            <a:off x="5350089" y="3534968"/>
+            <a:ext cx="1048568" cy="638978"/>
+          </a:xfrm>
+          <a:prstGeom prst="ellipse">
+            <a:avLst/>
+          </a:prstGeom>
+        </p:spPr>
+        <p:style>
+          <a:lnRef idx="0">
+            <a:schemeClr val="accent5"/>
+          </a:lnRef>
+          <a:fillRef idx="3">
+            <a:schemeClr val="accent5"/>
+          </a:fillRef>
+          <a:effectRef idx="3">
+            <a:schemeClr val="accent5"/>
+          </a:effectRef>
+          <a:fontRef idx="minor">
+            <a:schemeClr val="lt1"/>
+          </a:fontRef>
+        </p:style>
+        <p:txBody>
+          <a:bodyPr rtlCol="0" anchor="ctr"/>
+          <a:lstStyle/>
+          <a:p>
+            <a:pPr algn="ctr"/>
+            <a:r>
+              <a:rPr lang="en-US" altLang="zh-CN" dirty="0"/>
+              <a:t>blob</a:t>
+            </a:r>
+            <a:endParaRPr lang="zh-CN" altLang="en-US" dirty="0"/>
+          </a:p>
+        </p:txBody>
+      </p:sp>
+      <p:sp>
+        <p:nvSpPr>
+          <p:cNvPr id="3" name="右箭头 2"/>
+          <p:cNvSpPr/>
+          <p:nvPr/>
+        </p:nvSpPr>
+        <p:spPr>
+          <a:xfrm>
+            <a:off x="4094107" y="2026633"/>
+            <a:ext cx="416689" cy="250119"/>
+          </a:xfrm>
+          <a:prstGeom prst="rightArrow">
+            <a:avLst/>
+          </a:prstGeom>
+        </p:spPr>
+        <p:style>
+          <a:lnRef idx="2">
+            <a:schemeClr val="accent5">
+              <a:shade val="50000"/>
+            </a:schemeClr>
+          </a:lnRef>
+          <a:fillRef idx="1">
+            <a:schemeClr val="accent5"/>
+          </a:fillRef>
+          <a:effectRef idx="0">
+            <a:schemeClr val="accent5"/>
+          </a:effectRef>
+          <a:fontRef idx="minor">
+            <a:schemeClr val="lt1"/>
+          </a:fontRef>
+        </p:style>
+        <p:txBody>
+          <a:bodyPr rtlCol="0" anchor="ctr"/>
+          <a:lstStyle/>
+          <a:p>
+            <a:pPr algn="ctr"/>
+            <a:endParaRPr lang="zh-CN" altLang="en-US"/>
+          </a:p>
+        </p:txBody>
+      </p:sp>
+    </p:spTree>
+    <p:custDataLst>
+      <p:tags r:id="rId1"/>
+    </p:custDataLst>
+    <p:extLst>
+      <p:ext uri="{BB962C8B-B14F-4D97-AF65-F5344CB8AC3E}">
+        <p14:creationId xmlns:p14="http://schemas.microsoft.com/office/powerpoint/2010/main" val="463271054"/>
+      </p:ext>
+    </p:extLst>
+  </p:cSld>
+  <p:clrMapOvr>
+    <a:masterClrMapping/>
+  </p:clrMapOvr>
+  <mc:AlternateContent xmlns:mc="http://schemas.openxmlformats.org/markup-compatibility/2006">
+    <mc:Choice xmlns:p14="http://schemas.microsoft.com/office/powerpoint/2010/main" Requires="p14">
+      <p:transition p14:dur="10" advTm="2931"/>
+    </mc:Choice>
+    <mc:Fallback>
+      <p:transition advTm="2931"/>
+    </mc:Fallback>
+  </mc:AlternateContent>
+  <p:timing>
+    <p:tnLst>
+      <p:par>
+        <p:cTn id="1" dur="indefinite" restart="never" nodeType="tmRoot">
+          <p:childTnLst>
+            <p:audio isNarration="1">
+              <p:cMediaNode vol="80000" showWhenStopped="0">
+                <p:cTn id="2" fill="hold" display="0">
+                  <p:stCondLst>
+                    <p:cond delay="indefinite"/>
+                  </p:stCondLst>
+                  <p:endCondLst>
+                    <p:cond evt="onStopAudio" delay="0">
+                      <p:tgtEl>
+                        <p:sldTgt/>
+                      </p:tgtEl>
+                    </p:cond>
+                  </p:endCondLst>
+                </p:cTn>
+                <p:tgtEl>
+                  <p:spTgt spid="10"/>
+                </p:tgtEl>
+              </p:cMediaNode>
+            </p:audio>
+          </p:childTnLst>
+        </p:cTn>
+      </p:par>
+    </p:tnLst>
+  </p:timing>
+</p:sld>
+</file>
+
+<file path=ppt/slides/slide7.xml><?xml version="1.0" encoding="utf-8"?>
+<p:sld xmlns:a="http://schemas.openxmlformats.org/drawingml/2006/main" xmlns:r="http://schemas.openxmlformats.org/officeDocument/2006/relationships" xmlns:p="http://schemas.openxmlformats.org/presentationml/2006/main">
+  <p:cSld>
+    <p:spTree>
+      <p:nvGrpSpPr>
+        <p:cNvPr id="1" name=""/>
+        <p:cNvGrpSpPr/>
+        <p:nvPr/>
+      </p:nvGrpSpPr>
+      <p:grpSpPr>
+        <a:xfrm>
+          <a:off x="0" y="0"/>
+          <a:ext cx="0" cy="0"/>
+          <a:chOff x="0" y="0"/>
+          <a:chExt cx="0" cy="0"/>
+        </a:xfrm>
+      </p:grpSpPr>
+      <p:sp>
+        <p:nvSpPr>
+          <p:cNvPr id="5" name="标题 4"/>
+          <p:cNvSpPr>
+            <a:spLocks noGrp="1"/>
+          </p:cNvSpPr>
+          <p:nvPr>
+            <p:ph type="title"/>
+          </p:nvPr>
+        </p:nvSpPr>
+        <p:spPr>
+          <a:xfrm>
+            <a:off x="376356" y="679021"/>
+            <a:ext cx="8825660" cy="768789"/>
+          </a:xfrm>
+          <a:scene3d>
+            <a:camera prst="orthographicFront"/>
+            <a:lightRig rig="threePt" dir="t"/>
+          </a:scene3d>
+          <a:sp3d>
+            <a:bevelT w="114300" prst="artDeco"/>
+          </a:sp3d>
+        </p:spPr>
+        <p:txBody>
+          <a:bodyPr>
+            <a:prstTxWarp prst="textArchUp">
+              <a:avLst>
+                <a:gd name="adj" fmla="val 11054161"/>
+              </a:avLst>
+            </a:prstTxWarp>
+            <a:normAutofit/>
+          </a:bodyPr>
+          <a:lstStyle/>
+          <a:p>
+            <a:r>
               <a:rPr lang="en-US" altLang="zh-CN" dirty="0" smtClean="0">
                 <a:latin typeface="华文琥珀" panose="02010800040101010101" pitchFamily="2" charset="-122"/>
                 <a:ea typeface="华文琥珀" panose="02010800040101010101" pitchFamily="2" charset="-122"/>
@@ -18398,7 +21715,7 @@
           <a:p>
             <a:fld id="{6469EC62-33AF-4423-BC24-ABBFD8DA85E4}" type="slidenum">
               <a:rPr lang="zh-CN" altLang="en-US" smtClean="0"/>
-              <a:t>6</a:t>
+              <a:t>7</a:t>
             </a:fld>
             <a:endParaRPr lang="zh-CN" altLang="en-US"/>
           </a:p>
@@ -19982,7 +23299,7 @@
 </p:sld>
 </file>
 
-<file path=ppt/slides/slide7.xml><?xml version="1.0" encoding="utf-8"?>
+<file path=ppt/slides/slide8.xml><?xml version="1.0" encoding="utf-8"?>
 <p:sld xmlns:a="http://schemas.openxmlformats.org/drawingml/2006/main" xmlns:r="http://schemas.openxmlformats.org/officeDocument/2006/relationships" xmlns:p="http://schemas.openxmlformats.org/presentationml/2006/main">
   <p:cSld>
     <p:spTree>
@@ -20045,14 +23362,7 @@
                 <a:latin typeface="华文琥珀" panose="02010800040101010101" pitchFamily="2" charset="-122"/>
                 <a:ea typeface="华文琥珀" panose="02010800040101010101" pitchFamily="2" charset="-122"/>
               </a:rPr>
-              <a:t>维</a:t>
-            </a:r>
-            <a:r>
-              <a:rPr lang="zh-CN" altLang="en-US" dirty="0" smtClean="0">
-                <a:latin typeface="华文琥珀" panose="02010800040101010101" pitchFamily="2" charset="-122"/>
-                <a:ea typeface="华文琥珀" panose="02010800040101010101" pitchFamily="2" charset="-122"/>
-              </a:rPr>
-              <a:t>空间 </a:t>
+              <a:t>维空间 </a:t>
             </a:r>
             <a:r>
               <a:rPr lang="en-US" altLang="zh-CN" dirty="0" smtClean="0">
@@ -20092,7 +23402,7 @@
           <a:p>
             <a:fld id="{6469EC62-33AF-4423-BC24-ABBFD8DA85E4}" type="slidenum">
               <a:rPr lang="zh-CN" altLang="en-US" smtClean="0"/>
-              <a:t>7</a:t>
+              <a:t>8</a:t>
             </a:fld>
             <a:endParaRPr lang="zh-CN" altLang="en-US"/>
           </a:p>
@@ -20923,7 +24233,7 @@
         </p:spPr>
         <p:txBody>
           <a:bodyPr vert="horz" lIns="91440" tIns="45720" rIns="91440" bIns="45720" rtlCol="0" anchor="b">
-            <a:normAutofit fontScale="92500" lnSpcReduction="20000"/>
+            <a:normAutofit fontScale="92500" lnSpcReduction="10000"/>
           </a:bodyPr>
           <a:lstStyle>
             <a:lvl1pPr algn="l" defTabSz="457200" rtl="0" eaLnBrk="1" latinLnBrk="0" hangingPunct="1">
@@ -23598,11 +26908,11 @@
   <p:clrMapOvr>
     <a:masterClrMapping/>
   </p:clrMapOvr>
-  <mc:AlternateContent xmlns:mc="http://schemas.openxmlformats.org/markup-compatibility/2006">
-    <mc:Choice xmlns:p14="http://schemas.microsoft.com/office/powerpoint/2010/main" Requires="p14">
+  <mc:AlternateContent xmlns:mc="http://schemas.openxmlformats.org/markup-compatibility/2006" xmlns:p14="http://schemas.microsoft.com/office/powerpoint/2010/main">
+    <mc:Choice Requires="p14">
       <p:transition p14:dur="10" advTm="2931"/>
     </mc:Choice>
-    <mc:Fallback>
+    <mc:Fallback xmlns="">
       <p:transition advTm="2931"/>
     </mc:Fallback>
   </mc:AlternateContent>
@@ -23638,7 +26948,7 @@
 </p:sld>
 </file>
 
-<file path=ppt/slides/slide8.xml><?xml version="1.0" encoding="utf-8"?>
+<file path=ppt/slides/slide9.xml><?xml version="1.0" encoding="utf-8"?>
 <p:sld xmlns:a="http://schemas.openxmlformats.org/drawingml/2006/main" xmlns:r="http://schemas.openxmlformats.org/officeDocument/2006/relationships" xmlns:p="http://schemas.openxmlformats.org/presentationml/2006/main">
   <p:cSld>
     <p:spTree>
@@ -23694,7 +27004,21 @@
                 <a:latin typeface="华文琥珀" panose="02010800040101010101" pitchFamily="2" charset="-122"/>
                 <a:ea typeface="华文琥珀" panose="02010800040101010101" pitchFamily="2" charset="-122"/>
               </a:rPr>
-              <a:t>一切都是对象</a:t>
+              <a:t>一纬空间 </a:t>
+            </a:r>
+            <a:r>
+              <a:rPr lang="en-US" altLang="zh-CN" dirty="0" smtClean="0">
+                <a:latin typeface="华文琥珀" panose="02010800040101010101" pitchFamily="2" charset="-122"/>
+                <a:ea typeface="华文琥珀" panose="02010800040101010101" pitchFamily="2" charset="-122"/>
+              </a:rPr>
+              <a:t>- </a:t>
+            </a:r>
+            <a:r>
+              <a:rPr lang="zh-CN" altLang="en-US" dirty="0" smtClean="0">
+                <a:latin typeface="华文琥珀" panose="02010800040101010101" pitchFamily="2" charset="-122"/>
+                <a:ea typeface="华文琥珀" panose="02010800040101010101" pitchFamily="2" charset="-122"/>
+              </a:rPr>
+              <a:t>提交序列</a:t>
             </a:r>
             <a:endParaRPr lang="zh-CN" altLang="en-US" sz="3200" dirty="0">
               <a:latin typeface="华文琥珀" panose="02010800040101010101" pitchFamily="2" charset="-122"/>
@@ -23720,7 +27044,7 @@
           <a:p>
             <a:fld id="{6469EC62-33AF-4423-BC24-ABBFD8DA85E4}" type="slidenum">
               <a:rPr lang="zh-CN" altLang="en-US" smtClean="0"/>
-              <a:t>8</a:t>
+              <a:t>9</a:t>
             </a:fld>
             <a:endParaRPr lang="zh-CN" altLang="en-US"/>
           </a:p>
@@ -25096,23 +28420,6 @@
               </a:rPr>
               <a:t>是什么？</a:t>
             </a:r>
-            <a:endParaRPr lang="zh-CN" altLang="en-US" sz="2000" dirty="0">
-              <a:solidFill>
-                <a:schemeClr val="bg2">
-                  <a:lumMod val="40000"/>
-                  <a:lumOff val="60000"/>
-                </a:schemeClr>
-              </a:solidFill>
-              <a:effectLst>
-                <a:outerShdw blurRad="38100" dist="38100" dir="2700000" algn="tl">
-                  <a:srgbClr val="000000">
-                    <a:alpha val="43137"/>
-                  </a:srgbClr>
-                </a:outerShdw>
-              </a:effectLst>
-              <a:latin typeface="华文楷体" panose="02010600040101010101" pitchFamily="2" charset="-122"/>
-              <a:ea typeface="华文楷体" panose="02010600040101010101" pitchFamily="2" charset="-122"/>
-            </a:endParaRPr>
           </a:p>
         </p:txBody>
       </p:sp>
@@ -25981,493 +29288,6 @@
 </p:sld>
 </file>
 
-<file path=ppt/slides/slide9.xml><?xml version="1.0" encoding="utf-8"?>
-<p:sld xmlns:a="http://schemas.openxmlformats.org/drawingml/2006/main" xmlns:r="http://schemas.openxmlformats.org/officeDocument/2006/relationships" xmlns:p="http://schemas.openxmlformats.org/presentationml/2006/main">
-  <p:cSld>
-    <p:spTree>
-      <p:nvGrpSpPr>
-        <p:cNvPr id="1" name=""/>
-        <p:cNvGrpSpPr/>
-        <p:nvPr/>
-      </p:nvGrpSpPr>
-      <p:grpSpPr>
-        <a:xfrm>
-          <a:off x="0" y="0"/>
-          <a:ext cx="0" cy="0"/>
-          <a:chOff x="0" y="0"/>
-          <a:chExt cx="0" cy="0"/>
-        </a:xfrm>
-      </p:grpSpPr>
-      <p:sp>
-        <p:nvSpPr>
-          <p:cNvPr id="5" name="标题 4"/>
-          <p:cNvSpPr>
-            <a:spLocks noGrp="1"/>
-          </p:cNvSpPr>
-          <p:nvPr>
-            <p:ph type="title"/>
-          </p:nvPr>
-        </p:nvSpPr>
-        <p:spPr>
-          <a:xfrm>
-            <a:off x="376356" y="679021"/>
-            <a:ext cx="8825660" cy="768789"/>
-          </a:xfrm>
-          <a:scene3d>
-            <a:camera prst="orthographicFront"/>
-            <a:lightRig rig="threePt" dir="t"/>
-          </a:scene3d>
-          <a:sp3d>
-            <a:bevelT w="114300" prst="artDeco"/>
-          </a:sp3d>
-        </p:spPr>
-        <p:txBody>
-          <a:bodyPr>
-            <a:prstTxWarp prst="textArchUp">
-              <a:avLst>
-                <a:gd name="adj" fmla="val 11054161"/>
-              </a:avLst>
-            </a:prstTxWarp>
-            <a:normAutofit/>
-          </a:bodyPr>
-          <a:lstStyle/>
-          <a:p>
-            <a:r>
-              <a:rPr lang="en-US" altLang="zh-CN" dirty="0" smtClean="0">
-                <a:latin typeface="华文琥珀" panose="02010800040101010101" pitchFamily="2" charset="-122"/>
-                <a:ea typeface="华文琥珀" panose="02010800040101010101" pitchFamily="2" charset="-122"/>
-              </a:rPr>
-              <a:t>.git</a:t>
-            </a:r>
-            <a:r>
-              <a:rPr lang="zh-CN" altLang="en-US" dirty="0" smtClean="0">
-                <a:latin typeface="华文琥珀" panose="02010800040101010101" pitchFamily="2" charset="-122"/>
-                <a:ea typeface="华文琥珀" panose="02010800040101010101" pitchFamily="2" charset="-122"/>
-              </a:rPr>
-              <a:t>文件系统</a:t>
-            </a:r>
-            <a:endParaRPr lang="zh-CN" altLang="en-US" sz="3200" dirty="0">
-              <a:latin typeface="华文琥珀" panose="02010800040101010101" pitchFamily="2" charset="-122"/>
-              <a:ea typeface="华文琥珀" panose="02010800040101010101" pitchFamily="2" charset="-122"/>
-            </a:endParaRPr>
-          </a:p>
-        </p:txBody>
-      </p:sp>
-      <p:sp>
-        <p:nvSpPr>
-          <p:cNvPr id="2" name="文本占位符 1"/>
-          <p:cNvSpPr>
-            <a:spLocks noGrp="1"/>
-          </p:cNvSpPr>
-          <p:nvPr>
-            <p:ph type="body" idx="1"/>
-          </p:nvPr>
-        </p:nvSpPr>
-        <p:spPr>
-          <a:xfrm>
-            <a:off x="1154954" y="1160838"/>
-            <a:ext cx="10035785" cy="4889584"/>
-          </a:xfrm>
-        </p:spPr>
-        <p:txBody>
-          <a:bodyPr/>
-          <a:lstStyle/>
-          <a:p>
-            <a:endParaRPr lang="zh-CN" altLang="en-US" dirty="0"/>
-          </a:p>
-        </p:txBody>
-      </p:sp>
-      <p:sp>
-        <p:nvSpPr>
-          <p:cNvPr id="4" name="灯片编号占位符 3"/>
-          <p:cNvSpPr>
-            <a:spLocks noGrp="1"/>
-          </p:cNvSpPr>
-          <p:nvPr>
-            <p:ph type="sldNum" sz="quarter" idx="12"/>
-          </p:nvPr>
-        </p:nvSpPr>
-        <p:spPr/>
-        <p:txBody>
-          <a:bodyPr/>
-          <a:lstStyle/>
-          <a:p>
-            <a:fld id="{6469EC62-33AF-4423-BC24-ABBFD8DA85E4}" type="slidenum">
-              <a:rPr lang="zh-CN" altLang="en-US" smtClean="0"/>
-              <a:t>9</a:t>
-            </a:fld>
-            <a:endParaRPr lang="zh-CN" altLang="en-US"/>
-          </a:p>
-        </p:txBody>
-      </p:sp>
-      <p:pic>
-        <p:nvPicPr>
-          <p:cNvPr id="10" name="音频 9">
-            <a:hlinkClick r:id="" action="ppaction://media"/>
-          </p:cNvPr>
-          <p:cNvPicPr>
-            <a:picLocks noChangeAspect="1"/>
-          </p:cNvPicPr>
-          <p:nvPr>
-            <a:audioFile r:link="rId3"/>
-            <p:extLst>
-              <p:ext uri="{DAA4B4D4-6D71-4841-9C94-3DE7FCFB9230}">
-                <p14:media xmlns:p14="http://schemas.microsoft.com/office/powerpoint/2010/main" r:embed="rId2"/>
-              </p:ext>
-            </p:extLst>
-          </p:nvPr>
-        </p:nvPicPr>
-        <p:blipFill>
-          <a:blip r:embed="rId6"/>
-          <a:stretch>
-            <a:fillRect/>
-          </a:stretch>
-        </p:blipFill>
-        <p:spPr>
-          <a:xfrm>
-            <a:off x="11488738" y="6154738"/>
-            <a:ext cx="487362" cy="487362"/>
-          </a:xfrm>
-          <a:prstGeom prst="rect">
-            <a:avLst/>
-          </a:prstGeom>
-        </p:spPr>
-      </p:pic>
-      <p:sp>
-        <p:nvSpPr>
-          <p:cNvPr id="16" name="标题 1"/>
-          <p:cNvSpPr txBox="1">
-            <a:spLocks/>
-          </p:cNvSpPr>
-          <p:nvPr/>
-        </p:nvSpPr>
-        <p:spPr>
-          <a:xfrm>
-            <a:off x="962967" y="4830407"/>
-            <a:ext cx="9389573" cy="931698"/>
-          </a:xfrm>
-          <a:prstGeom prst="rect">
-            <a:avLst/>
-          </a:prstGeom>
-        </p:spPr>
-        <p:txBody>
-          <a:bodyPr vert="horz" lIns="91440" tIns="45720" rIns="91440" bIns="45720" rtlCol="0" anchor="b">
-            <a:normAutofit fontScale="92500" lnSpcReduction="10000"/>
-          </a:bodyPr>
-          <a:lstStyle>
-            <a:lvl1pPr algn="l" defTabSz="457200" rtl="0" eaLnBrk="1" latinLnBrk="0" hangingPunct="1">
-              <a:spcBef>
-                <a:spcPct val="0"/>
-              </a:spcBef>
-              <a:buNone/>
-              <a:defRPr sz="4000" b="0" i="0" kern="1200" cap="none">
-                <a:solidFill>
-                  <a:schemeClr val="tx2"/>
-                </a:solidFill>
-                <a:latin typeface="+mj-lt"/>
-                <a:ea typeface="+mj-ea"/>
-                <a:cs typeface="+mj-cs"/>
-              </a:defRPr>
-            </a:lvl1pPr>
-            <a:lvl2pPr eaLnBrk="1" hangingPunct="1">
-              <a:defRPr>
-                <a:solidFill>
-                  <a:schemeClr val="tx2"/>
-                </a:solidFill>
-              </a:defRPr>
-            </a:lvl2pPr>
-            <a:lvl3pPr eaLnBrk="1" hangingPunct="1">
-              <a:defRPr>
-                <a:solidFill>
-                  <a:schemeClr val="tx2"/>
-                </a:solidFill>
-              </a:defRPr>
-            </a:lvl3pPr>
-            <a:lvl4pPr eaLnBrk="1" hangingPunct="1">
-              <a:defRPr>
-                <a:solidFill>
-                  <a:schemeClr val="tx2"/>
-                </a:solidFill>
-              </a:defRPr>
-            </a:lvl4pPr>
-            <a:lvl5pPr eaLnBrk="1" hangingPunct="1">
-              <a:defRPr>
-                <a:solidFill>
-                  <a:schemeClr val="tx2"/>
-                </a:solidFill>
-              </a:defRPr>
-            </a:lvl5pPr>
-            <a:lvl6pPr eaLnBrk="1" hangingPunct="1">
-              <a:defRPr>
-                <a:solidFill>
-                  <a:schemeClr val="tx2"/>
-                </a:solidFill>
-              </a:defRPr>
-            </a:lvl6pPr>
-            <a:lvl7pPr eaLnBrk="1" hangingPunct="1">
-              <a:defRPr>
-                <a:solidFill>
-                  <a:schemeClr val="tx2"/>
-                </a:solidFill>
-              </a:defRPr>
-            </a:lvl7pPr>
-            <a:lvl8pPr eaLnBrk="1" hangingPunct="1">
-              <a:defRPr>
-                <a:solidFill>
-                  <a:schemeClr val="tx2"/>
-                </a:solidFill>
-              </a:defRPr>
-            </a:lvl8pPr>
-            <a:lvl9pPr eaLnBrk="1" hangingPunct="1">
-              <a:defRPr>
-                <a:solidFill>
-                  <a:schemeClr val="tx2"/>
-                </a:solidFill>
-              </a:defRPr>
-            </a:lvl9pPr>
-          </a:lstStyle>
-          <a:p>
-            <a:endParaRPr lang="zh-CN" altLang="en-US" sz="6600" dirty="0">
-              <a:effectLst>
-                <a:outerShdw blurRad="38100" dist="38100" dir="2700000" algn="tl">
-                  <a:srgbClr val="000000">
-                    <a:alpha val="43137"/>
-                  </a:srgbClr>
-                </a:outerShdw>
-              </a:effectLst>
-              <a:latin typeface="Tempus Sans ITC" panose="04020404030D07020202" pitchFamily="82" charset="0"/>
-              <a:ea typeface="华文彩云" panose="02010800040101010101" pitchFamily="2" charset="-122"/>
-            </a:endParaRPr>
-          </a:p>
-        </p:txBody>
-      </p:sp>
-      <p:sp>
-        <p:nvSpPr>
-          <p:cNvPr id="7" name="矩形 6"/>
-          <p:cNvSpPr/>
-          <p:nvPr/>
-        </p:nvSpPr>
-        <p:spPr>
-          <a:xfrm>
-            <a:off x="2717562" y="2216599"/>
-            <a:ext cx="555476" cy="299103"/>
-          </a:xfrm>
-          <a:prstGeom prst="rect">
-            <a:avLst/>
-          </a:prstGeom>
-          <a:noFill/>
-          <a:ln>
-            <a:noFill/>
-          </a:ln>
-        </p:spPr>
-        <p:style>
-          <a:lnRef idx="2">
-            <a:schemeClr val="dk1"/>
-          </a:lnRef>
-          <a:fillRef idx="1001">
-            <a:schemeClr val="lt2"/>
-          </a:fillRef>
-          <a:effectRef idx="0">
-            <a:schemeClr val="dk1"/>
-          </a:effectRef>
-          <a:fontRef idx="minor">
-            <a:schemeClr val="dk1"/>
-          </a:fontRef>
-        </p:style>
-        <p:txBody>
-          <a:bodyPr rtlCol="0" anchor="ctr"/>
-          <a:lstStyle/>
-          <a:p>
-            <a:pPr algn="ctr"/>
-            <a:r>
-              <a:rPr lang="en-US" altLang="zh-CN" dirty="0" smtClean="0">
-                <a:solidFill>
-                  <a:schemeClr val="tx1"/>
-                </a:solidFill>
-              </a:rPr>
-              <a:t>.git</a:t>
-            </a:r>
-            <a:endParaRPr lang="zh-CN" altLang="en-US" dirty="0">
-              <a:solidFill>
-                <a:schemeClr val="tx1"/>
-              </a:solidFill>
-            </a:endParaRPr>
-          </a:p>
-        </p:txBody>
-      </p:sp>
-      <p:sp>
-        <p:nvSpPr>
-          <p:cNvPr id="11" name="圆角矩形 10"/>
-          <p:cNvSpPr/>
-          <p:nvPr/>
-        </p:nvSpPr>
-        <p:spPr>
-          <a:xfrm>
-            <a:off x="2551774" y="1160838"/>
-            <a:ext cx="7543800" cy="4889584"/>
-          </a:xfrm>
-          <a:prstGeom prst="roundRect">
-            <a:avLst/>
-          </a:prstGeom>
-        </p:spPr>
-        <p:style>
-          <a:lnRef idx="0">
-            <a:schemeClr val="accent4"/>
-          </a:lnRef>
-          <a:fillRef idx="3">
-            <a:schemeClr val="accent4"/>
-          </a:fillRef>
-          <a:effectRef idx="3">
-            <a:schemeClr val="accent4"/>
-          </a:effectRef>
-          <a:fontRef idx="minor">
-            <a:schemeClr val="lt1"/>
-          </a:fontRef>
-        </p:style>
-        <p:txBody>
-          <a:bodyPr rtlCol="0" anchor="ctr"/>
-          <a:lstStyle/>
-          <a:p>
-            <a:pPr algn="ctr"/>
-            <a:endParaRPr lang="zh-CN" altLang="en-US" sz="800" dirty="0">
-              <a:ln w="0"/>
-              <a:solidFill>
-                <a:schemeClr val="tx1"/>
-              </a:solidFill>
-              <a:effectLst>
-                <a:outerShdw blurRad="38100" dist="19050" dir="2700000" algn="tl" rotWithShape="0">
-                  <a:schemeClr val="dk1">
-                    <a:alpha val="40000"/>
-                  </a:schemeClr>
-                </a:outerShdw>
-              </a:effectLst>
-            </a:endParaRPr>
-          </a:p>
-        </p:txBody>
-      </p:sp>
-      <p:graphicFrame>
-        <p:nvGraphicFramePr>
-          <p:cNvPr id="15" name="表格 14"/>
-          <p:cNvGraphicFramePr>
-            <a:graphicFrameLocks noGrp="1"/>
-          </p:cNvGraphicFramePr>
-          <p:nvPr>
-            <p:extLst>
-              <p:ext uri="{D42A27DB-BD31-4B8C-83A1-F6EECF244321}">
-                <p14:modId xmlns:p14="http://schemas.microsoft.com/office/powerpoint/2010/main" val="3234907920"/>
-              </p:ext>
-            </p:extLst>
-          </p:nvPr>
-        </p:nvGraphicFramePr>
-        <p:xfrm>
-          <a:off x="2969537" y="1575303"/>
-          <a:ext cx="6799152" cy="4046899"/>
-        </p:xfrm>
-        <a:graphic>
-          <a:graphicData uri="http://schemas.openxmlformats.org/drawingml/2006/table">
-            <a:tbl>
-              <a:tblPr firstRow="1" bandRow="1">
-                <a:tableStyleId>{9D7B26C5-4107-4FEC-AEDC-1716B250A1EF}</a:tableStyleId>
-              </a:tblPr>
-              <a:tblGrid>
-                <a:gridCol w="3399576"/>
-                <a:gridCol w="3399576"/>
-              </a:tblGrid>
-              <a:tr h="4046899">
-                <a:tc>
-                  <a:txBody>
-                    <a:bodyPr/>
-                    <a:lstStyle/>
-                    <a:p>
-                      <a:r>
-                        <a:rPr lang="zh-CN" altLang="en-US" sz="1000" dirty="0" smtClean="0"/>
-                        <a:t>暂存区</a:t>
-                      </a:r>
-                      <a:endParaRPr lang="zh-CN" altLang="en-US" sz="1000" dirty="0"/>
-                    </a:p>
-                  </a:txBody>
-                  <a:tcPr/>
-                </a:tc>
-                <a:tc>
-                  <a:txBody>
-                    <a:bodyPr/>
-                    <a:lstStyle/>
-                    <a:p>
-                      <a:pPr marL="0" algn="l" defTabSz="457200" rtl="0" eaLnBrk="1" latinLnBrk="0" hangingPunct="1"/>
-                      <a:r>
-                        <a:rPr lang="zh-CN" altLang="en-US" sz="1000" kern="1200" dirty="0" smtClean="0"/>
-                        <a:t>版本区</a:t>
-                      </a:r>
-                      <a:endParaRPr lang="zh-CN" altLang="en-US" sz="1000" b="1" kern="1200" dirty="0">
-                        <a:solidFill>
-                          <a:schemeClr val="lt1"/>
-                        </a:solidFill>
-                        <a:latin typeface="+mn-lt"/>
-                        <a:ea typeface="+mn-ea"/>
-                        <a:cs typeface="+mn-cs"/>
-                      </a:endParaRPr>
-                    </a:p>
-                  </a:txBody>
-                  <a:tcPr/>
-                </a:tc>
-              </a:tr>
-            </a:tbl>
-          </a:graphicData>
-        </a:graphic>
-      </p:graphicFrame>
-    </p:spTree>
-    <p:custDataLst>
-      <p:tags r:id="rId1"/>
-    </p:custDataLst>
-    <p:extLst>
-      <p:ext uri="{BB962C8B-B14F-4D97-AF65-F5344CB8AC3E}">
-        <p14:creationId xmlns:p14="http://schemas.microsoft.com/office/powerpoint/2010/main" val="426220818"/>
-      </p:ext>
-    </p:extLst>
-  </p:cSld>
-  <p:clrMapOvr>
-    <a:masterClrMapping/>
-  </p:clrMapOvr>
-  <mc:AlternateContent xmlns:mc="http://schemas.openxmlformats.org/markup-compatibility/2006" xmlns:p14="http://schemas.microsoft.com/office/powerpoint/2010/main">
-    <mc:Choice Requires="p14">
-      <p:transition p14:dur="10" advTm="2931"/>
-    </mc:Choice>
-    <mc:Fallback xmlns="">
-      <p:transition advTm="2931"/>
-    </mc:Fallback>
-  </mc:AlternateContent>
-  <p:timing>
-    <p:tnLst>
-      <p:par>
-        <p:cTn id="1" dur="indefinite" restart="never" nodeType="tmRoot">
-          <p:childTnLst>
-            <p:audio isNarration="1">
-              <p:cMediaNode vol="80000" showWhenStopped="0">
-                <p:cTn id="2" fill="hold" display="0">
-                  <p:stCondLst>
-                    <p:cond delay="indefinite"/>
-                  </p:stCondLst>
-                  <p:endCondLst>
-                    <p:cond evt="onStopAudio" delay="0">
-                      <p:tgtEl>
-                        <p:sldTgt/>
-                      </p:tgtEl>
-                    </p:cond>
-                  </p:endCondLst>
-                </p:cTn>
-                <p:tgtEl>
-                  <p:spTgt spid="10"/>
-                </p:tgtEl>
-              </p:cMediaNode>
-            </p:audio>
-          </p:childTnLst>
-        </p:cTn>
-      </p:par>
-    </p:tnLst>
-  </p:timing>
-</p:sld>
-</file>
-
 <file path=ppt/tags/tag1.xml><?xml version="1.0" encoding="utf-8"?>
 <p:tagLst xmlns:a="http://schemas.openxmlformats.org/drawingml/2006/main" xmlns:r="http://schemas.openxmlformats.org/officeDocument/2006/relationships" xmlns:p="http://schemas.openxmlformats.org/presentationml/2006/main">
   <p:tag name="TIMING" val="|2.4"/>
@@ -26541,6 +29361,12 @@
 </file>
 
 <file path=ppt/tags/tag20.xml><?xml version="1.0" encoding="utf-8"?>
+<p:tagLst xmlns:a="http://schemas.openxmlformats.org/drawingml/2006/main" xmlns:r="http://schemas.openxmlformats.org/officeDocument/2006/relationships" xmlns:p="http://schemas.openxmlformats.org/presentationml/2006/main">
+  <p:tag name="TIMING" val="|2.4"/>
+</p:tagLst>
+</file>
+
+<file path=ppt/tags/tag21.xml><?xml version="1.0" encoding="utf-8"?>
 <p:tagLst xmlns:a="http://schemas.openxmlformats.org/drawingml/2006/main" xmlns:r="http://schemas.openxmlformats.org/officeDocument/2006/relationships" xmlns:p="http://schemas.openxmlformats.org/presentationml/2006/main">
   <p:tag name="TIMING" val="|2.4"/>
 </p:tagLst>
